--- a/ipsj/figure/tMemoryAllocator.pptx
+++ b/ipsj/figure/tMemoryAllocator.pptx
@@ -2,7 +2,7 @@
 <file path=ppt/presentation.xml><?xml version="1.0" encoding="utf-8"?>
 <p:presentation xmlns:a="http://schemas.openxmlformats.org/drawingml/2006/main" xmlns:r="http://schemas.openxmlformats.org/officeDocument/2006/relationships" xmlns:p="http://schemas.openxmlformats.org/presentationml/2006/main" saveSubsetFonts="1">
   <p:sldMasterIdLst>
-    <p:sldMasterId id="2147483648" r:id="rId1"/>
+    <p:sldMasterId id="2147483684" r:id="rId1"/>
   </p:sldMasterIdLst>
   <p:notesMasterIdLst>
     <p:notesMasterId r:id="rId3"/>
@@ -10,14 +10,14 @@
   <p:sldIdLst>
     <p:sldId id="259" r:id="rId2"/>
   </p:sldIdLst>
-  <p:sldSz cx="12192000" cy="6858000"/>
+  <p:sldSz cx="12192000" cy="3959225"/>
   <p:notesSz cx="6451600" cy="9321800"/>
   <p:defaultTextStyle>
     <a:defPPr>
-      <a:defRPr lang="ja-JP"/>
+      <a:defRPr lang="en-US"/>
     </a:defPPr>
-    <a:lvl1pPr marL="0" algn="l" defTabSz="914400" rtl="0" eaLnBrk="1" latinLnBrk="0" hangingPunct="1">
-      <a:defRPr kumimoji="1" sz="1800" kern="1200">
+    <a:lvl1pPr marL="0" algn="l" defTabSz="457200" rtl="0" eaLnBrk="1" latinLnBrk="0" hangingPunct="1">
+      <a:defRPr sz="1800" kern="1200">
         <a:solidFill>
           <a:schemeClr val="tx1"/>
         </a:solidFill>
@@ -26,8 +26,8 @@
         <a:cs typeface="+mn-cs"/>
       </a:defRPr>
     </a:lvl1pPr>
-    <a:lvl2pPr marL="457200" algn="l" defTabSz="914400" rtl="0" eaLnBrk="1" latinLnBrk="0" hangingPunct="1">
-      <a:defRPr kumimoji="1" sz="1800" kern="1200">
+    <a:lvl2pPr marL="457200" algn="l" defTabSz="457200" rtl="0" eaLnBrk="1" latinLnBrk="0" hangingPunct="1">
+      <a:defRPr sz="1800" kern="1200">
         <a:solidFill>
           <a:schemeClr val="tx1"/>
         </a:solidFill>
@@ -36,8 +36,8 @@
         <a:cs typeface="+mn-cs"/>
       </a:defRPr>
     </a:lvl2pPr>
-    <a:lvl3pPr marL="914400" algn="l" defTabSz="914400" rtl="0" eaLnBrk="1" latinLnBrk="0" hangingPunct="1">
-      <a:defRPr kumimoji="1" sz="1800" kern="1200">
+    <a:lvl3pPr marL="914400" algn="l" defTabSz="457200" rtl="0" eaLnBrk="1" latinLnBrk="0" hangingPunct="1">
+      <a:defRPr sz="1800" kern="1200">
         <a:solidFill>
           <a:schemeClr val="tx1"/>
         </a:solidFill>
@@ -46,8 +46,8 @@
         <a:cs typeface="+mn-cs"/>
       </a:defRPr>
     </a:lvl3pPr>
-    <a:lvl4pPr marL="1371600" algn="l" defTabSz="914400" rtl="0" eaLnBrk="1" latinLnBrk="0" hangingPunct="1">
-      <a:defRPr kumimoji="1" sz="1800" kern="1200">
+    <a:lvl4pPr marL="1371600" algn="l" defTabSz="457200" rtl="0" eaLnBrk="1" latinLnBrk="0" hangingPunct="1">
+      <a:defRPr sz="1800" kern="1200">
         <a:solidFill>
           <a:schemeClr val="tx1"/>
         </a:solidFill>
@@ -56,8 +56,8 @@
         <a:cs typeface="+mn-cs"/>
       </a:defRPr>
     </a:lvl4pPr>
-    <a:lvl5pPr marL="1828800" algn="l" defTabSz="914400" rtl="0" eaLnBrk="1" latinLnBrk="0" hangingPunct="1">
-      <a:defRPr kumimoji="1" sz="1800" kern="1200">
+    <a:lvl5pPr marL="1828800" algn="l" defTabSz="457200" rtl="0" eaLnBrk="1" latinLnBrk="0" hangingPunct="1">
+      <a:defRPr sz="1800" kern="1200">
         <a:solidFill>
           <a:schemeClr val="tx1"/>
         </a:solidFill>
@@ -66,8 +66,8 @@
         <a:cs typeface="+mn-cs"/>
       </a:defRPr>
     </a:lvl5pPr>
-    <a:lvl6pPr marL="2286000" algn="l" defTabSz="914400" rtl="0" eaLnBrk="1" latinLnBrk="0" hangingPunct="1">
-      <a:defRPr kumimoji="1" sz="1800" kern="1200">
+    <a:lvl6pPr marL="2286000" algn="l" defTabSz="457200" rtl="0" eaLnBrk="1" latinLnBrk="0" hangingPunct="1">
+      <a:defRPr sz="1800" kern="1200">
         <a:solidFill>
           <a:schemeClr val="tx1"/>
         </a:solidFill>
@@ -76,8 +76,8 @@
         <a:cs typeface="+mn-cs"/>
       </a:defRPr>
     </a:lvl6pPr>
-    <a:lvl7pPr marL="2743200" algn="l" defTabSz="914400" rtl="0" eaLnBrk="1" latinLnBrk="0" hangingPunct="1">
-      <a:defRPr kumimoji="1" sz="1800" kern="1200">
+    <a:lvl7pPr marL="2743200" algn="l" defTabSz="457200" rtl="0" eaLnBrk="1" latinLnBrk="0" hangingPunct="1">
+      <a:defRPr sz="1800" kern="1200">
         <a:solidFill>
           <a:schemeClr val="tx1"/>
         </a:solidFill>
@@ -86,8 +86,8 @@
         <a:cs typeface="+mn-cs"/>
       </a:defRPr>
     </a:lvl7pPr>
-    <a:lvl8pPr marL="3200400" algn="l" defTabSz="914400" rtl="0" eaLnBrk="1" latinLnBrk="0" hangingPunct="1">
-      <a:defRPr kumimoji="1" sz="1800" kern="1200">
+    <a:lvl8pPr marL="3200400" algn="l" defTabSz="457200" rtl="0" eaLnBrk="1" latinLnBrk="0" hangingPunct="1">
+      <a:defRPr sz="1800" kern="1200">
         <a:solidFill>
           <a:schemeClr val="tx1"/>
         </a:solidFill>
@@ -96,8 +96,8 @@
         <a:cs typeface="+mn-cs"/>
       </a:defRPr>
     </a:lvl8pPr>
-    <a:lvl9pPr marL="3657600" algn="l" defTabSz="914400" rtl="0" eaLnBrk="1" latinLnBrk="0" hangingPunct="1">
-      <a:defRPr kumimoji="1" sz="1800" kern="1200">
+    <a:lvl9pPr marL="3657600" algn="l" defTabSz="457200" rtl="0" eaLnBrk="1" latinLnBrk="0" hangingPunct="1">
+      <a:defRPr sz="1800" kern="1200">
         <a:solidFill>
           <a:schemeClr val="tx1"/>
         </a:solidFill>
@@ -197,7 +197,7 @@
           <a:p>
             <a:fld id="{00D06802-B8EF-4FD8-9511-F1F928CF3A55}" type="datetimeFigureOut">
               <a:rPr kumimoji="1" lang="ja-JP" altLang="en-US" smtClean="0"/>
-              <a:t>2017/1/23</a:t>
+              <a:t>2017/11/16</a:t>
             </a:fld>
             <a:endParaRPr kumimoji="1" lang="ja-JP" altLang="en-US"/>
           </a:p>
@@ -215,8 +215,8 @@
         </p:nvSpPr>
         <p:spPr>
           <a:xfrm>
-            <a:off x="430213" y="1165225"/>
-            <a:ext cx="5591175" cy="3146425"/>
+            <a:off x="-1617663" y="1165225"/>
+            <a:ext cx="9686926" cy="3146425"/>
           </a:xfrm>
           <a:prstGeom prst="rect">
             <a:avLst/>
@@ -516,7 +516,7 @@
       </p:grpSpPr>
       <p:sp>
         <p:nvSpPr>
-          <p:cNvPr id="2" name="タイトル 1"/>
+          <p:cNvPr id="2" name="Title 1"/>
           <p:cNvSpPr>
             <a:spLocks noGrp="1"/>
           </p:cNvSpPr>
@@ -526,29 +526,29 @@
         </p:nvSpPr>
         <p:spPr>
           <a:xfrm>
-            <a:off x="1524000" y="1122364"/>
-            <a:ext cx="9144000" cy="2387600"/>
+            <a:off x="1524000" y="647957"/>
+            <a:ext cx="9144000" cy="1378397"/>
           </a:xfrm>
         </p:spPr>
         <p:txBody>
           <a:bodyPr anchor="b"/>
           <a:lstStyle>
             <a:lvl1pPr algn="ctr">
-              <a:defRPr sz="6000"/>
+              <a:defRPr sz="3464"/>
             </a:lvl1pPr>
           </a:lstStyle>
           <a:p>
             <a:r>
-              <a:rPr kumimoji="1" lang="ja-JP" altLang="en-US" smtClean="0"/>
+              <a:rPr lang="ja-JP" altLang="en-US" smtClean="0"/>
               <a:t>マスター タイトルの書式設定</a:t>
             </a:r>
-            <a:endParaRPr kumimoji="1" lang="ja-JP" altLang="en-US"/>
-          </a:p>
-        </p:txBody>
-      </p:sp>
-      <p:sp>
-        <p:nvSpPr>
-          <p:cNvPr id="3" name="サブタイトル 2"/>
+            <a:endParaRPr lang="en-US" dirty="0"/>
+          </a:p>
+        </p:txBody>
+      </p:sp>
+      <p:sp>
+        <p:nvSpPr>
+          <p:cNvPr id="3" name="Subtitle 2"/>
           <p:cNvSpPr>
             <a:spLocks noGrp="1"/>
           </p:cNvSpPr>
@@ -558,8 +558,8 @@
         </p:nvSpPr>
         <p:spPr>
           <a:xfrm>
-            <a:off x="1524000" y="3602039"/>
-            <a:ext cx="9144000" cy="1655762"/>
+            <a:off x="1524000" y="2079510"/>
+            <a:ext cx="9144000" cy="955896"/>
           </a:xfrm>
         </p:spPr>
         <p:txBody>
@@ -567,53 +567,53 @@
           <a:lstStyle>
             <a:lvl1pPr marL="0" indent="0" algn="ctr">
               <a:buNone/>
-              <a:defRPr sz="2400"/>
+              <a:defRPr sz="1386"/>
             </a:lvl1pPr>
-            <a:lvl2pPr marL="457195" indent="0" algn="ctr">
-              <a:buNone/>
-              <a:defRPr sz="2000"/>
+            <a:lvl2pPr marL="263942" indent="0" algn="ctr">
+              <a:buNone/>
+              <a:defRPr sz="1155"/>
             </a:lvl2pPr>
-            <a:lvl3pPr marL="914392" indent="0" algn="ctr">
-              <a:buNone/>
-              <a:defRPr sz="1800"/>
+            <a:lvl3pPr marL="527883" indent="0" algn="ctr">
+              <a:buNone/>
+              <a:defRPr sz="1039"/>
             </a:lvl3pPr>
-            <a:lvl4pPr marL="1371588" indent="0" algn="ctr">
-              <a:buNone/>
-              <a:defRPr sz="1600"/>
+            <a:lvl4pPr marL="791825" indent="0" algn="ctr">
+              <a:buNone/>
+              <a:defRPr sz="924"/>
             </a:lvl4pPr>
-            <a:lvl5pPr marL="1828783" indent="0" algn="ctr">
-              <a:buNone/>
-              <a:defRPr sz="1600"/>
+            <a:lvl5pPr marL="1055766" indent="0" algn="ctr">
+              <a:buNone/>
+              <a:defRPr sz="924"/>
             </a:lvl5pPr>
-            <a:lvl6pPr marL="2285980" indent="0" algn="ctr">
-              <a:buNone/>
-              <a:defRPr sz="1600"/>
+            <a:lvl6pPr marL="1319708" indent="0" algn="ctr">
+              <a:buNone/>
+              <a:defRPr sz="924"/>
             </a:lvl6pPr>
-            <a:lvl7pPr marL="2743175" indent="0" algn="ctr">
-              <a:buNone/>
-              <a:defRPr sz="1600"/>
+            <a:lvl7pPr marL="1583649" indent="0" algn="ctr">
+              <a:buNone/>
+              <a:defRPr sz="924"/>
             </a:lvl7pPr>
-            <a:lvl8pPr marL="3200372" indent="0" algn="ctr">
-              <a:buNone/>
-              <a:defRPr sz="1600"/>
+            <a:lvl8pPr marL="1847591" indent="0" algn="ctr">
+              <a:buNone/>
+              <a:defRPr sz="924"/>
             </a:lvl8pPr>
-            <a:lvl9pPr marL="3657567" indent="0" algn="ctr">
-              <a:buNone/>
-              <a:defRPr sz="1600"/>
+            <a:lvl9pPr marL="2111532" indent="0" algn="ctr">
+              <a:buNone/>
+              <a:defRPr sz="924"/>
             </a:lvl9pPr>
           </a:lstStyle>
           <a:p>
             <a:r>
-              <a:rPr kumimoji="1" lang="ja-JP" altLang="en-US" smtClean="0"/>
+              <a:rPr lang="ja-JP" altLang="en-US" smtClean="0"/>
               <a:t>マスター サブタイトルの書式設定</a:t>
             </a:r>
-            <a:endParaRPr kumimoji="1" lang="ja-JP" altLang="en-US"/>
-          </a:p>
-        </p:txBody>
-      </p:sp>
-      <p:sp>
-        <p:nvSpPr>
-          <p:cNvPr id="4" name="日付プレースホルダー 3"/>
+            <a:endParaRPr lang="en-US" dirty="0"/>
+          </a:p>
+        </p:txBody>
+      </p:sp>
+      <p:sp>
+        <p:nvSpPr>
+          <p:cNvPr id="4" name="Date Placeholder 3"/>
           <p:cNvSpPr>
             <a:spLocks noGrp="1"/>
           </p:cNvSpPr>
@@ -628,7 +628,7 @@
           <a:p>
             <a:fld id="{AA641DB4-C951-4763-94FC-F650C3AA7E65}" type="datetimeFigureOut">
               <a:rPr kumimoji="1" lang="ja-JP" altLang="en-US" smtClean="0"/>
-              <a:t>2017/1/23</a:t>
+              <a:t>2017/11/16</a:t>
             </a:fld>
             <a:endParaRPr kumimoji="1" lang="ja-JP" altLang="en-US"/>
           </a:p>
@@ -636,7 +636,7 @@
       </p:sp>
       <p:sp>
         <p:nvSpPr>
-          <p:cNvPr id="5" name="フッター プレースホルダー 4"/>
+          <p:cNvPr id="5" name="Footer Placeholder 4"/>
           <p:cNvSpPr>
             <a:spLocks noGrp="1"/>
           </p:cNvSpPr>
@@ -655,7 +655,7 @@
       </p:sp>
       <p:sp>
         <p:nvSpPr>
-          <p:cNvPr id="6" name="スライド番号プレースホルダー 5"/>
+          <p:cNvPr id="6" name="Slide Number Placeholder 5"/>
           <p:cNvSpPr>
             <a:spLocks noGrp="1"/>
           </p:cNvSpPr>
@@ -679,7 +679,7 @@
     </p:spTree>
     <p:extLst>
       <p:ext uri="{BB962C8B-B14F-4D97-AF65-F5344CB8AC3E}">
-        <p14:creationId xmlns:p14="http://schemas.microsoft.com/office/powerpoint/2010/main" val="3805800358"/>
+        <p14:creationId xmlns:p14="http://schemas.microsoft.com/office/powerpoint/2010/main" val="2048784029"/>
       </p:ext>
     </p:extLst>
   </p:cSld>
@@ -708,7 +708,7 @@
       </p:grpSpPr>
       <p:sp>
         <p:nvSpPr>
-          <p:cNvPr id="2" name="タイトル 1"/>
+          <p:cNvPr id="2" name="Title 1"/>
           <p:cNvSpPr>
             <a:spLocks noGrp="1"/>
           </p:cNvSpPr>
@@ -722,16 +722,16 @@
           <a:lstStyle/>
           <a:p>
             <a:r>
-              <a:rPr kumimoji="1" lang="ja-JP" altLang="en-US" smtClean="0"/>
+              <a:rPr lang="ja-JP" altLang="en-US" smtClean="0"/>
               <a:t>マスター タイトルの書式設定</a:t>
             </a:r>
-            <a:endParaRPr kumimoji="1" lang="ja-JP" altLang="en-US"/>
-          </a:p>
-        </p:txBody>
-      </p:sp>
-      <p:sp>
-        <p:nvSpPr>
-          <p:cNvPr id="3" name="縦書きテキスト プレースホルダー 2"/>
+            <a:endParaRPr lang="en-US" dirty="0"/>
+          </a:p>
+        </p:txBody>
+      </p:sp>
+      <p:sp>
+        <p:nvSpPr>
+          <p:cNvPr id="3" name="Vertical Text Placeholder 2"/>
           <p:cNvSpPr>
             <a:spLocks noGrp="1"/>
           </p:cNvSpPr>
@@ -746,76 +746,76 @@
           <a:p>
             <a:pPr lvl="0"/>
             <a:r>
-              <a:rPr kumimoji="1" lang="ja-JP" altLang="en-US" smtClean="0"/>
+              <a:rPr lang="ja-JP" altLang="en-US" smtClean="0"/>
               <a:t>マスター テキストの書式設定</a:t>
             </a:r>
           </a:p>
           <a:p>
             <a:pPr lvl="1"/>
             <a:r>
-              <a:rPr kumimoji="1" lang="ja-JP" altLang="en-US" smtClean="0"/>
+              <a:rPr lang="ja-JP" altLang="en-US" smtClean="0"/>
               <a:t>第 </a:t>
             </a:r>
             <a:r>
-              <a:rPr kumimoji="1" lang="en-US" altLang="ja-JP" smtClean="0"/>
+              <a:rPr lang="en-US" altLang="ja-JP" smtClean="0"/>
               <a:t>2 </a:t>
             </a:r>
             <a:r>
-              <a:rPr kumimoji="1" lang="ja-JP" altLang="en-US" smtClean="0"/>
+              <a:rPr lang="ja-JP" altLang="en-US" smtClean="0"/>
               <a:t>レベル</a:t>
             </a:r>
           </a:p>
           <a:p>
             <a:pPr lvl="2"/>
             <a:r>
-              <a:rPr kumimoji="1" lang="ja-JP" altLang="en-US" smtClean="0"/>
+              <a:rPr lang="ja-JP" altLang="en-US" smtClean="0"/>
               <a:t>第 </a:t>
             </a:r>
             <a:r>
-              <a:rPr kumimoji="1" lang="en-US" altLang="ja-JP" smtClean="0"/>
+              <a:rPr lang="en-US" altLang="ja-JP" smtClean="0"/>
               <a:t>3 </a:t>
             </a:r>
             <a:r>
-              <a:rPr kumimoji="1" lang="ja-JP" altLang="en-US" smtClean="0"/>
+              <a:rPr lang="ja-JP" altLang="en-US" smtClean="0"/>
               <a:t>レベル</a:t>
             </a:r>
           </a:p>
           <a:p>
             <a:pPr lvl="3"/>
             <a:r>
-              <a:rPr kumimoji="1" lang="ja-JP" altLang="en-US" smtClean="0"/>
+              <a:rPr lang="ja-JP" altLang="en-US" smtClean="0"/>
               <a:t>第 </a:t>
             </a:r>
             <a:r>
-              <a:rPr kumimoji="1" lang="en-US" altLang="ja-JP" smtClean="0"/>
+              <a:rPr lang="en-US" altLang="ja-JP" smtClean="0"/>
               <a:t>4 </a:t>
             </a:r>
             <a:r>
-              <a:rPr kumimoji="1" lang="ja-JP" altLang="en-US" smtClean="0"/>
+              <a:rPr lang="ja-JP" altLang="en-US" smtClean="0"/>
               <a:t>レベル</a:t>
             </a:r>
           </a:p>
           <a:p>
             <a:pPr lvl="4"/>
             <a:r>
-              <a:rPr kumimoji="1" lang="ja-JP" altLang="en-US" smtClean="0"/>
+              <a:rPr lang="ja-JP" altLang="en-US" smtClean="0"/>
               <a:t>第 </a:t>
             </a:r>
             <a:r>
-              <a:rPr kumimoji="1" lang="en-US" altLang="ja-JP" smtClean="0"/>
+              <a:rPr lang="en-US" altLang="ja-JP" smtClean="0"/>
               <a:t>5 </a:t>
             </a:r>
             <a:r>
-              <a:rPr kumimoji="1" lang="ja-JP" altLang="en-US" smtClean="0"/>
+              <a:rPr lang="ja-JP" altLang="en-US" smtClean="0"/>
               <a:t>レベル</a:t>
             </a:r>
-            <a:endParaRPr kumimoji="1" lang="ja-JP" altLang="en-US"/>
-          </a:p>
-        </p:txBody>
-      </p:sp>
-      <p:sp>
-        <p:nvSpPr>
-          <p:cNvPr id="4" name="日付プレースホルダー 3"/>
+            <a:endParaRPr lang="en-US" dirty="0"/>
+          </a:p>
+        </p:txBody>
+      </p:sp>
+      <p:sp>
+        <p:nvSpPr>
+          <p:cNvPr id="4" name="Date Placeholder 3"/>
           <p:cNvSpPr>
             <a:spLocks noGrp="1"/>
           </p:cNvSpPr>
@@ -830,7 +830,7 @@
           <a:p>
             <a:fld id="{AA641DB4-C951-4763-94FC-F650C3AA7E65}" type="datetimeFigureOut">
               <a:rPr kumimoji="1" lang="ja-JP" altLang="en-US" smtClean="0"/>
-              <a:t>2017/1/23</a:t>
+              <a:t>2017/11/16</a:t>
             </a:fld>
             <a:endParaRPr kumimoji="1" lang="ja-JP" altLang="en-US"/>
           </a:p>
@@ -838,7 +838,7 @@
       </p:sp>
       <p:sp>
         <p:nvSpPr>
-          <p:cNvPr id="5" name="フッター プレースホルダー 4"/>
+          <p:cNvPr id="5" name="Footer Placeholder 4"/>
           <p:cNvSpPr>
             <a:spLocks noGrp="1"/>
           </p:cNvSpPr>
@@ -857,7 +857,7 @@
       </p:sp>
       <p:sp>
         <p:nvSpPr>
-          <p:cNvPr id="6" name="スライド番号プレースホルダー 5"/>
+          <p:cNvPr id="6" name="Slide Number Placeholder 5"/>
           <p:cNvSpPr>
             <a:spLocks noGrp="1"/>
           </p:cNvSpPr>
@@ -881,7 +881,7 @@
     </p:spTree>
     <p:extLst>
       <p:ext uri="{BB962C8B-B14F-4D97-AF65-F5344CB8AC3E}">
-        <p14:creationId xmlns:p14="http://schemas.microsoft.com/office/powerpoint/2010/main" val="2010152497"/>
+        <p14:creationId xmlns:p14="http://schemas.microsoft.com/office/powerpoint/2010/main" val="3502828978"/>
       </p:ext>
     </p:extLst>
   </p:cSld>
@@ -910,7 +910,7 @@
       </p:grpSpPr>
       <p:sp>
         <p:nvSpPr>
-          <p:cNvPr id="2" name="縦書きタイトル 1"/>
+          <p:cNvPr id="2" name="Vertical Title 1"/>
           <p:cNvSpPr>
             <a:spLocks noGrp="1"/>
           </p:cNvSpPr>
@@ -920,8 +920,8 @@
         </p:nvSpPr>
         <p:spPr>
           <a:xfrm>
-            <a:off x="8724900" y="365126"/>
-            <a:ext cx="2628900" cy="5811838"/>
+            <a:off x="8724900" y="210792"/>
+            <a:ext cx="2628900" cy="3355260"/>
           </a:xfrm>
         </p:spPr>
         <p:txBody>
@@ -929,16 +929,16 @@
           <a:lstStyle/>
           <a:p>
             <a:r>
-              <a:rPr kumimoji="1" lang="ja-JP" altLang="en-US" smtClean="0"/>
+              <a:rPr lang="ja-JP" altLang="en-US" smtClean="0"/>
               <a:t>マスター タイトルの書式設定</a:t>
             </a:r>
-            <a:endParaRPr kumimoji="1" lang="ja-JP" altLang="en-US"/>
-          </a:p>
-        </p:txBody>
-      </p:sp>
-      <p:sp>
-        <p:nvSpPr>
-          <p:cNvPr id="3" name="縦書きテキスト プレースホルダー 2"/>
+            <a:endParaRPr lang="en-US" dirty="0"/>
+          </a:p>
+        </p:txBody>
+      </p:sp>
+      <p:sp>
+        <p:nvSpPr>
+          <p:cNvPr id="3" name="Vertical Text Placeholder 2"/>
           <p:cNvSpPr>
             <a:spLocks noGrp="1"/>
           </p:cNvSpPr>
@@ -948,8 +948,8 @@
         </p:nvSpPr>
         <p:spPr>
           <a:xfrm>
-            <a:off x="838200" y="365126"/>
-            <a:ext cx="7734300" cy="5811838"/>
+            <a:off x="838200" y="210792"/>
+            <a:ext cx="7734300" cy="3355260"/>
           </a:xfrm>
         </p:spPr>
         <p:txBody>
@@ -958,76 +958,76 @@
           <a:p>
             <a:pPr lvl="0"/>
             <a:r>
-              <a:rPr kumimoji="1" lang="ja-JP" altLang="en-US" smtClean="0"/>
+              <a:rPr lang="ja-JP" altLang="en-US" smtClean="0"/>
               <a:t>マスター テキストの書式設定</a:t>
             </a:r>
           </a:p>
           <a:p>
             <a:pPr lvl="1"/>
             <a:r>
-              <a:rPr kumimoji="1" lang="ja-JP" altLang="en-US" smtClean="0"/>
+              <a:rPr lang="ja-JP" altLang="en-US" smtClean="0"/>
               <a:t>第 </a:t>
             </a:r>
             <a:r>
-              <a:rPr kumimoji="1" lang="en-US" altLang="ja-JP" smtClean="0"/>
+              <a:rPr lang="en-US" altLang="ja-JP" smtClean="0"/>
               <a:t>2 </a:t>
             </a:r>
             <a:r>
-              <a:rPr kumimoji="1" lang="ja-JP" altLang="en-US" smtClean="0"/>
+              <a:rPr lang="ja-JP" altLang="en-US" smtClean="0"/>
               <a:t>レベル</a:t>
             </a:r>
           </a:p>
           <a:p>
             <a:pPr lvl="2"/>
             <a:r>
-              <a:rPr kumimoji="1" lang="ja-JP" altLang="en-US" smtClean="0"/>
+              <a:rPr lang="ja-JP" altLang="en-US" smtClean="0"/>
               <a:t>第 </a:t>
             </a:r>
             <a:r>
-              <a:rPr kumimoji="1" lang="en-US" altLang="ja-JP" smtClean="0"/>
+              <a:rPr lang="en-US" altLang="ja-JP" smtClean="0"/>
               <a:t>3 </a:t>
             </a:r>
             <a:r>
-              <a:rPr kumimoji="1" lang="ja-JP" altLang="en-US" smtClean="0"/>
+              <a:rPr lang="ja-JP" altLang="en-US" smtClean="0"/>
               <a:t>レベル</a:t>
             </a:r>
           </a:p>
           <a:p>
             <a:pPr lvl="3"/>
             <a:r>
-              <a:rPr kumimoji="1" lang="ja-JP" altLang="en-US" smtClean="0"/>
+              <a:rPr lang="ja-JP" altLang="en-US" smtClean="0"/>
               <a:t>第 </a:t>
             </a:r>
             <a:r>
-              <a:rPr kumimoji="1" lang="en-US" altLang="ja-JP" smtClean="0"/>
+              <a:rPr lang="en-US" altLang="ja-JP" smtClean="0"/>
               <a:t>4 </a:t>
             </a:r>
             <a:r>
-              <a:rPr kumimoji="1" lang="ja-JP" altLang="en-US" smtClean="0"/>
+              <a:rPr lang="ja-JP" altLang="en-US" smtClean="0"/>
               <a:t>レベル</a:t>
             </a:r>
           </a:p>
           <a:p>
             <a:pPr lvl="4"/>
             <a:r>
-              <a:rPr kumimoji="1" lang="ja-JP" altLang="en-US" smtClean="0"/>
+              <a:rPr lang="ja-JP" altLang="en-US" smtClean="0"/>
               <a:t>第 </a:t>
             </a:r>
             <a:r>
-              <a:rPr kumimoji="1" lang="en-US" altLang="ja-JP" smtClean="0"/>
+              <a:rPr lang="en-US" altLang="ja-JP" smtClean="0"/>
               <a:t>5 </a:t>
             </a:r>
             <a:r>
-              <a:rPr kumimoji="1" lang="ja-JP" altLang="en-US" smtClean="0"/>
+              <a:rPr lang="ja-JP" altLang="en-US" smtClean="0"/>
               <a:t>レベル</a:t>
             </a:r>
-            <a:endParaRPr kumimoji="1" lang="ja-JP" altLang="en-US"/>
-          </a:p>
-        </p:txBody>
-      </p:sp>
-      <p:sp>
-        <p:nvSpPr>
-          <p:cNvPr id="4" name="日付プレースホルダー 3"/>
+            <a:endParaRPr lang="en-US" dirty="0"/>
+          </a:p>
+        </p:txBody>
+      </p:sp>
+      <p:sp>
+        <p:nvSpPr>
+          <p:cNvPr id="4" name="Date Placeholder 3"/>
           <p:cNvSpPr>
             <a:spLocks noGrp="1"/>
           </p:cNvSpPr>
@@ -1042,7 +1042,7 @@
           <a:p>
             <a:fld id="{AA641DB4-C951-4763-94FC-F650C3AA7E65}" type="datetimeFigureOut">
               <a:rPr kumimoji="1" lang="ja-JP" altLang="en-US" smtClean="0"/>
-              <a:t>2017/1/23</a:t>
+              <a:t>2017/11/16</a:t>
             </a:fld>
             <a:endParaRPr kumimoji="1" lang="ja-JP" altLang="en-US"/>
           </a:p>
@@ -1050,7 +1050,7 @@
       </p:sp>
       <p:sp>
         <p:nvSpPr>
-          <p:cNvPr id="5" name="フッター プレースホルダー 4"/>
+          <p:cNvPr id="5" name="Footer Placeholder 4"/>
           <p:cNvSpPr>
             <a:spLocks noGrp="1"/>
           </p:cNvSpPr>
@@ -1069,7 +1069,7 @@
       </p:sp>
       <p:sp>
         <p:nvSpPr>
-          <p:cNvPr id="6" name="スライド番号プレースホルダー 5"/>
+          <p:cNvPr id="6" name="Slide Number Placeholder 5"/>
           <p:cNvSpPr>
             <a:spLocks noGrp="1"/>
           </p:cNvSpPr>
@@ -1093,7 +1093,7 @@
     </p:spTree>
     <p:extLst>
       <p:ext uri="{BB962C8B-B14F-4D97-AF65-F5344CB8AC3E}">
-        <p14:creationId xmlns:p14="http://schemas.microsoft.com/office/powerpoint/2010/main" val="1552220192"/>
+        <p14:creationId xmlns:p14="http://schemas.microsoft.com/office/powerpoint/2010/main" val="4182688333"/>
       </p:ext>
     </p:extLst>
   </p:cSld>
@@ -1122,7 +1122,7 @@
       </p:grpSpPr>
       <p:sp>
         <p:nvSpPr>
-          <p:cNvPr id="2" name="タイトル 1"/>
+          <p:cNvPr id="2" name="Title 1"/>
           <p:cNvSpPr>
             <a:spLocks noGrp="1"/>
           </p:cNvSpPr>
@@ -1136,16 +1136,16 @@
           <a:lstStyle/>
           <a:p>
             <a:r>
-              <a:rPr kumimoji="1" lang="ja-JP" altLang="en-US" smtClean="0"/>
+              <a:rPr lang="ja-JP" altLang="en-US" smtClean="0"/>
               <a:t>マスター タイトルの書式設定</a:t>
             </a:r>
-            <a:endParaRPr kumimoji="1" lang="ja-JP" altLang="en-US"/>
-          </a:p>
-        </p:txBody>
-      </p:sp>
-      <p:sp>
-        <p:nvSpPr>
-          <p:cNvPr id="3" name="コンテンツ プレースホルダー 2"/>
+            <a:endParaRPr lang="en-US" dirty="0"/>
+          </a:p>
+        </p:txBody>
+      </p:sp>
+      <p:sp>
+        <p:nvSpPr>
+          <p:cNvPr id="3" name="Content Placeholder 2"/>
           <p:cNvSpPr>
             <a:spLocks noGrp="1"/>
           </p:cNvSpPr>
@@ -1160,76 +1160,76 @@
           <a:p>
             <a:pPr lvl="0"/>
             <a:r>
-              <a:rPr kumimoji="1" lang="ja-JP" altLang="en-US" smtClean="0"/>
+              <a:rPr lang="ja-JP" altLang="en-US" smtClean="0"/>
               <a:t>マスター テキストの書式設定</a:t>
             </a:r>
           </a:p>
           <a:p>
             <a:pPr lvl="1"/>
             <a:r>
-              <a:rPr kumimoji="1" lang="ja-JP" altLang="en-US" smtClean="0"/>
+              <a:rPr lang="ja-JP" altLang="en-US" smtClean="0"/>
               <a:t>第 </a:t>
             </a:r>
             <a:r>
-              <a:rPr kumimoji="1" lang="en-US" altLang="ja-JP" smtClean="0"/>
+              <a:rPr lang="en-US" altLang="ja-JP" smtClean="0"/>
               <a:t>2 </a:t>
             </a:r>
             <a:r>
-              <a:rPr kumimoji="1" lang="ja-JP" altLang="en-US" smtClean="0"/>
+              <a:rPr lang="ja-JP" altLang="en-US" smtClean="0"/>
               <a:t>レベル</a:t>
             </a:r>
           </a:p>
           <a:p>
             <a:pPr lvl="2"/>
             <a:r>
-              <a:rPr kumimoji="1" lang="ja-JP" altLang="en-US" smtClean="0"/>
+              <a:rPr lang="ja-JP" altLang="en-US" smtClean="0"/>
               <a:t>第 </a:t>
             </a:r>
             <a:r>
-              <a:rPr kumimoji="1" lang="en-US" altLang="ja-JP" smtClean="0"/>
+              <a:rPr lang="en-US" altLang="ja-JP" smtClean="0"/>
               <a:t>3 </a:t>
             </a:r>
             <a:r>
-              <a:rPr kumimoji="1" lang="ja-JP" altLang="en-US" smtClean="0"/>
+              <a:rPr lang="ja-JP" altLang="en-US" smtClean="0"/>
               <a:t>レベル</a:t>
             </a:r>
           </a:p>
           <a:p>
             <a:pPr lvl="3"/>
             <a:r>
-              <a:rPr kumimoji="1" lang="ja-JP" altLang="en-US" smtClean="0"/>
+              <a:rPr lang="ja-JP" altLang="en-US" smtClean="0"/>
               <a:t>第 </a:t>
             </a:r>
             <a:r>
-              <a:rPr kumimoji="1" lang="en-US" altLang="ja-JP" smtClean="0"/>
+              <a:rPr lang="en-US" altLang="ja-JP" smtClean="0"/>
               <a:t>4 </a:t>
             </a:r>
             <a:r>
-              <a:rPr kumimoji="1" lang="ja-JP" altLang="en-US" smtClean="0"/>
+              <a:rPr lang="ja-JP" altLang="en-US" smtClean="0"/>
               <a:t>レベル</a:t>
             </a:r>
           </a:p>
           <a:p>
             <a:pPr lvl="4"/>
             <a:r>
-              <a:rPr kumimoji="1" lang="ja-JP" altLang="en-US" smtClean="0"/>
+              <a:rPr lang="ja-JP" altLang="en-US" smtClean="0"/>
               <a:t>第 </a:t>
             </a:r>
             <a:r>
-              <a:rPr kumimoji="1" lang="en-US" altLang="ja-JP" smtClean="0"/>
+              <a:rPr lang="en-US" altLang="ja-JP" smtClean="0"/>
               <a:t>5 </a:t>
             </a:r>
             <a:r>
-              <a:rPr kumimoji="1" lang="ja-JP" altLang="en-US" smtClean="0"/>
+              <a:rPr lang="ja-JP" altLang="en-US" smtClean="0"/>
               <a:t>レベル</a:t>
             </a:r>
-            <a:endParaRPr kumimoji="1" lang="ja-JP" altLang="en-US"/>
-          </a:p>
-        </p:txBody>
-      </p:sp>
-      <p:sp>
-        <p:nvSpPr>
-          <p:cNvPr id="4" name="日付プレースホルダー 3"/>
+            <a:endParaRPr lang="en-US" dirty="0"/>
+          </a:p>
+        </p:txBody>
+      </p:sp>
+      <p:sp>
+        <p:nvSpPr>
+          <p:cNvPr id="4" name="Date Placeholder 3"/>
           <p:cNvSpPr>
             <a:spLocks noGrp="1"/>
           </p:cNvSpPr>
@@ -1244,7 +1244,7 @@
           <a:p>
             <a:fld id="{AA641DB4-C951-4763-94FC-F650C3AA7E65}" type="datetimeFigureOut">
               <a:rPr kumimoji="1" lang="ja-JP" altLang="en-US" smtClean="0"/>
-              <a:t>2017/1/23</a:t>
+              <a:t>2017/11/16</a:t>
             </a:fld>
             <a:endParaRPr kumimoji="1" lang="ja-JP" altLang="en-US"/>
           </a:p>
@@ -1252,7 +1252,7 @@
       </p:sp>
       <p:sp>
         <p:nvSpPr>
-          <p:cNvPr id="5" name="フッター プレースホルダー 4"/>
+          <p:cNvPr id="5" name="Footer Placeholder 4"/>
           <p:cNvSpPr>
             <a:spLocks noGrp="1"/>
           </p:cNvSpPr>
@@ -1271,7 +1271,7 @@
       </p:sp>
       <p:sp>
         <p:nvSpPr>
-          <p:cNvPr id="6" name="スライド番号プレースホルダー 5"/>
+          <p:cNvPr id="6" name="Slide Number Placeholder 5"/>
           <p:cNvSpPr>
             <a:spLocks noGrp="1"/>
           </p:cNvSpPr>
@@ -1295,7 +1295,7 @@
     </p:spTree>
     <p:extLst>
       <p:ext uri="{BB962C8B-B14F-4D97-AF65-F5344CB8AC3E}">
-        <p14:creationId xmlns:p14="http://schemas.microsoft.com/office/powerpoint/2010/main" val="2655268122"/>
+        <p14:creationId xmlns:p14="http://schemas.microsoft.com/office/powerpoint/2010/main" val="1359650253"/>
       </p:ext>
     </p:extLst>
   </p:cSld>
@@ -1324,7 +1324,7 @@
       </p:grpSpPr>
       <p:sp>
         <p:nvSpPr>
-          <p:cNvPr id="2" name="タイトル 1"/>
+          <p:cNvPr id="2" name="Title 1"/>
           <p:cNvSpPr>
             <a:spLocks noGrp="1"/>
           </p:cNvSpPr>
@@ -1334,29 +1334,29 @@
         </p:nvSpPr>
         <p:spPr>
           <a:xfrm>
-            <a:off x="831850" y="1709739"/>
-            <a:ext cx="10515600" cy="2852737"/>
+            <a:off x="831850" y="987058"/>
+            <a:ext cx="10515600" cy="1646927"/>
           </a:xfrm>
         </p:spPr>
         <p:txBody>
           <a:bodyPr anchor="b"/>
           <a:lstStyle>
             <a:lvl1pPr>
-              <a:defRPr sz="6000"/>
+              <a:defRPr sz="3464"/>
             </a:lvl1pPr>
           </a:lstStyle>
           <a:p>
             <a:r>
-              <a:rPr kumimoji="1" lang="ja-JP" altLang="en-US" smtClean="0"/>
+              <a:rPr lang="ja-JP" altLang="en-US" smtClean="0"/>
               <a:t>マスター タイトルの書式設定</a:t>
             </a:r>
-            <a:endParaRPr kumimoji="1" lang="ja-JP" altLang="en-US"/>
-          </a:p>
-        </p:txBody>
-      </p:sp>
-      <p:sp>
-        <p:nvSpPr>
-          <p:cNvPr id="3" name="テキスト プレースホルダー 2"/>
+            <a:endParaRPr lang="en-US" dirty="0"/>
+          </a:p>
+        </p:txBody>
+      </p:sp>
+      <p:sp>
+        <p:nvSpPr>
+          <p:cNvPr id="3" name="Text Placeholder 2"/>
           <p:cNvSpPr>
             <a:spLocks noGrp="1"/>
           </p:cNvSpPr>
@@ -1366,8 +1366,8 @@
         </p:nvSpPr>
         <p:spPr>
           <a:xfrm>
-            <a:off x="831850" y="4589464"/>
-            <a:ext cx="10515600" cy="1500187"/>
+            <a:off x="831850" y="2649565"/>
+            <a:ext cx="10515600" cy="866080"/>
           </a:xfrm>
         </p:spPr>
         <p:txBody>
@@ -1375,7 +1375,7 @@
           <a:lstStyle>
             <a:lvl1pPr marL="0" indent="0">
               <a:buNone/>
-              <a:defRPr sz="2400">
+              <a:defRPr sz="1386">
                 <a:solidFill>
                   <a:schemeClr val="tx1">
                     <a:tint val="75000"/>
@@ -1383,9 +1383,9 @@
                 </a:solidFill>
               </a:defRPr>
             </a:lvl1pPr>
-            <a:lvl2pPr marL="457195" indent="0">
-              <a:buNone/>
-              <a:defRPr sz="2000">
+            <a:lvl2pPr marL="263942" indent="0">
+              <a:buNone/>
+              <a:defRPr sz="1155">
                 <a:solidFill>
                   <a:schemeClr val="tx1">
                     <a:tint val="75000"/>
@@ -1393,9 +1393,9 @@
                 </a:solidFill>
               </a:defRPr>
             </a:lvl2pPr>
-            <a:lvl3pPr marL="914392" indent="0">
-              <a:buNone/>
-              <a:defRPr sz="1800">
+            <a:lvl3pPr marL="527883" indent="0">
+              <a:buNone/>
+              <a:defRPr sz="1039">
                 <a:solidFill>
                   <a:schemeClr val="tx1">
                     <a:tint val="75000"/>
@@ -1403,9 +1403,9 @@
                 </a:solidFill>
               </a:defRPr>
             </a:lvl3pPr>
-            <a:lvl4pPr marL="1371588" indent="0">
-              <a:buNone/>
-              <a:defRPr sz="1600">
+            <a:lvl4pPr marL="791825" indent="0">
+              <a:buNone/>
+              <a:defRPr sz="924">
                 <a:solidFill>
                   <a:schemeClr val="tx1">
                     <a:tint val="75000"/>
@@ -1413,9 +1413,9 @@
                 </a:solidFill>
               </a:defRPr>
             </a:lvl4pPr>
-            <a:lvl5pPr marL="1828783" indent="0">
-              <a:buNone/>
-              <a:defRPr sz="1600">
+            <a:lvl5pPr marL="1055766" indent="0">
+              <a:buNone/>
+              <a:defRPr sz="924">
                 <a:solidFill>
                   <a:schemeClr val="tx1">
                     <a:tint val="75000"/>
@@ -1423,9 +1423,9 @@
                 </a:solidFill>
               </a:defRPr>
             </a:lvl5pPr>
-            <a:lvl6pPr marL="2285980" indent="0">
-              <a:buNone/>
-              <a:defRPr sz="1600">
+            <a:lvl6pPr marL="1319708" indent="0">
+              <a:buNone/>
+              <a:defRPr sz="924">
                 <a:solidFill>
                   <a:schemeClr val="tx1">
                     <a:tint val="75000"/>
@@ -1433,9 +1433,9 @@
                 </a:solidFill>
               </a:defRPr>
             </a:lvl6pPr>
-            <a:lvl7pPr marL="2743175" indent="0">
-              <a:buNone/>
-              <a:defRPr sz="1600">
+            <a:lvl7pPr marL="1583649" indent="0">
+              <a:buNone/>
+              <a:defRPr sz="924">
                 <a:solidFill>
                   <a:schemeClr val="tx1">
                     <a:tint val="75000"/>
@@ -1443,9 +1443,9 @@
                 </a:solidFill>
               </a:defRPr>
             </a:lvl7pPr>
-            <a:lvl8pPr marL="3200372" indent="0">
-              <a:buNone/>
-              <a:defRPr sz="1600">
+            <a:lvl8pPr marL="1847591" indent="0">
+              <a:buNone/>
+              <a:defRPr sz="924">
                 <a:solidFill>
                   <a:schemeClr val="tx1">
                     <a:tint val="75000"/>
@@ -1453,9 +1453,9 @@
                 </a:solidFill>
               </a:defRPr>
             </a:lvl8pPr>
-            <a:lvl9pPr marL="3657567" indent="0">
-              <a:buNone/>
-              <a:defRPr sz="1600">
+            <a:lvl9pPr marL="2111532" indent="0">
+              <a:buNone/>
+              <a:defRPr sz="924">
                 <a:solidFill>
                   <a:schemeClr val="tx1">
                     <a:tint val="75000"/>
@@ -1467,7 +1467,7 @@
           <a:p>
             <a:pPr lvl="0"/>
             <a:r>
-              <a:rPr kumimoji="1" lang="ja-JP" altLang="en-US" smtClean="0"/>
+              <a:rPr lang="ja-JP" altLang="en-US" smtClean="0"/>
               <a:t>マスター テキストの書式設定</a:t>
             </a:r>
           </a:p>
@@ -1475,7 +1475,7 @@
       </p:sp>
       <p:sp>
         <p:nvSpPr>
-          <p:cNvPr id="4" name="日付プレースホルダー 3"/>
+          <p:cNvPr id="4" name="Date Placeholder 3"/>
           <p:cNvSpPr>
             <a:spLocks noGrp="1"/>
           </p:cNvSpPr>
@@ -1490,7 +1490,7 @@
           <a:p>
             <a:fld id="{AA641DB4-C951-4763-94FC-F650C3AA7E65}" type="datetimeFigureOut">
               <a:rPr kumimoji="1" lang="ja-JP" altLang="en-US" smtClean="0"/>
-              <a:t>2017/1/23</a:t>
+              <a:t>2017/11/16</a:t>
             </a:fld>
             <a:endParaRPr kumimoji="1" lang="ja-JP" altLang="en-US"/>
           </a:p>
@@ -1498,7 +1498,7 @@
       </p:sp>
       <p:sp>
         <p:nvSpPr>
-          <p:cNvPr id="5" name="フッター プレースホルダー 4"/>
+          <p:cNvPr id="5" name="Footer Placeholder 4"/>
           <p:cNvSpPr>
             <a:spLocks noGrp="1"/>
           </p:cNvSpPr>
@@ -1517,7 +1517,7 @@
       </p:sp>
       <p:sp>
         <p:nvSpPr>
-          <p:cNvPr id="6" name="スライド番号プレースホルダー 5"/>
+          <p:cNvPr id="6" name="Slide Number Placeholder 5"/>
           <p:cNvSpPr>
             <a:spLocks noGrp="1"/>
           </p:cNvSpPr>
@@ -1541,7 +1541,7 @@
     </p:spTree>
     <p:extLst>
       <p:ext uri="{BB962C8B-B14F-4D97-AF65-F5344CB8AC3E}">
-        <p14:creationId xmlns:p14="http://schemas.microsoft.com/office/powerpoint/2010/main" val="395054707"/>
+        <p14:creationId xmlns:p14="http://schemas.microsoft.com/office/powerpoint/2010/main" val="1663080419"/>
       </p:ext>
     </p:extLst>
   </p:cSld>
@@ -1570,7 +1570,7 @@
       </p:grpSpPr>
       <p:sp>
         <p:nvSpPr>
-          <p:cNvPr id="2" name="タイトル 1"/>
+          <p:cNvPr id="2" name="Title 1"/>
           <p:cNvSpPr>
             <a:spLocks noGrp="1"/>
           </p:cNvSpPr>
@@ -1584,16 +1584,16 @@
           <a:lstStyle/>
           <a:p>
             <a:r>
-              <a:rPr kumimoji="1" lang="ja-JP" altLang="en-US" smtClean="0"/>
+              <a:rPr lang="ja-JP" altLang="en-US" smtClean="0"/>
               <a:t>マスター タイトルの書式設定</a:t>
             </a:r>
-            <a:endParaRPr kumimoji="1" lang="ja-JP" altLang="en-US"/>
-          </a:p>
-        </p:txBody>
-      </p:sp>
-      <p:sp>
-        <p:nvSpPr>
-          <p:cNvPr id="3" name="コンテンツ プレースホルダー 2"/>
+            <a:endParaRPr lang="en-US" dirty="0"/>
+          </a:p>
+        </p:txBody>
+      </p:sp>
+      <p:sp>
+        <p:nvSpPr>
+          <p:cNvPr id="3" name="Content Placeholder 2"/>
           <p:cNvSpPr>
             <a:spLocks noGrp="1"/>
           </p:cNvSpPr>
@@ -1603,8 +1603,8 @@
         </p:nvSpPr>
         <p:spPr>
           <a:xfrm>
-            <a:off x="838200" y="1825625"/>
-            <a:ext cx="5181600" cy="4351338"/>
+            <a:off x="838200" y="1053960"/>
+            <a:ext cx="5181600" cy="2512092"/>
           </a:xfrm>
         </p:spPr>
         <p:txBody>
@@ -1613,76 +1613,76 @@
           <a:p>
             <a:pPr lvl="0"/>
             <a:r>
-              <a:rPr kumimoji="1" lang="ja-JP" altLang="en-US" smtClean="0"/>
+              <a:rPr lang="ja-JP" altLang="en-US" smtClean="0"/>
               <a:t>マスター テキストの書式設定</a:t>
             </a:r>
           </a:p>
           <a:p>
             <a:pPr lvl="1"/>
             <a:r>
-              <a:rPr kumimoji="1" lang="ja-JP" altLang="en-US" smtClean="0"/>
+              <a:rPr lang="ja-JP" altLang="en-US" smtClean="0"/>
               <a:t>第 </a:t>
             </a:r>
             <a:r>
-              <a:rPr kumimoji="1" lang="en-US" altLang="ja-JP" smtClean="0"/>
+              <a:rPr lang="en-US" altLang="ja-JP" smtClean="0"/>
               <a:t>2 </a:t>
             </a:r>
             <a:r>
-              <a:rPr kumimoji="1" lang="ja-JP" altLang="en-US" smtClean="0"/>
+              <a:rPr lang="ja-JP" altLang="en-US" smtClean="0"/>
               <a:t>レベル</a:t>
             </a:r>
           </a:p>
           <a:p>
             <a:pPr lvl="2"/>
             <a:r>
-              <a:rPr kumimoji="1" lang="ja-JP" altLang="en-US" smtClean="0"/>
+              <a:rPr lang="ja-JP" altLang="en-US" smtClean="0"/>
               <a:t>第 </a:t>
             </a:r>
             <a:r>
-              <a:rPr kumimoji="1" lang="en-US" altLang="ja-JP" smtClean="0"/>
+              <a:rPr lang="en-US" altLang="ja-JP" smtClean="0"/>
               <a:t>3 </a:t>
             </a:r>
             <a:r>
-              <a:rPr kumimoji="1" lang="ja-JP" altLang="en-US" smtClean="0"/>
+              <a:rPr lang="ja-JP" altLang="en-US" smtClean="0"/>
               <a:t>レベル</a:t>
             </a:r>
           </a:p>
           <a:p>
             <a:pPr lvl="3"/>
             <a:r>
-              <a:rPr kumimoji="1" lang="ja-JP" altLang="en-US" smtClean="0"/>
+              <a:rPr lang="ja-JP" altLang="en-US" smtClean="0"/>
               <a:t>第 </a:t>
             </a:r>
             <a:r>
-              <a:rPr kumimoji="1" lang="en-US" altLang="ja-JP" smtClean="0"/>
+              <a:rPr lang="en-US" altLang="ja-JP" smtClean="0"/>
               <a:t>4 </a:t>
             </a:r>
             <a:r>
-              <a:rPr kumimoji="1" lang="ja-JP" altLang="en-US" smtClean="0"/>
+              <a:rPr lang="ja-JP" altLang="en-US" smtClean="0"/>
               <a:t>レベル</a:t>
             </a:r>
           </a:p>
           <a:p>
             <a:pPr lvl="4"/>
             <a:r>
-              <a:rPr kumimoji="1" lang="ja-JP" altLang="en-US" smtClean="0"/>
+              <a:rPr lang="ja-JP" altLang="en-US" smtClean="0"/>
               <a:t>第 </a:t>
             </a:r>
             <a:r>
-              <a:rPr kumimoji="1" lang="en-US" altLang="ja-JP" smtClean="0"/>
+              <a:rPr lang="en-US" altLang="ja-JP" smtClean="0"/>
               <a:t>5 </a:t>
             </a:r>
             <a:r>
-              <a:rPr kumimoji="1" lang="ja-JP" altLang="en-US" smtClean="0"/>
+              <a:rPr lang="ja-JP" altLang="en-US" smtClean="0"/>
               <a:t>レベル</a:t>
             </a:r>
-            <a:endParaRPr kumimoji="1" lang="ja-JP" altLang="en-US"/>
-          </a:p>
-        </p:txBody>
-      </p:sp>
-      <p:sp>
-        <p:nvSpPr>
-          <p:cNvPr id="4" name="コンテンツ プレースホルダー 3"/>
+            <a:endParaRPr lang="en-US" dirty="0"/>
+          </a:p>
+        </p:txBody>
+      </p:sp>
+      <p:sp>
+        <p:nvSpPr>
+          <p:cNvPr id="4" name="Content Placeholder 3"/>
           <p:cNvSpPr>
             <a:spLocks noGrp="1"/>
           </p:cNvSpPr>
@@ -1692,8 +1692,8 @@
         </p:nvSpPr>
         <p:spPr>
           <a:xfrm>
-            <a:off x="6172200" y="1825625"/>
-            <a:ext cx="5181600" cy="4351338"/>
+            <a:off x="6172200" y="1053960"/>
+            <a:ext cx="5181600" cy="2512092"/>
           </a:xfrm>
         </p:spPr>
         <p:txBody>
@@ -1702,76 +1702,76 @@
           <a:p>
             <a:pPr lvl="0"/>
             <a:r>
-              <a:rPr kumimoji="1" lang="ja-JP" altLang="en-US" smtClean="0"/>
+              <a:rPr lang="ja-JP" altLang="en-US" smtClean="0"/>
               <a:t>マスター テキストの書式設定</a:t>
             </a:r>
           </a:p>
           <a:p>
             <a:pPr lvl="1"/>
             <a:r>
-              <a:rPr kumimoji="1" lang="ja-JP" altLang="en-US" smtClean="0"/>
+              <a:rPr lang="ja-JP" altLang="en-US" smtClean="0"/>
               <a:t>第 </a:t>
             </a:r>
             <a:r>
-              <a:rPr kumimoji="1" lang="en-US" altLang="ja-JP" smtClean="0"/>
+              <a:rPr lang="en-US" altLang="ja-JP" smtClean="0"/>
               <a:t>2 </a:t>
             </a:r>
             <a:r>
-              <a:rPr kumimoji="1" lang="ja-JP" altLang="en-US" smtClean="0"/>
+              <a:rPr lang="ja-JP" altLang="en-US" smtClean="0"/>
               <a:t>レベル</a:t>
             </a:r>
           </a:p>
           <a:p>
             <a:pPr lvl="2"/>
             <a:r>
-              <a:rPr kumimoji="1" lang="ja-JP" altLang="en-US" smtClean="0"/>
+              <a:rPr lang="ja-JP" altLang="en-US" smtClean="0"/>
               <a:t>第 </a:t>
             </a:r>
             <a:r>
-              <a:rPr kumimoji="1" lang="en-US" altLang="ja-JP" smtClean="0"/>
+              <a:rPr lang="en-US" altLang="ja-JP" smtClean="0"/>
               <a:t>3 </a:t>
             </a:r>
             <a:r>
-              <a:rPr kumimoji="1" lang="ja-JP" altLang="en-US" smtClean="0"/>
+              <a:rPr lang="ja-JP" altLang="en-US" smtClean="0"/>
               <a:t>レベル</a:t>
             </a:r>
           </a:p>
           <a:p>
             <a:pPr lvl="3"/>
             <a:r>
-              <a:rPr kumimoji="1" lang="ja-JP" altLang="en-US" smtClean="0"/>
+              <a:rPr lang="ja-JP" altLang="en-US" smtClean="0"/>
               <a:t>第 </a:t>
             </a:r>
             <a:r>
-              <a:rPr kumimoji="1" lang="en-US" altLang="ja-JP" smtClean="0"/>
+              <a:rPr lang="en-US" altLang="ja-JP" smtClean="0"/>
               <a:t>4 </a:t>
             </a:r>
             <a:r>
-              <a:rPr kumimoji="1" lang="ja-JP" altLang="en-US" smtClean="0"/>
+              <a:rPr lang="ja-JP" altLang="en-US" smtClean="0"/>
               <a:t>レベル</a:t>
             </a:r>
           </a:p>
           <a:p>
             <a:pPr lvl="4"/>
             <a:r>
-              <a:rPr kumimoji="1" lang="ja-JP" altLang="en-US" smtClean="0"/>
+              <a:rPr lang="ja-JP" altLang="en-US" smtClean="0"/>
               <a:t>第 </a:t>
             </a:r>
             <a:r>
-              <a:rPr kumimoji="1" lang="en-US" altLang="ja-JP" smtClean="0"/>
+              <a:rPr lang="en-US" altLang="ja-JP" smtClean="0"/>
               <a:t>5 </a:t>
             </a:r>
             <a:r>
-              <a:rPr kumimoji="1" lang="ja-JP" altLang="en-US" smtClean="0"/>
+              <a:rPr lang="ja-JP" altLang="en-US" smtClean="0"/>
               <a:t>レベル</a:t>
             </a:r>
-            <a:endParaRPr kumimoji="1" lang="ja-JP" altLang="en-US"/>
-          </a:p>
-        </p:txBody>
-      </p:sp>
-      <p:sp>
-        <p:nvSpPr>
-          <p:cNvPr id="5" name="日付プレースホルダー 4"/>
+            <a:endParaRPr lang="en-US" dirty="0"/>
+          </a:p>
+        </p:txBody>
+      </p:sp>
+      <p:sp>
+        <p:nvSpPr>
+          <p:cNvPr id="5" name="Date Placeholder 4"/>
           <p:cNvSpPr>
             <a:spLocks noGrp="1"/>
           </p:cNvSpPr>
@@ -1786,7 +1786,7 @@
           <a:p>
             <a:fld id="{AA641DB4-C951-4763-94FC-F650C3AA7E65}" type="datetimeFigureOut">
               <a:rPr kumimoji="1" lang="ja-JP" altLang="en-US" smtClean="0"/>
-              <a:t>2017/1/23</a:t>
+              <a:t>2017/11/16</a:t>
             </a:fld>
             <a:endParaRPr kumimoji="1" lang="ja-JP" altLang="en-US"/>
           </a:p>
@@ -1794,7 +1794,7 @@
       </p:sp>
       <p:sp>
         <p:nvSpPr>
-          <p:cNvPr id="6" name="フッター プレースホルダー 5"/>
+          <p:cNvPr id="6" name="Footer Placeholder 5"/>
           <p:cNvSpPr>
             <a:spLocks noGrp="1"/>
           </p:cNvSpPr>
@@ -1813,7 +1813,7 @@
       </p:sp>
       <p:sp>
         <p:nvSpPr>
-          <p:cNvPr id="7" name="スライド番号プレースホルダー 6"/>
+          <p:cNvPr id="7" name="Slide Number Placeholder 6"/>
           <p:cNvSpPr>
             <a:spLocks noGrp="1"/>
           </p:cNvSpPr>
@@ -1837,7 +1837,7 @@
     </p:spTree>
     <p:extLst>
       <p:ext uri="{BB962C8B-B14F-4D97-AF65-F5344CB8AC3E}">
-        <p14:creationId xmlns:p14="http://schemas.microsoft.com/office/powerpoint/2010/main" val="1422103378"/>
+        <p14:creationId xmlns:p14="http://schemas.microsoft.com/office/powerpoint/2010/main" val="2308922334"/>
       </p:ext>
     </p:extLst>
   </p:cSld>
@@ -1866,7 +1866,7 @@
       </p:grpSpPr>
       <p:sp>
         <p:nvSpPr>
-          <p:cNvPr id="2" name="タイトル 1"/>
+          <p:cNvPr id="2" name="Title 1"/>
           <p:cNvSpPr>
             <a:spLocks noGrp="1"/>
           </p:cNvSpPr>
@@ -1876,8 +1876,8 @@
         </p:nvSpPr>
         <p:spPr>
           <a:xfrm>
-            <a:off x="839788" y="365126"/>
-            <a:ext cx="10515600" cy="1325563"/>
+            <a:off x="839788" y="210792"/>
+            <a:ext cx="10515600" cy="765267"/>
           </a:xfrm>
         </p:spPr>
         <p:txBody>
@@ -1885,16 +1885,16 @@
           <a:lstStyle/>
           <a:p>
             <a:r>
-              <a:rPr kumimoji="1" lang="ja-JP" altLang="en-US" smtClean="0"/>
+              <a:rPr lang="ja-JP" altLang="en-US" smtClean="0"/>
               <a:t>マスター タイトルの書式設定</a:t>
             </a:r>
-            <a:endParaRPr kumimoji="1" lang="ja-JP" altLang="en-US"/>
-          </a:p>
-        </p:txBody>
-      </p:sp>
-      <p:sp>
-        <p:nvSpPr>
-          <p:cNvPr id="3" name="テキスト プレースホルダー 2"/>
+            <a:endParaRPr lang="en-US" dirty="0"/>
+          </a:p>
+        </p:txBody>
+      </p:sp>
+      <p:sp>
+        <p:nvSpPr>
+          <p:cNvPr id="3" name="Text Placeholder 2"/>
           <p:cNvSpPr>
             <a:spLocks noGrp="1"/>
           </p:cNvSpPr>
@@ -1904,8 +1904,8 @@
         </p:nvSpPr>
         <p:spPr>
           <a:xfrm>
-            <a:off x="839790" y="1681164"/>
-            <a:ext cx="5157787" cy="823911"/>
+            <a:off x="839789" y="970560"/>
+            <a:ext cx="5157787" cy="475657"/>
           </a:xfrm>
         </p:spPr>
         <p:txBody>
@@ -1913,45 +1913,45 @@
           <a:lstStyle>
             <a:lvl1pPr marL="0" indent="0">
               <a:buNone/>
-              <a:defRPr sz="2400" b="1"/>
+              <a:defRPr sz="1386" b="1"/>
             </a:lvl1pPr>
-            <a:lvl2pPr marL="457195" indent="0">
-              <a:buNone/>
-              <a:defRPr sz="2000" b="1"/>
+            <a:lvl2pPr marL="263942" indent="0">
+              <a:buNone/>
+              <a:defRPr sz="1155" b="1"/>
             </a:lvl2pPr>
-            <a:lvl3pPr marL="914392" indent="0">
-              <a:buNone/>
-              <a:defRPr sz="1800" b="1"/>
+            <a:lvl3pPr marL="527883" indent="0">
+              <a:buNone/>
+              <a:defRPr sz="1039" b="1"/>
             </a:lvl3pPr>
-            <a:lvl4pPr marL="1371588" indent="0">
-              <a:buNone/>
-              <a:defRPr sz="1600" b="1"/>
+            <a:lvl4pPr marL="791825" indent="0">
+              <a:buNone/>
+              <a:defRPr sz="924" b="1"/>
             </a:lvl4pPr>
-            <a:lvl5pPr marL="1828783" indent="0">
-              <a:buNone/>
-              <a:defRPr sz="1600" b="1"/>
+            <a:lvl5pPr marL="1055766" indent="0">
+              <a:buNone/>
+              <a:defRPr sz="924" b="1"/>
             </a:lvl5pPr>
-            <a:lvl6pPr marL="2285980" indent="0">
-              <a:buNone/>
-              <a:defRPr sz="1600" b="1"/>
+            <a:lvl6pPr marL="1319708" indent="0">
+              <a:buNone/>
+              <a:defRPr sz="924" b="1"/>
             </a:lvl6pPr>
-            <a:lvl7pPr marL="2743175" indent="0">
-              <a:buNone/>
-              <a:defRPr sz="1600" b="1"/>
+            <a:lvl7pPr marL="1583649" indent="0">
+              <a:buNone/>
+              <a:defRPr sz="924" b="1"/>
             </a:lvl7pPr>
-            <a:lvl8pPr marL="3200372" indent="0">
-              <a:buNone/>
-              <a:defRPr sz="1600" b="1"/>
+            <a:lvl8pPr marL="1847591" indent="0">
+              <a:buNone/>
+              <a:defRPr sz="924" b="1"/>
             </a:lvl8pPr>
-            <a:lvl9pPr marL="3657567" indent="0">
-              <a:buNone/>
-              <a:defRPr sz="1600" b="1"/>
+            <a:lvl9pPr marL="2111532" indent="0">
+              <a:buNone/>
+              <a:defRPr sz="924" b="1"/>
             </a:lvl9pPr>
           </a:lstStyle>
           <a:p>
             <a:pPr lvl="0"/>
             <a:r>
-              <a:rPr kumimoji="1" lang="ja-JP" altLang="en-US" smtClean="0"/>
+              <a:rPr lang="ja-JP" altLang="en-US" smtClean="0"/>
               <a:t>マスター テキストの書式設定</a:t>
             </a:r>
           </a:p>
@@ -1959,7 +1959,7 @@
       </p:sp>
       <p:sp>
         <p:nvSpPr>
-          <p:cNvPr id="4" name="コンテンツ プレースホルダー 3"/>
+          <p:cNvPr id="4" name="Content Placeholder 3"/>
           <p:cNvSpPr>
             <a:spLocks noGrp="1"/>
           </p:cNvSpPr>
@@ -1969,8 +1969,8 @@
         </p:nvSpPr>
         <p:spPr>
           <a:xfrm>
-            <a:off x="839790" y="2505076"/>
-            <a:ext cx="5157787" cy="3684588"/>
+            <a:off x="839789" y="1446217"/>
+            <a:ext cx="5157787" cy="2127167"/>
           </a:xfrm>
         </p:spPr>
         <p:txBody>
@@ -1979,76 +1979,76 @@
           <a:p>
             <a:pPr lvl="0"/>
             <a:r>
-              <a:rPr kumimoji="1" lang="ja-JP" altLang="en-US" smtClean="0"/>
+              <a:rPr lang="ja-JP" altLang="en-US" smtClean="0"/>
               <a:t>マスター テキストの書式設定</a:t>
             </a:r>
           </a:p>
           <a:p>
             <a:pPr lvl="1"/>
             <a:r>
-              <a:rPr kumimoji="1" lang="ja-JP" altLang="en-US" smtClean="0"/>
+              <a:rPr lang="ja-JP" altLang="en-US" smtClean="0"/>
               <a:t>第 </a:t>
             </a:r>
             <a:r>
-              <a:rPr kumimoji="1" lang="en-US" altLang="ja-JP" smtClean="0"/>
+              <a:rPr lang="en-US" altLang="ja-JP" smtClean="0"/>
               <a:t>2 </a:t>
             </a:r>
             <a:r>
-              <a:rPr kumimoji="1" lang="ja-JP" altLang="en-US" smtClean="0"/>
+              <a:rPr lang="ja-JP" altLang="en-US" smtClean="0"/>
               <a:t>レベル</a:t>
             </a:r>
           </a:p>
           <a:p>
             <a:pPr lvl="2"/>
             <a:r>
-              <a:rPr kumimoji="1" lang="ja-JP" altLang="en-US" smtClean="0"/>
+              <a:rPr lang="ja-JP" altLang="en-US" smtClean="0"/>
               <a:t>第 </a:t>
             </a:r>
             <a:r>
-              <a:rPr kumimoji="1" lang="en-US" altLang="ja-JP" smtClean="0"/>
+              <a:rPr lang="en-US" altLang="ja-JP" smtClean="0"/>
               <a:t>3 </a:t>
             </a:r>
             <a:r>
-              <a:rPr kumimoji="1" lang="ja-JP" altLang="en-US" smtClean="0"/>
+              <a:rPr lang="ja-JP" altLang="en-US" smtClean="0"/>
               <a:t>レベル</a:t>
             </a:r>
           </a:p>
           <a:p>
             <a:pPr lvl="3"/>
             <a:r>
-              <a:rPr kumimoji="1" lang="ja-JP" altLang="en-US" smtClean="0"/>
+              <a:rPr lang="ja-JP" altLang="en-US" smtClean="0"/>
               <a:t>第 </a:t>
             </a:r>
             <a:r>
-              <a:rPr kumimoji="1" lang="en-US" altLang="ja-JP" smtClean="0"/>
+              <a:rPr lang="en-US" altLang="ja-JP" smtClean="0"/>
               <a:t>4 </a:t>
             </a:r>
             <a:r>
-              <a:rPr kumimoji="1" lang="ja-JP" altLang="en-US" smtClean="0"/>
+              <a:rPr lang="ja-JP" altLang="en-US" smtClean="0"/>
               <a:t>レベル</a:t>
             </a:r>
           </a:p>
           <a:p>
             <a:pPr lvl="4"/>
             <a:r>
-              <a:rPr kumimoji="1" lang="ja-JP" altLang="en-US" smtClean="0"/>
+              <a:rPr lang="ja-JP" altLang="en-US" smtClean="0"/>
               <a:t>第 </a:t>
             </a:r>
             <a:r>
-              <a:rPr kumimoji="1" lang="en-US" altLang="ja-JP" smtClean="0"/>
+              <a:rPr lang="en-US" altLang="ja-JP" smtClean="0"/>
               <a:t>5 </a:t>
             </a:r>
             <a:r>
-              <a:rPr kumimoji="1" lang="ja-JP" altLang="en-US" smtClean="0"/>
+              <a:rPr lang="ja-JP" altLang="en-US" smtClean="0"/>
               <a:t>レベル</a:t>
             </a:r>
-            <a:endParaRPr kumimoji="1" lang="ja-JP" altLang="en-US"/>
-          </a:p>
-        </p:txBody>
-      </p:sp>
-      <p:sp>
-        <p:nvSpPr>
-          <p:cNvPr id="5" name="テキスト プレースホルダー 4"/>
+            <a:endParaRPr lang="en-US" dirty="0"/>
+          </a:p>
+        </p:txBody>
+      </p:sp>
+      <p:sp>
+        <p:nvSpPr>
+          <p:cNvPr id="5" name="Text Placeholder 4"/>
           <p:cNvSpPr>
             <a:spLocks noGrp="1"/>
           </p:cNvSpPr>
@@ -2058,8 +2058,8 @@
         </p:nvSpPr>
         <p:spPr>
           <a:xfrm>
-            <a:off x="6172200" y="1681164"/>
-            <a:ext cx="5183188" cy="823911"/>
+            <a:off x="6172200" y="970560"/>
+            <a:ext cx="5183188" cy="475657"/>
           </a:xfrm>
         </p:spPr>
         <p:txBody>
@@ -2067,45 +2067,45 @@
           <a:lstStyle>
             <a:lvl1pPr marL="0" indent="0">
               <a:buNone/>
-              <a:defRPr sz="2400" b="1"/>
+              <a:defRPr sz="1386" b="1"/>
             </a:lvl1pPr>
-            <a:lvl2pPr marL="457195" indent="0">
-              <a:buNone/>
-              <a:defRPr sz="2000" b="1"/>
+            <a:lvl2pPr marL="263942" indent="0">
+              <a:buNone/>
+              <a:defRPr sz="1155" b="1"/>
             </a:lvl2pPr>
-            <a:lvl3pPr marL="914392" indent="0">
-              <a:buNone/>
-              <a:defRPr sz="1800" b="1"/>
+            <a:lvl3pPr marL="527883" indent="0">
+              <a:buNone/>
+              <a:defRPr sz="1039" b="1"/>
             </a:lvl3pPr>
-            <a:lvl4pPr marL="1371588" indent="0">
-              <a:buNone/>
-              <a:defRPr sz="1600" b="1"/>
+            <a:lvl4pPr marL="791825" indent="0">
+              <a:buNone/>
+              <a:defRPr sz="924" b="1"/>
             </a:lvl4pPr>
-            <a:lvl5pPr marL="1828783" indent="0">
-              <a:buNone/>
-              <a:defRPr sz="1600" b="1"/>
+            <a:lvl5pPr marL="1055766" indent="0">
+              <a:buNone/>
+              <a:defRPr sz="924" b="1"/>
             </a:lvl5pPr>
-            <a:lvl6pPr marL="2285980" indent="0">
-              <a:buNone/>
-              <a:defRPr sz="1600" b="1"/>
+            <a:lvl6pPr marL="1319708" indent="0">
+              <a:buNone/>
+              <a:defRPr sz="924" b="1"/>
             </a:lvl6pPr>
-            <a:lvl7pPr marL="2743175" indent="0">
-              <a:buNone/>
-              <a:defRPr sz="1600" b="1"/>
+            <a:lvl7pPr marL="1583649" indent="0">
+              <a:buNone/>
+              <a:defRPr sz="924" b="1"/>
             </a:lvl7pPr>
-            <a:lvl8pPr marL="3200372" indent="0">
-              <a:buNone/>
-              <a:defRPr sz="1600" b="1"/>
+            <a:lvl8pPr marL="1847591" indent="0">
+              <a:buNone/>
+              <a:defRPr sz="924" b="1"/>
             </a:lvl8pPr>
-            <a:lvl9pPr marL="3657567" indent="0">
-              <a:buNone/>
-              <a:defRPr sz="1600" b="1"/>
+            <a:lvl9pPr marL="2111532" indent="0">
+              <a:buNone/>
+              <a:defRPr sz="924" b="1"/>
             </a:lvl9pPr>
           </a:lstStyle>
           <a:p>
             <a:pPr lvl="0"/>
             <a:r>
-              <a:rPr kumimoji="1" lang="ja-JP" altLang="en-US" smtClean="0"/>
+              <a:rPr lang="ja-JP" altLang="en-US" smtClean="0"/>
               <a:t>マスター テキストの書式設定</a:t>
             </a:r>
           </a:p>
@@ -2113,7 +2113,7 @@
       </p:sp>
       <p:sp>
         <p:nvSpPr>
-          <p:cNvPr id="6" name="コンテンツ プレースホルダー 5"/>
+          <p:cNvPr id="6" name="Content Placeholder 5"/>
           <p:cNvSpPr>
             <a:spLocks noGrp="1"/>
           </p:cNvSpPr>
@@ -2123,8 +2123,8 @@
         </p:nvSpPr>
         <p:spPr>
           <a:xfrm>
-            <a:off x="6172200" y="2505076"/>
-            <a:ext cx="5183188" cy="3684588"/>
+            <a:off x="6172200" y="1446217"/>
+            <a:ext cx="5183188" cy="2127167"/>
           </a:xfrm>
         </p:spPr>
         <p:txBody>
@@ -2133,76 +2133,76 @@
           <a:p>
             <a:pPr lvl="0"/>
             <a:r>
-              <a:rPr kumimoji="1" lang="ja-JP" altLang="en-US" smtClean="0"/>
+              <a:rPr lang="ja-JP" altLang="en-US" smtClean="0"/>
               <a:t>マスター テキストの書式設定</a:t>
             </a:r>
           </a:p>
           <a:p>
             <a:pPr lvl="1"/>
             <a:r>
-              <a:rPr kumimoji="1" lang="ja-JP" altLang="en-US" smtClean="0"/>
+              <a:rPr lang="ja-JP" altLang="en-US" smtClean="0"/>
               <a:t>第 </a:t>
             </a:r>
             <a:r>
-              <a:rPr kumimoji="1" lang="en-US" altLang="ja-JP" smtClean="0"/>
+              <a:rPr lang="en-US" altLang="ja-JP" smtClean="0"/>
               <a:t>2 </a:t>
             </a:r>
             <a:r>
-              <a:rPr kumimoji="1" lang="ja-JP" altLang="en-US" smtClean="0"/>
+              <a:rPr lang="ja-JP" altLang="en-US" smtClean="0"/>
               <a:t>レベル</a:t>
             </a:r>
           </a:p>
           <a:p>
             <a:pPr lvl="2"/>
             <a:r>
-              <a:rPr kumimoji="1" lang="ja-JP" altLang="en-US" smtClean="0"/>
+              <a:rPr lang="ja-JP" altLang="en-US" smtClean="0"/>
               <a:t>第 </a:t>
             </a:r>
             <a:r>
-              <a:rPr kumimoji="1" lang="en-US" altLang="ja-JP" smtClean="0"/>
+              <a:rPr lang="en-US" altLang="ja-JP" smtClean="0"/>
               <a:t>3 </a:t>
             </a:r>
             <a:r>
-              <a:rPr kumimoji="1" lang="ja-JP" altLang="en-US" smtClean="0"/>
+              <a:rPr lang="ja-JP" altLang="en-US" smtClean="0"/>
               <a:t>レベル</a:t>
             </a:r>
           </a:p>
           <a:p>
             <a:pPr lvl="3"/>
             <a:r>
-              <a:rPr kumimoji="1" lang="ja-JP" altLang="en-US" smtClean="0"/>
+              <a:rPr lang="ja-JP" altLang="en-US" smtClean="0"/>
               <a:t>第 </a:t>
             </a:r>
             <a:r>
-              <a:rPr kumimoji="1" lang="en-US" altLang="ja-JP" smtClean="0"/>
+              <a:rPr lang="en-US" altLang="ja-JP" smtClean="0"/>
               <a:t>4 </a:t>
             </a:r>
             <a:r>
-              <a:rPr kumimoji="1" lang="ja-JP" altLang="en-US" smtClean="0"/>
+              <a:rPr lang="ja-JP" altLang="en-US" smtClean="0"/>
               <a:t>レベル</a:t>
             </a:r>
           </a:p>
           <a:p>
             <a:pPr lvl="4"/>
             <a:r>
-              <a:rPr kumimoji="1" lang="ja-JP" altLang="en-US" smtClean="0"/>
+              <a:rPr lang="ja-JP" altLang="en-US" smtClean="0"/>
               <a:t>第 </a:t>
             </a:r>
             <a:r>
-              <a:rPr kumimoji="1" lang="en-US" altLang="ja-JP" smtClean="0"/>
+              <a:rPr lang="en-US" altLang="ja-JP" smtClean="0"/>
               <a:t>5 </a:t>
             </a:r>
             <a:r>
-              <a:rPr kumimoji="1" lang="ja-JP" altLang="en-US" smtClean="0"/>
+              <a:rPr lang="ja-JP" altLang="en-US" smtClean="0"/>
               <a:t>レベル</a:t>
             </a:r>
-            <a:endParaRPr kumimoji="1" lang="ja-JP" altLang="en-US"/>
-          </a:p>
-        </p:txBody>
-      </p:sp>
-      <p:sp>
-        <p:nvSpPr>
-          <p:cNvPr id="7" name="日付プレースホルダー 6"/>
+            <a:endParaRPr lang="en-US" dirty="0"/>
+          </a:p>
+        </p:txBody>
+      </p:sp>
+      <p:sp>
+        <p:nvSpPr>
+          <p:cNvPr id="7" name="Date Placeholder 6"/>
           <p:cNvSpPr>
             <a:spLocks noGrp="1"/>
           </p:cNvSpPr>
@@ -2217,7 +2217,7 @@
           <a:p>
             <a:fld id="{AA641DB4-C951-4763-94FC-F650C3AA7E65}" type="datetimeFigureOut">
               <a:rPr kumimoji="1" lang="ja-JP" altLang="en-US" smtClean="0"/>
-              <a:t>2017/1/23</a:t>
+              <a:t>2017/11/16</a:t>
             </a:fld>
             <a:endParaRPr kumimoji="1" lang="ja-JP" altLang="en-US"/>
           </a:p>
@@ -2225,7 +2225,7 @@
       </p:sp>
       <p:sp>
         <p:nvSpPr>
-          <p:cNvPr id="8" name="フッター プレースホルダー 7"/>
+          <p:cNvPr id="8" name="Footer Placeholder 7"/>
           <p:cNvSpPr>
             <a:spLocks noGrp="1"/>
           </p:cNvSpPr>
@@ -2244,7 +2244,7 @@
       </p:sp>
       <p:sp>
         <p:nvSpPr>
-          <p:cNvPr id="9" name="スライド番号プレースホルダー 8"/>
+          <p:cNvPr id="9" name="Slide Number Placeholder 8"/>
           <p:cNvSpPr>
             <a:spLocks noGrp="1"/>
           </p:cNvSpPr>
@@ -2268,7 +2268,7 @@
     </p:spTree>
     <p:extLst>
       <p:ext uri="{BB962C8B-B14F-4D97-AF65-F5344CB8AC3E}">
-        <p14:creationId xmlns:p14="http://schemas.microsoft.com/office/powerpoint/2010/main" val="1967088265"/>
+        <p14:creationId xmlns:p14="http://schemas.microsoft.com/office/powerpoint/2010/main" val="2631469380"/>
       </p:ext>
     </p:extLst>
   </p:cSld>
@@ -2297,7 +2297,7 @@
       </p:grpSpPr>
       <p:sp>
         <p:nvSpPr>
-          <p:cNvPr id="2" name="タイトル 1"/>
+          <p:cNvPr id="2" name="Title 1"/>
           <p:cNvSpPr>
             <a:spLocks noGrp="1"/>
           </p:cNvSpPr>
@@ -2311,16 +2311,16 @@
           <a:lstStyle/>
           <a:p>
             <a:r>
-              <a:rPr kumimoji="1" lang="ja-JP" altLang="en-US" smtClean="0"/>
+              <a:rPr lang="ja-JP" altLang="en-US" smtClean="0"/>
               <a:t>マスター タイトルの書式設定</a:t>
             </a:r>
-            <a:endParaRPr kumimoji="1" lang="ja-JP" altLang="en-US"/>
-          </a:p>
-        </p:txBody>
-      </p:sp>
-      <p:sp>
-        <p:nvSpPr>
-          <p:cNvPr id="3" name="日付プレースホルダー 2"/>
+            <a:endParaRPr lang="en-US" dirty="0"/>
+          </a:p>
+        </p:txBody>
+      </p:sp>
+      <p:sp>
+        <p:nvSpPr>
+          <p:cNvPr id="3" name="Date Placeholder 2"/>
           <p:cNvSpPr>
             <a:spLocks noGrp="1"/>
           </p:cNvSpPr>
@@ -2335,7 +2335,7 @@
           <a:p>
             <a:fld id="{AA641DB4-C951-4763-94FC-F650C3AA7E65}" type="datetimeFigureOut">
               <a:rPr kumimoji="1" lang="ja-JP" altLang="en-US" smtClean="0"/>
-              <a:t>2017/1/23</a:t>
+              <a:t>2017/11/16</a:t>
             </a:fld>
             <a:endParaRPr kumimoji="1" lang="ja-JP" altLang="en-US"/>
           </a:p>
@@ -2343,7 +2343,7 @@
       </p:sp>
       <p:sp>
         <p:nvSpPr>
-          <p:cNvPr id="4" name="フッター プレースホルダー 3"/>
+          <p:cNvPr id="4" name="Footer Placeholder 3"/>
           <p:cNvSpPr>
             <a:spLocks noGrp="1"/>
           </p:cNvSpPr>
@@ -2362,7 +2362,7 @@
       </p:sp>
       <p:sp>
         <p:nvSpPr>
-          <p:cNvPr id="5" name="スライド番号プレースホルダー 4"/>
+          <p:cNvPr id="5" name="Slide Number Placeholder 4"/>
           <p:cNvSpPr>
             <a:spLocks noGrp="1"/>
           </p:cNvSpPr>
@@ -2386,7 +2386,7 @@
     </p:spTree>
     <p:extLst>
       <p:ext uri="{BB962C8B-B14F-4D97-AF65-F5344CB8AC3E}">
-        <p14:creationId xmlns:p14="http://schemas.microsoft.com/office/powerpoint/2010/main" val="2110663203"/>
+        <p14:creationId xmlns:p14="http://schemas.microsoft.com/office/powerpoint/2010/main" val="3208337050"/>
       </p:ext>
     </p:extLst>
   </p:cSld>
@@ -2415,7 +2415,7 @@
       </p:grpSpPr>
       <p:sp>
         <p:nvSpPr>
-          <p:cNvPr id="2" name="日付プレースホルダー 1"/>
+          <p:cNvPr id="2" name="Date Placeholder 1"/>
           <p:cNvSpPr>
             <a:spLocks noGrp="1"/>
           </p:cNvSpPr>
@@ -2430,7 +2430,7 @@
           <a:p>
             <a:fld id="{AA641DB4-C951-4763-94FC-F650C3AA7E65}" type="datetimeFigureOut">
               <a:rPr kumimoji="1" lang="ja-JP" altLang="en-US" smtClean="0"/>
-              <a:t>2017/1/23</a:t>
+              <a:t>2017/11/16</a:t>
             </a:fld>
             <a:endParaRPr kumimoji="1" lang="ja-JP" altLang="en-US"/>
           </a:p>
@@ -2438,7 +2438,7 @@
       </p:sp>
       <p:sp>
         <p:nvSpPr>
-          <p:cNvPr id="3" name="フッター プレースホルダー 2"/>
+          <p:cNvPr id="3" name="Footer Placeholder 2"/>
           <p:cNvSpPr>
             <a:spLocks noGrp="1"/>
           </p:cNvSpPr>
@@ -2457,7 +2457,7 @@
       </p:sp>
       <p:sp>
         <p:nvSpPr>
-          <p:cNvPr id="4" name="スライド番号プレースホルダー 3"/>
+          <p:cNvPr id="4" name="Slide Number Placeholder 3"/>
           <p:cNvSpPr>
             <a:spLocks noGrp="1"/>
           </p:cNvSpPr>
@@ -2481,7 +2481,7 @@
     </p:spTree>
     <p:extLst>
       <p:ext uri="{BB962C8B-B14F-4D97-AF65-F5344CB8AC3E}">
-        <p14:creationId xmlns:p14="http://schemas.microsoft.com/office/powerpoint/2010/main" val="2514589980"/>
+        <p14:creationId xmlns:p14="http://schemas.microsoft.com/office/powerpoint/2010/main" val="2983207084"/>
       </p:ext>
     </p:extLst>
   </p:cSld>
@@ -2510,7 +2510,7 @@
       </p:grpSpPr>
       <p:sp>
         <p:nvSpPr>
-          <p:cNvPr id="2" name="タイトル 1"/>
+          <p:cNvPr id="2" name="Title 1"/>
           <p:cNvSpPr>
             <a:spLocks noGrp="1"/>
           </p:cNvSpPr>
@@ -2520,29 +2520,29 @@
         </p:nvSpPr>
         <p:spPr>
           <a:xfrm>
-            <a:off x="839790" y="457200"/>
-            <a:ext cx="3932237" cy="1600200"/>
+            <a:off x="839789" y="263948"/>
+            <a:ext cx="3932237" cy="923819"/>
           </a:xfrm>
         </p:spPr>
         <p:txBody>
           <a:bodyPr anchor="b"/>
           <a:lstStyle>
             <a:lvl1pPr>
-              <a:defRPr sz="3200"/>
+              <a:defRPr sz="1847"/>
             </a:lvl1pPr>
           </a:lstStyle>
           <a:p>
             <a:r>
-              <a:rPr kumimoji="1" lang="ja-JP" altLang="en-US" smtClean="0"/>
+              <a:rPr lang="ja-JP" altLang="en-US" smtClean="0"/>
               <a:t>マスター タイトルの書式設定</a:t>
             </a:r>
-            <a:endParaRPr kumimoji="1" lang="ja-JP" altLang="en-US"/>
-          </a:p>
-        </p:txBody>
-      </p:sp>
-      <p:sp>
-        <p:nvSpPr>
-          <p:cNvPr id="3" name="コンテンツ プレースホルダー 2"/>
+            <a:endParaRPr lang="en-US" dirty="0"/>
+          </a:p>
+        </p:txBody>
+      </p:sp>
+      <p:sp>
+        <p:nvSpPr>
+          <p:cNvPr id="3" name="Content Placeholder 2"/>
           <p:cNvSpPr>
             <a:spLocks noGrp="1"/>
           </p:cNvSpPr>
@@ -2552,114 +2552,114 @@
         </p:nvSpPr>
         <p:spPr>
           <a:xfrm>
-            <a:off x="5183188" y="987426"/>
-            <a:ext cx="6172200" cy="4873625"/>
+            <a:off x="5183188" y="570055"/>
+            <a:ext cx="6172200" cy="2813616"/>
           </a:xfrm>
         </p:spPr>
         <p:txBody>
           <a:bodyPr/>
           <a:lstStyle>
             <a:lvl1pPr>
-              <a:defRPr sz="3200"/>
+              <a:defRPr sz="1847"/>
             </a:lvl1pPr>
             <a:lvl2pPr>
-              <a:defRPr sz="2800"/>
+              <a:defRPr sz="1616"/>
             </a:lvl2pPr>
             <a:lvl3pPr>
-              <a:defRPr sz="2400"/>
+              <a:defRPr sz="1386"/>
             </a:lvl3pPr>
             <a:lvl4pPr>
-              <a:defRPr sz="2000"/>
+              <a:defRPr sz="1155"/>
             </a:lvl4pPr>
             <a:lvl5pPr>
-              <a:defRPr sz="2000"/>
+              <a:defRPr sz="1155"/>
             </a:lvl5pPr>
             <a:lvl6pPr>
-              <a:defRPr sz="2000"/>
+              <a:defRPr sz="1155"/>
             </a:lvl6pPr>
             <a:lvl7pPr>
-              <a:defRPr sz="2000"/>
+              <a:defRPr sz="1155"/>
             </a:lvl7pPr>
             <a:lvl8pPr>
-              <a:defRPr sz="2000"/>
+              <a:defRPr sz="1155"/>
             </a:lvl8pPr>
             <a:lvl9pPr>
-              <a:defRPr sz="2000"/>
+              <a:defRPr sz="1155"/>
             </a:lvl9pPr>
           </a:lstStyle>
           <a:p>
             <a:pPr lvl="0"/>
             <a:r>
-              <a:rPr kumimoji="1" lang="ja-JP" altLang="en-US" smtClean="0"/>
+              <a:rPr lang="ja-JP" altLang="en-US" smtClean="0"/>
               <a:t>マスター テキストの書式設定</a:t>
             </a:r>
           </a:p>
           <a:p>
             <a:pPr lvl="1"/>
             <a:r>
-              <a:rPr kumimoji="1" lang="ja-JP" altLang="en-US" smtClean="0"/>
+              <a:rPr lang="ja-JP" altLang="en-US" smtClean="0"/>
               <a:t>第 </a:t>
             </a:r>
             <a:r>
-              <a:rPr kumimoji="1" lang="en-US" altLang="ja-JP" smtClean="0"/>
+              <a:rPr lang="en-US" altLang="ja-JP" smtClean="0"/>
               <a:t>2 </a:t>
             </a:r>
             <a:r>
-              <a:rPr kumimoji="1" lang="ja-JP" altLang="en-US" smtClean="0"/>
+              <a:rPr lang="ja-JP" altLang="en-US" smtClean="0"/>
               <a:t>レベル</a:t>
             </a:r>
           </a:p>
           <a:p>
             <a:pPr lvl="2"/>
             <a:r>
-              <a:rPr kumimoji="1" lang="ja-JP" altLang="en-US" smtClean="0"/>
+              <a:rPr lang="ja-JP" altLang="en-US" smtClean="0"/>
               <a:t>第 </a:t>
             </a:r>
             <a:r>
-              <a:rPr kumimoji="1" lang="en-US" altLang="ja-JP" smtClean="0"/>
+              <a:rPr lang="en-US" altLang="ja-JP" smtClean="0"/>
               <a:t>3 </a:t>
             </a:r>
             <a:r>
-              <a:rPr kumimoji="1" lang="ja-JP" altLang="en-US" smtClean="0"/>
+              <a:rPr lang="ja-JP" altLang="en-US" smtClean="0"/>
               <a:t>レベル</a:t>
             </a:r>
           </a:p>
           <a:p>
             <a:pPr lvl="3"/>
             <a:r>
-              <a:rPr kumimoji="1" lang="ja-JP" altLang="en-US" smtClean="0"/>
+              <a:rPr lang="ja-JP" altLang="en-US" smtClean="0"/>
               <a:t>第 </a:t>
             </a:r>
             <a:r>
-              <a:rPr kumimoji="1" lang="en-US" altLang="ja-JP" smtClean="0"/>
+              <a:rPr lang="en-US" altLang="ja-JP" smtClean="0"/>
               <a:t>4 </a:t>
             </a:r>
             <a:r>
-              <a:rPr kumimoji="1" lang="ja-JP" altLang="en-US" smtClean="0"/>
+              <a:rPr lang="ja-JP" altLang="en-US" smtClean="0"/>
               <a:t>レベル</a:t>
             </a:r>
           </a:p>
           <a:p>
             <a:pPr lvl="4"/>
             <a:r>
-              <a:rPr kumimoji="1" lang="ja-JP" altLang="en-US" smtClean="0"/>
+              <a:rPr lang="ja-JP" altLang="en-US" smtClean="0"/>
               <a:t>第 </a:t>
             </a:r>
             <a:r>
-              <a:rPr kumimoji="1" lang="en-US" altLang="ja-JP" smtClean="0"/>
+              <a:rPr lang="en-US" altLang="ja-JP" smtClean="0"/>
               <a:t>5 </a:t>
             </a:r>
             <a:r>
-              <a:rPr kumimoji="1" lang="ja-JP" altLang="en-US" smtClean="0"/>
+              <a:rPr lang="ja-JP" altLang="en-US" smtClean="0"/>
               <a:t>レベル</a:t>
             </a:r>
-            <a:endParaRPr kumimoji="1" lang="ja-JP" altLang="en-US"/>
-          </a:p>
-        </p:txBody>
-      </p:sp>
-      <p:sp>
-        <p:nvSpPr>
-          <p:cNvPr id="4" name="テキスト プレースホルダー 3"/>
+            <a:endParaRPr lang="en-US" dirty="0"/>
+          </a:p>
+        </p:txBody>
+      </p:sp>
+      <p:sp>
+        <p:nvSpPr>
+          <p:cNvPr id="4" name="Text Placeholder 3"/>
           <p:cNvSpPr>
             <a:spLocks noGrp="1"/>
           </p:cNvSpPr>
@@ -2669,8 +2669,8 @@
         </p:nvSpPr>
         <p:spPr>
           <a:xfrm>
-            <a:off x="839790" y="2057400"/>
-            <a:ext cx="3932237" cy="3811589"/>
+            <a:off x="839789" y="1187768"/>
+            <a:ext cx="3932237" cy="2200486"/>
           </a:xfrm>
         </p:spPr>
         <p:txBody>
@@ -2678,45 +2678,45 @@
           <a:lstStyle>
             <a:lvl1pPr marL="0" indent="0">
               <a:buNone/>
-              <a:defRPr sz="1600"/>
+              <a:defRPr sz="924"/>
             </a:lvl1pPr>
-            <a:lvl2pPr marL="457195" indent="0">
-              <a:buNone/>
-              <a:defRPr sz="1400"/>
+            <a:lvl2pPr marL="263942" indent="0">
+              <a:buNone/>
+              <a:defRPr sz="808"/>
             </a:lvl2pPr>
-            <a:lvl3pPr marL="914392" indent="0">
-              <a:buNone/>
-              <a:defRPr sz="1200"/>
+            <a:lvl3pPr marL="527883" indent="0">
+              <a:buNone/>
+              <a:defRPr sz="693"/>
             </a:lvl3pPr>
-            <a:lvl4pPr marL="1371588" indent="0">
-              <a:buNone/>
-              <a:defRPr sz="1000"/>
+            <a:lvl4pPr marL="791825" indent="0">
+              <a:buNone/>
+              <a:defRPr sz="577"/>
             </a:lvl4pPr>
-            <a:lvl5pPr marL="1828783" indent="0">
-              <a:buNone/>
-              <a:defRPr sz="1000"/>
+            <a:lvl5pPr marL="1055766" indent="0">
+              <a:buNone/>
+              <a:defRPr sz="577"/>
             </a:lvl5pPr>
-            <a:lvl6pPr marL="2285980" indent="0">
-              <a:buNone/>
-              <a:defRPr sz="1000"/>
+            <a:lvl6pPr marL="1319708" indent="0">
+              <a:buNone/>
+              <a:defRPr sz="577"/>
             </a:lvl6pPr>
-            <a:lvl7pPr marL="2743175" indent="0">
-              <a:buNone/>
-              <a:defRPr sz="1000"/>
+            <a:lvl7pPr marL="1583649" indent="0">
+              <a:buNone/>
+              <a:defRPr sz="577"/>
             </a:lvl7pPr>
-            <a:lvl8pPr marL="3200372" indent="0">
-              <a:buNone/>
-              <a:defRPr sz="1000"/>
+            <a:lvl8pPr marL="1847591" indent="0">
+              <a:buNone/>
+              <a:defRPr sz="577"/>
             </a:lvl8pPr>
-            <a:lvl9pPr marL="3657567" indent="0">
-              <a:buNone/>
-              <a:defRPr sz="1000"/>
+            <a:lvl9pPr marL="2111532" indent="0">
+              <a:buNone/>
+              <a:defRPr sz="577"/>
             </a:lvl9pPr>
           </a:lstStyle>
           <a:p>
             <a:pPr lvl="0"/>
             <a:r>
-              <a:rPr kumimoji="1" lang="ja-JP" altLang="en-US" smtClean="0"/>
+              <a:rPr lang="ja-JP" altLang="en-US" smtClean="0"/>
               <a:t>マスター テキストの書式設定</a:t>
             </a:r>
           </a:p>
@@ -2724,7 +2724,7 @@
       </p:sp>
       <p:sp>
         <p:nvSpPr>
-          <p:cNvPr id="5" name="日付プレースホルダー 4"/>
+          <p:cNvPr id="5" name="Date Placeholder 4"/>
           <p:cNvSpPr>
             <a:spLocks noGrp="1"/>
           </p:cNvSpPr>
@@ -2739,7 +2739,7 @@
           <a:p>
             <a:fld id="{AA641DB4-C951-4763-94FC-F650C3AA7E65}" type="datetimeFigureOut">
               <a:rPr kumimoji="1" lang="ja-JP" altLang="en-US" smtClean="0"/>
-              <a:t>2017/1/23</a:t>
+              <a:t>2017/11/16</a:t>
             </a:fld>
             <a:endParaRPr kumimoji="1" lang="ja-JP" altLang="en-US"/>
           </a:p>
@@ -2747,7 +2747,7 @@
       </p:sp>
       <p:sp>
         <p:nvSpPr>
-          <p:cNvPr id="6" name="フッター プレースホルダー 5"/>
+          <p:cNvPr id="6" name="Footer Placeholder 5"/>
           <p:cNvSpPr>
             <a:spLocks noGrp="1"/>
           </p:cNvSpPr>
@@ -2766,7 +2766,7 @@
       </p:sp>
       <p:sp>
         <p:nvSpPr>
-          <p:cNvPr id="7" name="スライド番号プレースホルダー 6"/>
+          <p:cNvPr id="7" name="Slide Number Placeholder 6"/>
           <p:cNvSpPr>
             <a:spLocks noGrp="1"/>
           </p:cNvSpPr>
@@ -2790,7 +2790,7 @@
     </p:spTree>
     <p:extLst>
       <p:ext uri="{BB962C8B-B14F-4D97-AF65-F5344CB8AC3E}">
-        <p14:creationId xmlns:p14="http://schemas.microsoft.com/office/powerpoint/2010/main" val="347036447"/>
+        <p14:creationId xmlns:p14="http://schemas.microsoft.com/office/powerpoint/2010/main" val="2714946339"/>
       </p:ext>
     </p:extLst>
   </p:cSld>
@@ -2819,7 +2819,7 @@
       </p:grpSpPr>
       <p:sp>
         <p:nvSpPr>
-          <p:cNvPr id="2" name="タイトル 1"/>
+          <p:cNvPr id="2" name="Title 1"/>
           <p:cNvSpPr>
             <a:spLocks noGrp="1"/>
           </p:cNvSpPr>
@@ -2829,31 +2829,31 @@
         </p:nvSpPr>
         <p:spPr>
           <a:xfrm>
-            <a:off x="839790" y="457200"/>
-            <a:ext cx="3932237" cy="1600200"/>
+            <a:off x="839789" y="263948"/>
+            <a:ext cx="3932237" cy="923819"/>
           </a:xfrm>
         </p:spPr>
         <p:txBody>
           <a:bodyPr anchor="b"/>
           <a:lstStyle>
             <a:lvl1pPr>
-              <a:defRPr sz="3200"/>
+              <a:defRPr sz="1847"/>
             </a:lvl1pPr>
           </a:lstStyle>
           <a:p>
             <a:r>
-              <a:rPr kumimoji="1" lang="ja-JP" altLang="en-US" smtClean="0"/>
+              <a:rPr lang="ja-JP" altLang="en-US" smtClean="0"/>
               <a:t>マスター タイトルの書式設定</a:t>
             </a:r>
-            <a:endParaRPr kumimoji="1" lang="ja-JP" altLang="en-US"/>
-          </a:p>
-        </p:txBody>
-      </p:sp>
-      <p:sp>
-        <p:nvSpPr>
-          <p:cNvPr id="3" name="図プレースホルダー 2"/>
-          <p:cNvSpPr>
-            <a:spLocks noGrp="1"/>
+            <a:endParaRPr lang="en-US" dirty="0"/>
+          </a:p>
+        </p:txBody>
+      </p:sp>
+      <p:sp>
+        <p:nvSpPr>
+          <p:cNvPr id="3" name="Picture Placeholder 2"/>
+          <p:cNvSpPr>
+            <a:spLocks noGrp="1" noChangeAspect="1"/>
           </p:cNvSpPr>
           <p:nvPr>
             <p:ph type="pic" idx="1"/>
@@ -2861,8 +2861,73 @@
         </p:nvSpPr>
         <p:spPr>
           <a:xfrm>
-            <a:off x="5183188" y="987426"/>
-            <a:ext cx="6172200" cy="4873625"/>
+            <a:off x="5183188" y="570055"/>
+            <a:ext cx="6172200" cy="2813616"/>
+          </a:xfrm>
+        </p:spPr>
+        <p:txBody>
+          <a:bodyPr anchor="t"/>
+          <a:lstStyle>
+            <a:lvl1pPr marL="0" indent="0">
+              <a:buNone/>
+              <a:defRPr sz="1847"/>
+            </a:lvl1pPr>
+            <a:lvl2pPr marL="263942" indent="0">
+              <a:buNone/>
+              <a:defRPr sz="1616"/>
+            </a:lvl2pPr>
+            <a:lvl3pPr marL="527883" indent="0">
+              <a:buNone/>
+              <a:defRPr sz="1386"/>
+            </a:lvl3pPr>
+            <a:lvl4pPr marL="791825" indent="0">
+              <a:buNone/>
+              <a:defRPr sz="1155"/>
+            </a:lvl4pPr>
+            <a:lvl5pPr marL="1055766" indent="0">
+              <a:buNone/>
+              <a:defRPr sz="1155"/>
+            </a:lvl5pPr>
+            <a:lvl6pPr marL="1319708" indent="0">
+              <a:buNone/>
+              <a:defRPr sz="1155"/>
+            </a:lvl6pPr>
+            <a:lvl7pPr marL="1583649" indent="0">
+              <a:buNone/>
+              <a:defRPr sz="1155"/>
+            </a:lvl7pPr>
+            <a:lvl8pPr marL="1847591" indent="0">
+              <a:buNone/>
+              <a:defRPr sz="1155"/>
+            </a:lvl8pPr>
+            <a:lvl9pPr marL="2111532" indent="0">
+              <a:buNone/>
+              <a:defRPr sz="1155"/>
+            </a:lvl9pPr>
+          </a:lstStyle>
+          <a:p>
+            <a:r>
+              <a:rPr lang="ja-JP" altLang="en-US" smtClean="0"/>
+              <a:t>図を追加</a:t>
+            </a:r>
+            <a:endParaRPr lang="en-US" dirty="0"/>
+          </a:p>
+        </p:txBody>
+      </p:sp>
+      <p:sp>
+        <p:nvSpPr>
+          <p:cNvPr id="4" name="Text Placeholder 3"/>
+          <p:cNvSpPr>
+            <a:spLocks noGrp="1"/>
+          </p:cNvSpPr>
+          <p:nvPr>
+            <p:ph type="body" sz="half" idx="2"/>
+          </p:nvPr>
+        </p:nvSpPr>
+        <p:spPr>
+          <a:xfrm>
+            <a:off x="839789" y="1187768"/>
+            <a:ext cx="3932237" cy="2200486"/>
           </a:xfrm>
         </p:spPr>
         <p:txBody>
@@ -2870,106 +2935,45 @@
           <a:lstStyle>
             <a:lvl1pPr marL="0" indent="0">
               <a:buNone/>
-              <a:defRPr sz="3200"/>
+              <a:defRPr sz="924"/>
             </a:lvl1pPr>
-            <a:lvl2pPr marL="457195" indent="0">
-              <a:buNone/>
-              <a:defRPr sz="2800"/>
+            <a:lvl2pPr marL="263942" indent="0">
+              <a:buNone/>
+              <a:defRPr sz="808"/>
             </a:lvl2pPr>
-            <a:lvl3pPr marL="914392" indent="0">
-              <a:buNone/>
-              <a:defRPr sz="2400"/>
+            <a:lvl3pPr marL="527883" indent="0">
+              <a:buNone/>
+              <a:defRPr sz="693"/>
             </a:lvl3pPr>
-            <a:lvl4pPr marL="1371588" indent="0">
-              <a:buNone/>
-              <a:defRPr sz="2000"/>
+            <a:lvl4pPr marL="791825" indent="0">
+              <a:buNone/>
+              <a:defRPr sz="577"/>
             </a:lvl4pPr>
-            <a:lvl5pPr marL="1828783" indent="0">
-              <a:buNone/>
-              <a:defRPr sz="2000"/>
+            <a:lvl5pPr marL="1055766" indent="0">
+              <a:buNone/>
+              <a:defRPr sz="577"/>
             </a:lvl5pPr>
-            <a:lvl6pPr marL="2285980" indent="0">
-              <a:buNone/>
-              <a:defRPr sz="2000"/>
+            <a:lvl6pPr marL="1319708" indent="0">
+              <a:buNone/>
+              <a:defRPr sz="577"/>
             </a:lvl6pPr>
-            <a:lvl7pPr marL="2743175" indent="0">
-              <a:buNone/>
-              <a:defRPr sz="2000"/>
+            <a:lvl7pPr marL="1583649" indent="0">
+              <a:buNone/>
+              <a:defRPr sz="577"/>
             </a:lvl7pPr>
-            <a:lvl8pPr marL="3200372" indent="0">
-              <a:buNone/>
-              <a:defRPr sz="2000"/>
+            <a:lvl8pPr marL="1847591" indent="0">
+              <a:buNone/>
+              <a:defRPr sz="577"/>
             </a:lvl8pPr>
-            <a:lvl9pPr marL="3657567" indent="0">
-              <a:buNone/>
-              <a:defRPr sz="2000"/>
+            <a:lvl9pPr marL="2111532" indent="0">
+              <a:buNone/>
+              <a:defRPr sz="577"/>
             </a:lvl9pPr>
           </a:lstStyle>
           <a:p>
-            <a:endParaRPr kumimoji="1" lang="ja-JP" altLang="en-US"/>
-          </a:p>
-        </p:txBody>
-      </p:sp>
-      <p:sp>
-        <p:nvSpPr>
-          <p:cNvPr id="4" name="テキスト プレースホルダー 3"/>
-          <p:cNvSpPr>
-            <a:spLocks noGrp="1"/>
-          </p:cNvSpPr>
-          <p:nvPr>
-            <p:ph type="body" sz="half" idx="2"/>
-          </p:nvPr>
-        </p:nvSpPr>
-        <p:spPr>
-          <a:xfrm>
-            <a:off x="839790" y="2057400"/>
-            <a:ext cx="3932237" cy="3811589"/>
-          </a:xfrm>
-        </p:spPr>
-        <p:txBody>
-          <a:bodyPr/>
-          <a:lstStyle>
-            <a:lvl1pPr marL="0" indent="0">
-              <a:buNone/>
-              <a:defRPr sz="1600"/>
-            </a:lvl1pPr>
-            <a:lvl2pPr marL="457195" indent="0">
-              <a:buNone/>
-              <a:defRPr sz="1400"/>
-            </a:lvl2pPr>
-            <a:lvl3pPr marL="914392" indent="0">
-              <a:buNone/>
-              <a:defRPr sz="1200"/>
-            </a:lvl3pPr>
-            <a:lvl4pPr marL="1371588" indent="0">
-              <a:buNone/>
-              <a:defRPr sz="1000"/>
-            </a:lvl4pPr>
-            <a:lvl5pPr marL="1828783" indent="0">
-              <a:buNone/>
-              <a:defRPr sz="1000"/>
-            </a:lvl5pPr>
-            <a:lvl6pPr marL="2285980" indent="0">
-              <a:buNone/>
-              <a:defRPr sz="1000"/>
-            </a:lvl6pPr>
-            <a:lvl7pPr marL="2743175" indent="0">
-              <a:buNone/>
-              <a:defRPr sz="1000"/>
-            </a:lvl7pPr>
-            <a:lvl8pPr marL="3200372" indent="0">
-              <a:buNone/>
-              <a:defRPr sz="1000"/>
-            </a:lvl8pPr>
-            <a:lvl9pPr marL="3657567" indent="0">
-              <a:buNone/>
-              <a:defRPr sz="1000"/>
-            </a:lvl9pPr>
-          </a:lstStyle>
-          <a:p>
             <a:pPr lvl="0"/>
             <a:r>
-              <a:rPr kumimoji="1" lang="ja-JP" altLang="en-US" smtClean="0"/>
+              <a:rPr lang="ja-JP" altLang="en-US" smtClean="0"/>
               <a:t>マスター テキストの書式設定</a:t>
             </a:r>
           </a:p>
@@ -2977,7 +2981,7 @@
       </p:sp>
       <p:sp>
         <p:nvSpPr>
-          <p:cNvPr id="5" name="日付プレースホルダー 4"/>
+          <p:cNvPr id="5" name="Date Placeholder 4"/>
           <p:cNvSpPr>
             <a:spLocks noGrp="1"/>
           </p:cNvSpPr>
@@ -2992,7 +2996,7 @@
           <a:p>
             <a:fld id="{AA641DB4-C951-4763-94FC-F650C3AA7E65}" type="datetimeFigureOut">
               <a:rPr kumimoji="1" lang="ja-JP" altLang="en-US" smtClean="0"/>
-              <a:t>2017/1/23</a:t>
+              <a:t>2017/11/16</a:t>
             </a:fld>
             <a:endParaRPr kumimoji="1" lang="ja-JP" altLang="en-US"/>
           </a:p>
@@ -3000,7 +3004,7 @@
       </p:sp>
       <p:sp>
         <p:nvSpPr>
-          <p:cNvPr id="6" name="フッター プレースホルダー 5"/>
+          <p:cNvPr id="6" name="Footer Placeholder 5"/>
           <p:cNvSpPr>
             <a:spLocks noGrp="1"/>
           </p:cNvSpPr>
@@ -3019,7 +3023,7 @@
       </p:sp>
       <p:sp>
         <p:nvSpPr>
-          <p:cNvPr id="7" name="スライド番号プレースホルダー 6"/>
+          <p:cNvPr id="7" name="Slide Number Placeholder 6"/>
           <p:cNvSpPr>
             <a:spLocks noGrp="1"/>
           </p:cNvSpPr>
@@ -3043,7 +3047,7 @@
     </p:spTree>
     <p:extLst>
       <p:ext uri="{BB962C8B-B14F-4D97-AF65-F5344CB8AC3E}">
-        <p14:creationId xmlns:p14="http://schemas.microsoft.com/office/powerpoint/2010/main" val="1851267295"/>
+        <p14:creationId xmlns:p14="http://schemas.microsoft.com/office/powerpoint/2010/main" val="1722680226"/>
       </p:ext>
     </p:extLst>
   </p:cSld>
@@ -3077,7 +3081,7 @@
       </p:grpSpPr>
       <p:sp>
         <p:nvSpPr>
-          <p:cNvPr id="2" name="タイトル プレースホルダー 1"/>
+          <p:cNvPr id="2" name="Title Placeholder 1"/>
           <p:cNvSpPr>
             <a:spLocks noGrp="1"/>
           </p:cNvSpPr>
@@ -3087,8 +3091,8 @@
         </p:nvSpPr>
         <p:spPr>
           <a:xfrm>
-            <a:off x="838200" y="365126"/>
-            <a:ext cx="10515600" cy="1325563"/>
+            <a:off x="838200" y="210792"/>
+            <a:ext cx="10515600" cy="765267"/>
           </a:xfrm>
           <a:prstGeom prst="rect">
             <a:avLst/>
@@ -3101,16 +3105,16 @@
           <a:lstStyle/>
           <a:p>
             <a:r>
-              <a:rPr kumimoji="1" lang="ja-JP" altLang="en-US" smtClean="0"/>
+              <a:rPr lang="ja-JP" altLang="en-US" smtClean="0"/>
               <a:t>マスター タイトルの書式設定</a:t>
             </a:r>
-            <a:endParaRPr kumimoji="1" lang="ja-JP" altLang="en-US"/>
-          </a:p>
-        </p:txBody>
-      </p:sp>
-      <p:sp>
-        <p:nvSpPr>
-          <p:cNvPr id="3" name="テキスト プレースホルダー 2"/>
+            <a:endParaRPr lang="en-US" dirty="0"/>
+          </a:p>
+        </p:txBody>
+      </p:sp>
+      <p:sp>
+        <p:nvSpPr>
+          <p:cNvPr id="3" name="Text Placeholder 2"/>
           <p:cNvSpPr>
             <a:spLocks noGrp="1"/>
           </p:cNvSpPr>
@@ -3120,8 +3124,8 @@
         </p:nvSpPr>
         <p:spPr>
           <a:xfrm>
-            <a:off x="838200" y="1825625"/>
-            <a:ext cx="10515600" cy="4351338"/>
+            <a:off x="838200" y="1053960"/>
+            <a:ext cx="10515600" cy="2512092"/>
           </a:xfrm>
           <a:prstGeom prst="rect">
             <a:avLst/>
@@ -3135,76 +3139,76 @@
           <a:p>
             <a:pPr lvl="0"/>
             <a:r>
-              <a:rPr kumimoji="1" lang="ja-JP" altLang="en-US" smtClean="0"/>
+              <a:rPr lang="ja-JP" altLang="en-US" smtClean="0"/>
               <a:t>マスター テキストの書式設定</a:t>
             </a:r>
           </a:p>
           <a:p>
             <a:pPr lvl="1"/>
             <a:r>
-              <a:rPr kumimoji="1" lang="ja-JP" altLang="en-US" smtClean="0"/>
+              <a:rPr lang="ja-JP" altLang="en-US" smtClean="0"/>
               <a:t>第 </a:t>
             </a:r>
             <a:r>
-              <a:rPr kumimoji="1" lang="en-US" altLang="ja-JP" smtClean="0"/>
+              <a:rPr lang="en-US" altLang="ja-JP" smtClean="0"/>
               <a:t>2 </a:t>
             </a:r>
             <a:r>
-              <a:rPr kumimoji="1" lang="ja-JP" altLang="en-US" smtClean="0"/>
+              <a:rPr lang="ja-JP" altLang="en-US" smtClean="0"/>
               <a:t>レベル</a:t>
             </a:r>
           </a:p>
           <a:p>
             <a:pPr lvl="2"/>
             <a:r>
-              <a:rPr kumimoji="1" lang="ja-JP" altLang="en-US" smtClean="0"/>
+              <a:rPr lang="ja-JP" altLang="en-US" smtClean="0"/>
               <a:t>第 </a:t>
             </a:r>
             <a:r>
-              <a:rPr kumimoji="1" lang="en-US" altLang="ja-JP" smtClean="0"/>
+              <a:rPr lang="en-US" altLang="ja-JP" smtClean="0"/>
               <a:t>3 </a:t>
             </a:r>
             <a:r>
-              <a:rPr kumimoji="1" lang="ja-JP" altLang="en-US" smtClean="0"/>
+              <a:rPr lang="ja-JP" altLang="en-US" smtClean="0"/>
               <a:t>レベル</a:t>
             </a:r>
           </a:p>
           <a:p>
             <a:pPr lvl="3"/>
             <a:r>
-              <a:rPr kumimoji="1" lang="ja-JP" altLang="en-US" smtClean="0"/>
+              <a:rPr lang="ja-JP" altLang="en-US" smtClean="0"/>
               <a:t>第 </a:t>
             </a:r>
             <a:r>
-              <a:rPr kumimoji="1" lang="en-US" altLang="ja-JP" smtClean="0"/>
+              <a:rPr lang="en-US" altLang="ja-JP" smtClean="0"/>
               <a:t>4 </a:t>
             </a:r>
             <a:r>
-              <a:rPr kumimoji="1" lang="ja-JP" altLang="en-US" smtClean="0"/>
+              <a:rPr lang="ja-JP" altLang="en-US" smtClean="0"/>
               <a:t>レベル</a:t>
             </a:r>
           </a:p>
           <a:p>
             <a:pPr lvl="4"/>
             <a:r>
-              <a:rPr kumimoji="1" lang="ja-JP" altLang="en-US" smtClean="0"/>
+              <a:rPr lang="ja-JP" altLang="en-US" smtClean="0"/>
               <a:t>第 </a:t>
             </a:r>
             <a:r>
-              <a:rPr kumimoji="1" lang="en-US" altLang="ja-JP" smtClean="0"/>
+              <a:rPr lang="en-US" altLang="ja-JP" smtClean="0"/>
               <a:t>5 </a:t>
             </a:r>
             <a:r>
-              <a:rPr kumimoji="1" lang="ja-JP" altLang="en-US" smtClean="0"/>
+              <a:rPr lang="ja-JP" altLang="en-US" smtClean="0"/>
               <a:t>レベル</a:t>
             </a:r>
-            <a:endParaRPr kumimoji="1" lang="ja-JP" altLang="en-US"/>
-          </a:p>
-        </p:txBody>
-      </p:sp>
-      <p:sp>
-        <p:nvSpPr>
-          <p:cNvPr id="4" name="日付プレースホルダー 3"/>
+            <a:endParaRPr lang="en-US" dirty="0"/>
+          </a:p>
+        </p:txBody>
+      </p:sp>
+      <p:sp>
+        <p:nvSpPr>
+          <p:cNvPr id="4" name="Date Placeholder 3"/>
           <p:cNvSpPr>
             <a:spLocks noGrp="1"/>
           </p:cNvSpPr>
@@ -3214,8 +3218,8 @@
         </p:nvSpPr>
         <p:spPr>
           <a:xfrm>
-            <a:off x="838200" y="6356351"/>
-            <a:ext cx="2743200" cy="365125"/>
+            <a:off x="838200" y="3669615"/>
+            <a:ext cx="2743200" cy="210792"/>
           </a:xfrm>
           <a:prstGeom prst="rect">
             <a:avLst/>
@@ -3225,7 +3229,7 @@
           <a:bodyPr vert="horz" lIns="91440" tIns="45720" rIns="91440" bIns="45720" rtlCol="0" anchor="ctr"/>
           <a:lstStyle>
             <a:lvl1pPr algn="l">
-              <a:defRPr sz="1200">
+              <a:defRPr sz="693">
                 <a:solidFill>
                   <a:schemeClr val="tx1">
                     <a:tint val="75000"/>
@@ -3237,7 +3241,7 @@
           <a:p>
             <a:fld id="{AA641DB4-C951-4763-94FC-F650C3AA7E65}" type="datetimeFigureOut">
               <a:rPr kumimoji="1" lang="ja-JP" altLang="en-US" smtClean="0"/>
-              <a:t>2017/1/23</a:t>
+              <a:t>2017/11/16</a:t>
             </a:fld>
             <a:endParaRPr kumimoji="1" lang="ja-JP" altLang="en-US"/>
           </a:p>
@@ -3245,7 +3249,7 @@
       </p:sp>
       <p:sp>
         <p:nvSpPr>
-          <p:cNvPr id="5" name="フッター プレースホルダー 4"/>
+          <p:cNvPr id="5" name="Footer Placeholder 4"/>
           <p:cNvSpPr>
             <a:spLocks noGrp="1"/>
           </p:cNvSpPr>
@@ -3255,8 +3259,8 @@
         </p:nvSpPr>
         <p:spPr>
           <a:xfrm>
-            <a:off x="4038600" y="6356351"/>
-            <a:ext cx="4114800" cy="365125"/>
+            <a:off x="4038600" y="3669615"/>
+            <a:ext cx="4114800" cy="210792"/>
           </a:xfrm>
           <a:prstGeom prst="rect">
             <a:avLst/>
@@ -3266,7 +3270,7 @@
           <a:bodyPr vert="horz" lIns="91440" tIns="45720" rIns="91440" bIns="45720" rtlCol="0" anchor="ctr"/>
           <a:lstStyle>
             <a:lvl1pPr algn="ctr">
-              <a:defRPr sz="1200">
+              <a:defRPr sz="693">
                 <a:solidFill>
                   <a:schemeClr val="tx1">
                     <a:tint val="75000"/>
@@ -3282,7 +3286,7 @@
       </p:sp>
       <p:sp>
         <p:nvSpPr>
-          <p:cNvPr id="6" name="スライド番号プレースホルダー 5"/>
+          <p:cNvPr id="6" name="Slide Number Placeholder 5"/>
           <p:cNvSpPr>
             <a:spLocks noGrp="1"/>
           </p:cNvSpPr>
@@ -3292,8 +3296,8 @@
         </p:nvSpPr>
         <p:spPr>
           <a:xfrm>
-            <a:off x="8610600" y="6356351"/>
-            <a:ext cx="2743200" cy="365125"/>
+            <a:off x="8610600" y="3669615"/>
+            <a:ext cx="2743200" cy="210792"/>
           </a:xfrm>
           <a:prstGeom prst="rect">
             <a:avLst/>
@@ -3303,7 +3307,7 @@
           <a:bodyPr vert="horz" lIns="91440" tIns="45720" rIns="91440" bIns="45720" rtlCol="0" anchor="ctr"/>
           <a:lstStyle>
             <a:lvl1pPr algn="r">
-              <a:defRPr sz="1200">
+              <a:defRPr sz="693">
                 <a:solidFill>
                   <a:schemeClr val="tx1">
                     <a:tint val="75000"/>
@@ -3324,27 +3328,27 @@
     </p:spTree>
     <p:extLst>
       <p:ext uri="{BB962C8B-B14F-4D97-AF65-F5344CB8AC3E}">
-        <p14:creationId xmlns:p14="http://schemas.microsoft.com/office/powerpoint/2010/main" val="1848971880"/>
+        <p14:creationId xmlns:p14="http://schemas.microsoft.com/office/powerpoint/2010/main" val="1323819911"/>
       </p:ext>
     </p:extLst>
   </p:cSld>
   <p:clrMap bg1="lt1" tx1="dk1" bg2="lt2" tx2="dk2" accent1="accent1" accent2="accent2" accent3="accent3" accent4="accent4" accent5="accent5" accent6="accent6" hlink="hlink" folHlink="folHlink"/>
   <p:sldLayoutIdLst>
-    <p:sldLayoutId id="2147483649" r:id="rId1"/>
-    <p:sldLayoutId id="2147483650" r:id="rId2"/>
-    <p:sldLayoutId id="2147483651" r:id="rId3"/>
-    <p:sldLayoutId id="2147483652" r:id="rId4"/>
-    <p:sldLayoutId id="2147483653" r:id="rId5"/>
-    <p:sldLayoutId id="2147483654" r:id="rId6"/>
-    <p:sldLayoutId id="2147483655" r:id="rId7"/>
-    <p:sldLayoutId id="2147483656" r:id="rId8"/>
-    <p:sldLayoutId id="2147483657" r:id="rId9"/>
-    <p:sldLayoutId id="2147483658" r:id="rId10"/>
-    <p:sldLayoutId id="2147483659" r:id="rId11"/>
+    <p:sldLayoutId id="2147483685" r:id="rId1"/>
+    <p:sldLayoutId id="2147483686" r:id="rId2"/>
+    <p:sldLayoutId id="2147483687" r:id="rId3"/>
+    <p:sldLayoutId id="2147483688" r:id="rId4"/>
+    <p:sldLayoutId id="2147483689" r:id="rId5"/>
+    <p:sldLayoutId id="2147483690" r:id="rId6"/>
+    <p:sldLayoutId id="2147483691" r:id="rId7"/>
+    <p:sldLayoutId id="2147483692" r:id="rId8"/>
+    <p:sldLayoutId id="2147483693" r:id="rId9"/>
+    <p:sldLayoutId id="2147483694" r:id="rId10"/>
+    <p:sldLayoutId id="2147483695" r:id="rId11"/>
   </p:sldLayoutIdLst>
   <p:txStyles>
     <p:titleStyle>
-      <a:lvl1pPr algn="l" defTabSz="914392" rtl="0" eaLnBrk="1" latinLnBrk="0" hangingPunct="1">
+      <a:lvl1pPr algn="l" defTabSz="527883" rtl="0" eaLnBrk="1" latinLnBrk="0" hangingPunct="1">
         <a:lnSpc>
           <a:spcPct val="90000"/>
         </a:lnSpc>
@@ -3352,7 +3356,7 @@
           <a:spcPct val="0"/>
         </a:spcBef>
         <a:buNone/>
-        <a:defRPr kumimoji="1" sz="4400" kern="1200">
+        <a:defRPr kumimoji="1" sz="2540" kern="1200">
           <a:solidFill>
             <a:schemeClr val="tx1"/>
           </a:solidFill>
@@ -3363,16 +3367,16 @@
       </a:lvl1pPr>
     </p:titleStyle>
     <p:bodyStyle>
-      <a:lvl1pPr marL="228598" indent="-228598" algn="l" defTabSz="914392" rtl="0" eaLnBrk="1" latinLnBrk="0" hangingPunct="1">
+      <a:lvl1pPr marL="131971" indent="-131971" algn="l" defTabSz="527883" rtl="0" eaLnBrk="1" latinLnBrk="0" hangingPunct="1">
         <a:lnSpc>
           <a:spcPct val="90000"/>
         </a:lnSpc>
         <a:spcBef>
-          <a:spcPts val="1000"/>
+          <a:spcPts val="577"/>
         </a:spcBef>
         <a:buFont typeface="Arial" panose="020B0604020202020204" pitchFamily="34" charset="0"/>
         <a:buChar char="•"/>
-        <a:defRPr kumimoji="1" sz="2800" kern="1200">
+        <a:defRPr kumimoji="1" sz="1616" kern="1200">
           <a:solidFill>
             <a:schemeClr val="tx1"/>
           </a:solidFill>
@@ -3381,16 +3385,16 @@
           <a:cs typeface="+mn-cs"/>
         </a:defRPr>
       </a:lvl1pPr>
-      <a:lvl2pPr marL="685794" indent="-228598" algn="l" defTabSz="914392" rtl="0" eaLnBrk="1" latinLnBrk="0" hangingPunct="1">
+      <a:lvl2pPr marL="395912" indent="-131971" algn="l" defTabSz="527883" rtl="0" eaLnBrk="1" latinLnBrk="0" hangingPunct="1">
         <a:lnSpc>
           <a:spcPct val="90000"/>
         </a:lnSpc>
         <a:spcBef>
-          <a:spcPts val="500"/>
+          <a:spcPts val="289"/>
         </a:spcBef>
         <a:buFont typeface="Arial" panose="020B0604020202020204" pitchFamily="34" charset="0"/>
         <a:buChar char="•"/>
-        <a:defRPr kumimoji="1" sz="2400" kern="1200">
+        <a:defRPr kumimoji="1" sz="1386" kern="1200">
           <a:solidFill>
             <a:schemeClr val="tx1"/>
           </a:solidFill>
@@ -3399,16 +3403,16 @@
           <a:cs typeface="+mn-cs"/>
         </a:defRPr>
       </a:lvl2pPr>
-      <a:lvl3pPr marL="1142990" indent="-228598" algn="l" defTabSz="914392" rtl="0" eaLnBrk="1" latinLnBrk="0" hangingPunct="1">
+      <a:lvl3pPr marL="659854" indent="-131971" algn="l" defTabSz="527883" rtl="0" eaLnBrk="1" latinLnBrk="0" hangingPunct="1">
         <a:lnSpc>
           <a:spcPct val="90000"/>
         </a:lnSpc>
         <a:spcBef>
-          <a:spcPts val="500"/>
+          <a:spcPts val="289"/>
         </a:spcBef>
         <a:buFont typeface="Arial" panose="020B0604020202020204" pitchFamily="34" charset="0"/>
         <a:buChar char="•"/>
-        <a:defRPr kumimoji="1" sz="2000" kern="1200">
+        <a:defRPr kumimoji="1" sz="1155" kern="1200">
           <a:solidFill>
             <a:schemeClr val="tx1"/>
           </a:solidFill>
@@ -3417,16 +3421,16 @@
           <a:cs typeface="+mn-cs"/>
         </a:defRPr>
       </a:lvl3pPr>
-      <a:lvl4pPr marL="1600185" indent="-228598" algn="l" defTabSz="914392" rtl="0" eaLnBrk="1" latinLnBrk="0" hangingPunct="1">
+      <a:lvl4pPr marL="923795" indent="-131971" algn="l" defTabSz="527883" rtl="0" eaLnBrk="1" latinLnBrk="0" hangingPunct="1">
         <a:lnSpc>
           <a:spcPct val="90000"/>
         </a:lnSpc>
         <a:spcBef>
-          <a:spcPts val="500"/>
+          <a:spcPts val="289"/>
         </a:spcBef>
         <a:buFont typeface="Arial" panose="020B0604020202020204" pitchFamily="34" charset="0"/>
         <a:buChar char="•"/>
-        <a:defRPr kumimoji="1" sz="1800" kern="1200">
+        <a:defRPr kumimoji="1" sz="1039" kern="1200">
           <a:solidFill>
             <a:schemeClr val="tx1"/>
           </a:solidFill>
@@ -3435,16 +3439,16 @@
           <a:cs typeface="+mn-cs"/>
         </a:defRPr>
       </a:lvl4pPr>
-      <a:lvl5pPr marL="2057382" indent="-228598" algn="l" defTabSz="914392" rtl="0" eaLnBrk="1" latinLnBrk="0" hangingPunct="1">
+      <a:lvl5pPr marL="1187737" indent="-131971" algn="l" defTabSz="527883" rtl="0" eaLnBrk="1" latinLnBrk="0" hangingPunct="1">
         <a:lnSpc>
           <a:spcPct val="90000"/>
         </a:lnSpc>
         <a:spcBef>
-          <a:spcPts val="500"/>
+          <a:spcPts val="289"/>
         </a:spcBef>
         <a:buFont typeface="Arial" panose="020B0604020202020204" pitchFamily="34" charset="0"/>
         <a:buChar char="•"/>
-        <a:defRPr kumimoji="1" sz="1800" kern="1200">
+        <a:defRPr kumimoji="1" sz="1039" kern="1200">
           <a:solidFill>
             <a:schemeClr val="tx1"/>
           </a:solidFill>
@@ -3453,16 +3457,16 @@
           <a:cs typeface="+mn-cs"/>
         </a:defRPr>
       </a:lvl5pPr>
-      <a:lvl6pPr marL="2514577" indent="-228598" algn="l" defTabSz="914392" rtl="0" eaLnBrk="1" latinLnBrk="0" hangingPunct="1">
+      <a:lvl6pPr marL="1451679" indent="-131971" algn="l" defTabSz="527883" rtl="0" eaLnBrk="1" latinLnBrk="0" hangingPunct="1">
         <a:lnSpc>
           <a:spcPct val="90000"/>
         </a:lnSpc>
         <a:spcBef>
-          <a:spcPts val="500"/>
+          <a:spcPts val="289"/>
         </a:spcBef>
         <a:buFont typeface="Arial" panose="020B0604020202020204" pitchFamily="34" charset="0"/>
         <a:buChar char="•"/>
-        <a:defRPr kumimoji="1" sz="1800" kern="1200">
+        <a:defRPr kumimoji="1" sz="1039" kern="1200">
           <a:solidFill>
             <a:schemeClr val="tx1"/>
           </a:solidFill>
@@ -3471,16 +3475,16 @@
           <a:cs typeface="+mn-cs"/>
         </a:defRPr>
       </a:lvl6pPr>
-      <a:lvl7pPr marL="2971773" indent="-228598" algn="l" defTabSz="914392" rtl="0" eaLnBrk="1" latinLnBrk="0" hangingPunct="1">
+      <a:lvl7pPr marL="1715620" indent="-131971" algn="l" defTabSz="527883" rtl="0" eaLnBrk="1" latinLnBrk="0" hangingPunct="1">
         <a:lnSpc>
           <a:spcPct val="90000"/>
         </a:lnSpc>
         <a:spcBef>
-          <a:spcPts val="500"/>
+          <a:spcPts val="289"/>
         </a:spcBef>
         <a:buFont typeface="Arial" panose="020B0604020202020204" pitchFamily="34" charset="0"/>
         <a:buChar char="•"/>
-        <a:defRPr kumimoji="1" sz="1800" kern="1200">
+        <a:defRPr kumimoji="1" sz="1039" kern="1200">
           <a:solidFill>
             <a:schemeClr val="tx1"/>
           </a:solidFill>
@@ -3489,16 +3493,16 @@
           <a:cs typeface="+mn-cs"/>
         </a:defRPr>
       </a:lvl7pPr>
-      <a:lvl8pPr marL="3428970" indent="-228598" algn="l" defTabSz="914392" rtl="0" eaLnBrk="1" latinLnBrk="0" hangingPunct="1">
+      <a:lvl8pPr marL="1979562" indent="-131971" algn="l" defTabSz="527883" rtl="0" eaLnBrk="1" latinLnBrk="0" hangingPunct="1">
         <a:lnSpc>
           <a:spcPct val="90000"/>
         </a:lnSpc>
         <a:spcBef>
-          <a:spcPts val="500"/>
+          <a:spcPts val="289"/>
         </a:spcBef>
         <a:buFont typeface="Arial" panose="020B0604020202020204" pitchFamily="34" charset="0"/>
         <a:buChar char="•"/>
-        <a:defRPr kumimoji="1" sz="1800" kern="1200">
+        <a:defRPr kumimoji="1" sz="1039" kern="1200">
           <a:solidFill>
             <a:schemeClr val="tx1"/>
           </a:solidFill>
@@ -3507,16 +3511,16 @@
           <a:cs typeface="+mn-cs"/>
         </a:defRPr>
       </a:lvl8pPr>
-      <a:lvl9pPr marL="3886165" indent="-228598" algn="l" defTabSz="914392" rtl="0" eaLnBrk="1" latinLnBrk="0" hangingPunct="1">
+      <a:lvl9pPr marL="2243503" indent="-131971" algn="l" defTabSz="527883" rtl="0" eaLnBrk="1" latinLnBrk="0" hangingPunct="1">
         <a:lnSpc>
           <a:spcPct val="90000"/>
         </a:lnSpc>
         <a:spcBef>
-          <a:spcPts val="500"/>
+          <a:spcPts val="289"/>
         </a:spcBef>
         <a:buFont typeface="Arial" panose="020B0604020202020204" pitchFamily="34" charset="0"/>
         <a:buChar char="•"/>
-        <a:defRPr kumimoji="1" sz="1800" kern="1200">
+        <a:defRPr kumimoji="1" sz="1039" kern="1200">
           <a:solidFill>
             <a:schemeClr val="tx1"/>
           </a:solidFill>
@@ -3528,10 +3532,10 @@
     </p:bodyStyle>
     <p:otherStyle>
       <a:defPPr>
-        <a:defRPr lang="ja-JP"/>
+        <a:defRPr lang="en-US"/>
       </a:defPPr>
-      <a:lvl1pPr marL="0" algn="l" defTabSz="914392" rtl="0" eaLnBrk="1" latinLnBrk="0" hangingPunct="1">
-        <a:defRPr kumimoji="1" sz="1800" kern="1200">
+      <a:lvl1pPr marL="0" algn="l" defTabSz="527883" rtl="0" eaLnBrk="1" latinLnBrk="0" hangingPunct="1">
+        <a:defRPr kumimoji="1" sz="1039" kern="1200">
           <a:solidFill>
             <a:schemeClr val="tx1"/>
           </a:solidFill>
@@ -3540,8 +3544,8 @@
           <a:cs typeface="+mn-cs"/>
         </a:defRPr>
       </a:lvl1pPr>
-      <a:lvl2pPr marL="457195" algn="l" defTabSz="914392" rtl="0" eaLnBrk="1" latinLnBrk="0" hangingPunct="1">
-        <a:defRPr kumimoji="1" sz="1800" kern="1200">
+      <a:lvl2pPr marL="263942" algn="l" defTabSz="527883" rtl="0" eaLnBrk="1" latinLnBrk="0" hangingPunct="1">
+        <a:defRPr kumimoji="1" sz="1039" kern="1200">
           <a:solidFill>
             <a:schemeClr val="tx1"/>
           </a:solidFill>
@@ -3550,8 +3554,8 @@
           <a:cs typeface="+mn-cs"/>
         </a:defRPr>
       </a:lvl2pPr>
-      <a:lvl3pPr marL="914392" algn="l" defTabSz="914392" rtl="0" eaLnBrk="1" latinLnBrk="0" hangingPunct="1">
-        <a:defRPr kumimoji="1" sz="1800" kern="1200">
+      <a:lvl3pPr marL="527883" algn="l" defTabSz="527883" rtl="0" eaLnBrk="1" latinLnBrk="0" hangingPunct="1">
+        <a:defRPr kumimoji="1" sz="1039" kern="1200">
           <a:solidFill>
             <a:schemeClr val="tx1"/>
           </a:solidFill>
@@ -3560,8 +3564,8 @@
           <a:cs typeface="+mn-cs"/>
         </a:defRPr>
       </a:lvl3pPr>
-      <a:lvl4pPr marL="1371588" algn="l" defTabSz="914392" rtl="0" eaLnBrk="1" latinLnBrk="0" hangingPunct="1">
-        <a:defRPr kumimoji="1" sz="1800" kern="1200">
+      <a:lvl4pPr marL="791825" algn="l" defTabSz="527883" rtl="0" eaLnBrk="1" latinLnBrk="0" hangingPunct="1">
+        <a:defRPr kumimoji="1" sz="1039" kern="1200">
           <a:solidFill>
             <a:schemeClr val="tx1"/>
           </a:solidFill>
@@ -3570,8 +3574,8 @@
           <a:cs typeface="+mn-cs"/>
         </a:defRPr>
       </a:lvl4pPr>
-      <a:lvl5pPr marL="1828783" algn="l" defTabSz="914392" rtl="0" eaLnBrk="1" latinLnBrk="0" hangingPunct="1">
-        <a:defRPr kumimoji="1" sz="1800" kern="1200">
+      <a:lvl5pPr marL="1055766" algn="l" defTabSz="527883" rtl="0" eaLnBrk="1" latinLnBrk="0" hangingPunct="1">
+        <a:defRPr kumimoji="1" sz="1039" kern="1200">
           <a:solidFill>
             <a:schemeClr val="tx1"/>
           </a:solidFill>
@@ -3580,8 +3584,8 @@
           <a:cs typeface="+mn-cs"/>
         </a:defRPr>
       </a:lvl5pPr>
-      <a:lvl6pPr marL="2285980" algn="l" defTabSz="914392" rtl="0" eaLnBrk="1" latinLnBrk="0" hangingPunct="1">
-        <a:defRPr kumimoji="1" sz="1800" kern="1200">
+      <a:lvl6pPr marL="1319708" algn="l" defTabSz="527883" rtl="0" eaLnBrk="1" latinLnBrk="0" hangingPunct="1">
+        <a:defRPr kumimoji="1" sz="1039" kern="1200">
           <a:solidFill>
             <a:schemeClr val="tx1"/>
           </a:solidFill>
@@ -3590,8 +3594,8 @@
           <a:cs typeface="+mn-cs"/>
         </a:defRPr>
       </a:lvl6pPr>
-      <a:lvl7pPr marL="2743175" algn="l" defTabSz="914392" rtl="0" eaLnBrk="1" latinLnBrk="0" hangingPunct="1">
-        <a:defRPr kumimoji="1" sz="1800" kern="1200">
+      <a:lvl7pPr marL="1583649" algn="l" defTabSz="527883" rtl="0" eaLnBrk="1" latinLnBrk="0" hangingPunct="1">
+        <a:defRPr kumimoji="1" sz="1039" kern="1200">
           <a:solidFill>
             <a:schemeClr val="tx1"/>
           </a:solidFill>
@@ -3600,8 +3604,8 @@
           <a:cs typeface="+mn-cs"/>
         </a:defRPr>
       </a:lvl7pPr>
-      <a:lvl8pPr marL="3200372" algn="l" defTabSz="914392" rtl="0" eaLnBrk="1" latinLnBrk="0" hangingPunct="1">
-        <a:defRPr kumimoji="1" sz="1800" kern="1200">
+      <a:lvl8pPr marL="1847591" algn="l" defTabSz="527883" rtl="0" eaLnBrk="1" latinLnBrk="0" hangingPunct="1">
+        <a:defRPr kumimoji="1" sz="1039" kern="1200">
           <a:solidFill>
             <a:schemeClr val="tx1"/>
           </a:solidFill>
@@ -3610,8 +3614,8 @@
           <a:cs typeface="+mn-cs"/>
         </a:defRPr>
       </a:lvl8pPr>
-      <a:lvl9pPr marL="3657567" algn="l" defTabSz="914392" rtl="0" eaLnBrk="1" latinLnBrk="0" hangingPunct="1">
-        <a:defRPr kumimoji="1" sz="1800" kern="1200">
+      <a:lvl9pPr marL="2111532" algn="l" defTabSz="527883" rtl="0" eaLnBrk="1" latinLnBrk="0" hangingPunct="1">
+        <a:defRPr kumimoji="1" sz="1039" kern="1200">
           <a:solidFill>
             <a:schemeClr val="tx1"/>
           </a:solidFill>
@@ -3642,1330 +3646,1295 @@
           <a:chExt cx="0" cy="0"/>
         </a:xfrm>
       </p:grpSpPr>
-      <p:sp>
-        <p:nvSpPr>
-          <p:cNvPr id="65" name="正方形/長方形 64"/>
-          <p:cNvSpPr/>
+      <p:grpSp>
+        <p:nvGrpSpPr>
+          <p:cNvPr id="2" name="グループ化 1"/>
+          <p:cNvGrpSpPr/>
           <p:nvPr/>
-        </p:nvSpPr>
-        <p:spPr bwMode="auto">
+        </p:nvGrpSpPr>
+        <p:grpSpPr>
           <a:xfrm>
-            <a:off x="2794000" y="266700"/>
-            <a:ext cx="3737429" cy="6502400"/>
+            <a:off x="202295" y="122663"/>
+            <a:ext cx="11494407" cy="3735659"/>
+            <a:chOff x="202293" y="-36633"/>
+            <a:chExt cx="11494407" cy="5636482"/>
           </a:xfrm>
-          <a:prstGeom prst="rect">
-            <a:avLst/>
-          </a:prstGeom>
-          <a:ln>
-            <a:headEnd type="none" w="med" len="med"/>
-            <a:tailEnd type="triangle" w="med" len="med"/>
-          </a:ln>
-          <a:extLst/>
-        </p:spPr>
-        <p:style>
-          <a:lnRef idx="2">
-            <a:schemeClr val="dk1"/>
-          </a:lnRef>
-          <a:fillRef idx="1">
-            <a:schemeClr val="lt1"/>
-          </a:fillRef>
-          <a:effectRef idx="0">
-            <a:schemeClr val="dk1"/>
-          </a:effectRef>
-          <a:fontRef idx="minor">
-            <a:schemeClr val="dk1"/>
-          </a:fontRef>
-        </p:style>
-        <p:txBody>
-          <a:bodyPr vert="horz" wrap="square" lIns="90000" tIns="46800" rIns="90000" bIns="46800" numCol="1" rtlCol="0" anchor="ctr" anchorCtr="0" compatLnSpc="1">
-            <a:prstTxWarp prst="textNoShape">
+        </p:grpSpPr>
+        <p:sp>
+          <p:nvSpPr>
+            <p:cNvPr id="65" name="正方形/長方形 64"/>
+            <p:cNvSpPr/>
+            <p:nvPr/>
+          </p:nvSpPr>
+          <p:spPr bwMode="auto">
+            <a:xfrm>
+              <a:off x="2794001" y="-36633"/>
+              <a:ext cx="3737429" cy="5636482"/>
+            </a:xfrm>
+            <a:prstGeom prst="rect">
               <a:avLst/>
-            </a:prstTxWarp>
-            <a:noAutofit/>
-          </a:bodyPr>
-          <a:lstStyle/>
-          <a:p>
-            <a:pPr algn="ctr" defTabSz="914342" fontAlgn="base">
-              <a:lnSpc>
-                <a:spcPct val="90000"/>
-              </a:lnSpc>
-              <a:spcBef>
-                <a:spcPct val="20000"/>
-              </a:spcBef>
-              <a:spcAft>
-                <a:spcPct val="0"/>
-              </a:spcAft>
-            </a:pPr>
-            <a:r>
-              <a:rPr lang="en-US" altLang="ja-JP" sz="3200" dirty="0" err="1" smtClean="0">
+            </a:prstGeom>
+            <a:ln>
+              <a:headEnd type="none" w="med" len="med"/>
+              <a:tailEnd type="triangle" w="med" len="med"/>
+            </a:ln>
+            <a:extLst/>
+          </p:spPr>
+          <p:style>
+            <a:lnRef idx="2">
+              <a:schemeClr val="dk1"/>
+            </a:lnRef>
+            <a:fillRef idx="1">
+              <a:schemeClr val="lt1"/>
+            </a:fillRef>
+            <a:effectRef idx="0">
+              <a:schemeClr val="dk1"/>
+            </a:effectRef>
+            <a:fontRef idx="minor">
+              <a:schemeClr val="dk1"/>
+            </a:fontRef>
+          </p:style>
+          <p:txBody>
+            <a:bodyPr vert="horz" wrap="square" lIns="90000" tIns="46800" rIns="90000" bIns="46800" numCol="1" rtlCol="0" anchor="ctr" anchorCtr="0" compatLnSpc="1">
+              <a:prstTxWarp prst="textNoShape">
+                <a:avLst/>
+              </a:prstTxWarp>
+              <a:noAutofit/>
+            </a:bodyPr>
+            <a:lstStyle/>
+            <a:p>
+              <a:pPr algn="ctr" defTabSz="914342" fontAlgn="base">
+                <a:lnSpc>
+                  <a:spcPct val="90000"/>
+                </a:lnSpc>
+                <a:spcBef>
+                  <a:spcPct val="20000"/>
+                </a:spcBef>
+                <a:spcAft>
+                  <a:spcPct val="0"/>
+                </a:spcAft>
+              </a:pPr>
+              <a:r>
+                <a:rPr lang="en-US" altLang="ja-JP" sz="3200" dirty="0" err="1">
+                  <a:solidFill>
+                    <a:schemeClr val="tx1"/>
+                  </a:solidFill>
+                  <a:latin typeface="メイリオ" panose="020B0604030504040204" pitchFamily="50" charset="-128"/>
+                  <a:ea typeface="メイリオ" panose="020B0604030504040204" pitchFamily="50" charset="-128"/>
+                  <a:cs typeface="メイリオ" pitchFamily="50" charset="-128"/>
+                </a:rPr>
+                <a:t>tMemoryAllocator</a:t>
+              </a:r>
+              <a:endParaRPr lang="en-US" altLang="ja-JP" sz="3200" dirty="0">
                 <a:solidFill>
                   <a:schemeClr val="tx1"/>
                 </a:solidFill>
                 <a:latin typeface="メイリオ" panose="020B0604030504040204" pitchFamily="50" charset="-128"/>
                 <a:ea typeface="メイリオ" panose="020B0604030504040204" pitchFamily="50" charset="-128"/>
                 <a:cs typeface="メイリオ" pitchFamily="50" charset="-128"/>
-              </a:rPr>
-              <a:t>tMemoryAllocator</a:t>
-            </a:r>
-            <a:endParaRPr lang="en-US" altLang="ja-JP" sz="3200" dirty="0" smtClean="0">
-              <a:solidFill>
-                <a:schemeClr val="tx1"/>
-              </a:solidFill>
-              <a:latin typeface="メイリオ" panose="020B0604030504040204" pitchFamily="50" charset="-128"/>
-              <a:ea typeface="メイリオ" panose="020B0604030504040204" pitchFamily="50" charset="-128"/>
-              <a:cs typeface="メイリオ" pitchFamily="50" charset="-128"/>
-            </a:endParaRPr>
-          </a:p>
-        </p:txBody>
-      </p:sp>
-      <p:sp>
-        <p:nvSpPr>
-          <p:cNvPr id="66" name="正方形/長方形 65"/>
-          <p:cNvSpPr/>
-          <p:nvPr/>
-        </p:nvSpPr>
-        <p:spPr bwMode="auto">
-          <a:xfrm>
-            <a:off x="7977414" y="2677468"/>
-            <a:ext cx="3719286" cy="1702117"/>
-          </a:xfrm>
-          <a:prstGeom prst="rect">
-            <a:avLst/>
-          </a:prstGeom>
-          <a:ln>
-            <a:headEnd type="none" w="med" len="med"/>
-            <a:tailEnd type="triangle" w="med" len="med"/>
-          </a:ln>
-          <a:extLst/>
-        </p:spPr>
-        <p:style>
-          <a:lnRef idx="2">
-            <a:schemeClr val="dk1"/>
-          </a:lnRef>
-          <a:fillRef idx="1">
-            <a:schemeClr val="lt1"/>
-          </a:fillRef>
-          <a:effectRef idx="0">
-            <a:schemeClr val="dk1"/>
-          </a:effectRef>
-          <a:fontRef idx="minor">
-            <a:schemeClr val="dk1"/>
-          </a:fontRef>
-        </p:style>
-        <p:txBody>
-          <a:bodyPr vert="horz" wrap="square" lIns="90000" tIns="46800" rIns="90000" bIns="46800" numCol="1" rtlCol="0" anchor="ctr" anchorCtr="0" compatLnSpc="1">
-            <a:prstTxWarp prst="textNoShape">
+              </a:endParaRPr>
+            </a:p>
+          </p:txBody>
+        </p:sp>
+        <p:sp>
+          <p:nvSpPr>
+            <p:cNvPr id="66" name="正方形/長方形 65"/>
+            <p:cNvSpPr/>
+            <p:nvPr/>
+          </p:nvSpPr>
+          <p:spPr bwMode="auto">
+            <a:xfrm>
+              <a:off x="7977414" y="1930550"/>
+              <a:ext cx="3719286" cy="1702117"/>
+            </a:xfrm>
+            <a:prstGeom prst="rect">
               <a:avLst/>
-            </a:prstTxWarp>
-            <a:noAutofit/>
-          </a:bodyPr>
-          <a:lstStyle/>
-          <a:p>
-            <a:pPr algn="ctr" defTabSz="914342" fontAlgn="base">
-              <a:lnSpc>
-                <a:spcPct val="90000"/>
-              </a:lnSpc>
-              <a:spcBef>
-                <a:spcPct val="20000"/>
-              </a:spcBef>
-              <a:spcAft>
-                <a:spcPct val="0"/>
-              </a:spcAft>
-            </a:pPr>
-            <a:r>
-              <a:rPr lang="en-US" altLang="ja-JP" sz="2400" dirty="0" smtClean="0">
+            </a:prstGeom>
+            <a:ln>
+              <a:headEnd type="none" w="med" len="med"/>
+              <a:tailEnd type="triangle" w="med" len="med"/>
+            </a:ln>
+            <a:extLst/>
+          </p:spPr>
+          <p:style>
+            <a:lnRef idx="2">
+              <a:schemeClr val="dk1"/>
+            </a:lnRef>
+            <a:fillRef idx="1">
+              <a:schemeClr val="lt1"/>
+            </a:fillRef>
+            <a:effectRef idx="0">
+              <a:schemeClr val="dk1"/>
+            </a:effectRef>
+            <a:fontRef idx="minor">
+              <a:schemeClr val="dk1"/>
+            </a:fontRef>
+          </p:style>
+          <p:txBody>
+            <a:bodyPr vert="horz" wrap="square" lIns="90000" tIns="46800" rIns="90000" bIns="46800" numCol="1" rtlCol="0" anchor="ctr" anchorCtr="0" compatLnSpc="1">
+              <a:prstTxWarp prst="textNoShape">
+                <a:avLst/>
+              </a:prstTxWarp>
+              <a:noAutofit/>
+            </a:bodyPr>
+            <a:lstStyle/>
+            <a:p>
+              <a:pPr algn="ctr" defTabSz="914342" fontAlgn="base">
+                <a:lnSpc>
+                  <a:spcPct val="90000"/>
+                </a:lnSpc>
+                <a:spcBef>
+                  <a:spcPct val="20000"/>
+                </a:spcBef>
+                <a:spcAft>
+                  <a:spcPct val="0"/>
+                </a:spcAft>
+              </a:pPr>
+              <a:r>
+                <a:rPr lang="en-US" altLang="ja-JP" sz="2400" dirty="0">
+                  <a:solidFill>
+                    <a:schemeClr val="tx1"/>
+                  </a:solidFill>
+                  <a:latin typeface="メイリオ" panose="020B0604030504040204" pitchFamily="50" charset="-128"/>
+                  <a:ea typeface="メイリオ" panose="020B0604030504040204" pitchFamily="50" charset="-128"/>
+                  <a:cs typeface="メイリオ" pitchFamily="50" charset="-128"/>
+                </a:rPr>
+                <a:t>  </a:t>
+              </a:r>
+              <a:r>
+                <a:rPr lang="en-US" altLang="ja-JP" sz="2400" dirty="0" err="1">
+                  <a:solidFill>
+                    <a:schemeClr val="tx1"/>
+                  </a:solidFill>
+                  <a:latin typeface="メイリオ" panose="020B0604030504040204" pitchFamily="50" charset="-128"/>
+                  <a:ea typeface="メイリオ" panose="020B0604030504040204" pitchFamily="50" charset="-128"/>
+                  <a:cs typeface="メイリオ" pitchFamily="50" charset="-128"/>
+                </a:rPr>
+                <a:t>tFixedSizeMemoryPool</a:t>
+              </a:r>
+              <a:endParaRPr lang="en-US" altLang="ja-JP" sz="2400" dirty="0">
                 <a:solidFill>
                   <a:schemeClr val="tx1"/>
                 </a:solidFill>
                 <a:latin typeface="メイリオ" panose="020B0604030504040204" pitchFamily="50" charset="-128"/>
                 <a:ea typeface="メイリオ" panose="020B0604030504040204" pitchFamily="50" charset="-128"/>
                 <a:cs typeface="メイリオ" pitchFamily="50" charset="-128"/>
-              </a:rPr>
-              <a:t>  </a:t>
-            </a:r>
-            <a:r>
-              <a:rPr lang="en-US" altLang="ja-JP" sz="2400" dirty="0" err="1" smtClean="0">
+              </a:endParaRPr>
+            </a:p>
+            <a:p>
+              <a:pPr algn="ctr" defTabSz="914342" fontAlgn="base">
+                <a:lnSpc>
+                  <a:spcPct val="90000"/>
+                </a:lnSpc>
+                <a:spcBef>
+                  <a:spcPct val="20000"/>
+                </a:spcBef>
+                <a:spcAft>
+                  <a:spcPct val="0"/>
+                </a:spcAft>
+              </a:pPr>
+              <a:r>
+                <a:rPr lang="en-US" altLang="ja-JP" sz="2400" dirty="0">
+                  <a:solidFill>
+                    <a:schemeClr val="tx1"/>
+                  </a:solidFill>
+                  <a:latin typeface="メイリオ" panose="020B0604030504040204" pitchFamily="50" charset="-128"/>
+                  <a:ea typeface="メイリオ" panose="020B0604030504040204" pitchFamily="50" charset="-128"/>
+                  <a:cs typeface="メイリオ" pitchFamily="50" charset="-128"/>
+                </a:rPr>
+                <a:t>MemoryPool_002</a:t>
+              </a:r>
+            </a:p>
+          </p:txBody>
+        </p:sp>
+        <p:sp>
+          <p:nvSpPr>
+            <p:cNvPr id="67" name="二等辺三角形 66"/>
+            <p:cNvSpPr/>
+            <p:nvPr/>
+          </p:nvSpPr>
+          <p:spPr bwMode="auto">
+            <a:xfrm rot="5400000" flipH="1">
+              <a:off x="7866319" y="2617917"/>
+              <a:ext cx="530128" cy="307940"/>
+            </a:xfrm>
+            <a:prstGeom prst="triangle">
+              <a:avLst/>
+            </a:prstGeom>
+            <a:solidFill>
+              <a:schemeClr val="tx1"/>
+            </a:solidFill>
+            <a:ln w="9525" cap="flat" cmpd="sng" algn="ctr">
+              <a:solidFill>
+                <a:schemeClr val="tx1"/>
+              </a:solidFill>
+              <a:prstDash val="solid"/>
+              <a:round/>
+              <a:headEnd type="none" w="med" len="med"/>
+              <a:tailEnd type="triangle" w="med" len="med"/>
+            </a:ln>
+            <a:effectLst/>
+            <a:extLst/>
+          </p:spPr>
+          <p:txBody>
+            <a:bodyPr vert="horz" wrap="square" lIns="90000" tIns="46800" rIns="90000" bIns="46800" numCol="1" rtlCol="0" anchor="t" anchorCtr="0" compatLnSpc="1">
+              <a:prstTxWarp prst="textNoShape">
+                <a:avLst/>
+              </a:prstTxWarp>
+              <a:spAutoFit/>
+            </a:bodyPr>
+            <a:lstStyle/>
+            <a:p>
+              <a:pPr defTabSz="914342" fontAlgn="base">
+                <a:lnSpc>
+                  <a:spcPct val="90000"/>
+                </a:lnSpc>
+                <a:spcBef>
+                  <a:spcPct val="20000"/>
+                </a:spcBef>
+                <a:spcAft>
+                  <a:spcPct val="0"/>
+                </a:spcAft>
+              </a:pPr>
+              <a:endParaRPr lang="ja-JP" altLang="en-US">
+                <a:latin typeface="Times New Roman" pitchFamily="18" charset="0"/>
+                <a:ea typeface="メイリオ" pitchFamily="50" charset="-128"/>
+                <a:cs typeface="メイリオ" pitchFamily="50" charset="-128"/>
+              </a:endParaRPr>
+            </a:p>
+          </p:txBody>
+        </p:sp>
+        <p:cxnSp>
+          <p:nvCxnSpPr>
+            <p:cNvPr id="68" name="直線コネクタ 67"/>
+            <p:cNvCxnSpPr>
+              <a:stCxn id="65" idx="3"/>
+              <a:endCxn id="66" idx="1"/>
+            </p:cNvCxnSpPr>
+            <p:nvPr/>
+          </p:nvCxnSpPr>
+          <p:spPr bwMode="auto">
+            <a:xfrm>
+              <a:off x="6531430" y="2781608"/>
+              <a:ext cx="1445984" cy="1"/>
+            </a:xfrm>
+            <a:prstGeom prst="line">
+              <a:avLst/>
+            </a:prstGeom>
+            <a:solidFill>
+              <a:schemeClr val="accent1"/>
+            </a:solidFill>
+            <a:ln w="9525" cap="flat" cmpd="sng" algn="ctr">
+              <a:solidFill>
+                <a:schemeClr val="tx1"/>
+              </a:solidFill>
+              <a:prstDash val="solid"/>
+              <a:round/>
+              <a:headEnd type="none" w="med" len="med"/>
+              <a:tailEnd type="none" w="med" len="med"/>
+            </a:ln>
+            <a:effectLst/>
+            <a:extLst>
+              <a:ext uri="{AF507438-7753-43E0-B8FC-AC1667EBCBE1}">
+                <a14:hiddenEffects xmlns:a14="http://schemas.microsoft.com/office/drawing/2010/main">
+                  <a:effectLst>
+                    <a:outerShdw dist="35921" dir="2700000" algn="ctr" rotWithShape="0">
+                      <a:schemeClr val="bg2"/>
+                    </a:outerShdw>
+                  </a:effectLst>
+                </a14:hiddenEffects>
+              </a:ext>
+            </a:extLst>
+          </p:spPr>
+        </p:cxnSp>
+        <p:sp>
+          <p:nvSpPr>
+            <p:cNvPr id="52" name="正方形/長方形 51"/>
+            <p:cNvSpPr/>
+            <p:nvPr/>
+          </p:nvSpPr>
+          <p:spPr bwMode="auto">
+            <a:xfrm>
+              <a:off x="7977414" y="3897732"/>
+              <a:ext cx="3719286" cy="1702117"/>
+            </a:xfrm>
+            <a:prstGeom prst="rect">
+              <a:avLst/>
+            </a:prstGeom>
+            <a:ln>
+              <a:headEnd type="none" w="med" len="med"/>
+              <a:tailEnd type="triangle" w="med" len="med"/>
+            </a:ln>
+            <a:extLst/>
+          </p:spPr>
+          <p:style>
+            <a:lnRef idx="2">
+              <a:schemeClr val="dk1"/>
+            </a:lnRef>
+            <a:fillRef idx="1">
+              <a:schemeClr val="lt1"/>
+            </a:fillRef>
+            <a:effectRef idx="0">
+              <a:schemeClr val="dk1"/>
+            </a:effectRef>
+            <a:fontRef idx="minor">
+              <a:schemeClr val="dk1"/>
+            </a:fontRef>
+          </p:style>
+          <p:txBody>
+            <a:bodyPr vert="horz" wrap="square" lIns="90000" tIns="46800" rIns="90000" bIns="46800" numCol="1" rtlCol="0" anchor="ctr" anchorCtr="0" compatLnSpc="1">
+              <a:prstTxWarp prst="textNoShape">
+                <a:avLst/>
+              </a:prstTxWarp>
+              <a:noAutofit/>
+            </a:bodyPr>
+            <a:lstStyle/>
+            <a:p>
+              <a:pPr algn="ctr" defTabSz="914342" fontAlgn="base">
+                <a:lnSpc>
+                  <a:spcPct val="90000"/>
+                </a:lnSpc>
+                <a:spcBef>
+                  <a:spcPct val="20000"/>
+                </a:spcBef>
+                <a:spcAft>
+                  <a:spcPct val="0"/>
+                </a:spcAft>
+              </a:pPr>
+              <a:r>
+                <a:rPr lang="en-US" altLang="ja-JP" sz="2400" dirty="0">
+                  <a:solidFill>
+                    <a:schemeClr val="tx1"/>
+                  </a:solidFill>
+                  <a:latin typeface="メイリオ" panose="020B0604030504040204" pitchFamily="50" charset="-128"/>
+                  <a:ea typeface="メイリオ" panose="020B0604030504040204" pitchFamily="50" charset="-128"/>
+                  <a:cs typeface="メイリオ" pitchFamily="50" charset="-128"/>
+                </a:rPr>
+                <a:t>  </a:t>
+              </a:r>
+              <a:r>
+                <a:rPr lang="en-US" altLang="ja-JP" sz="2400" dirty="0" err="1">
+                  <a:solidFill>
+                    <a:schemeClr val="tx1"/>
+                  </a:solidFill>
+                  <a:latin typeface="メイリオ" panose="020B0604030504040204" pitchFamily="50" charset="-128"/>
+                  <a:ea typeface="メイリオ" panose="020B0604030504040204" pitchFamily="50" charset="-128"/>
+                  <a:cs typeface="メイリオ" pitchFamily="50" charset="-128"/>
+                </a:rPr>
+                <a:t>tFixedSizeMemoryPool</a:t>
+              </a:r>
+              <a:endParaRPr lang="en-US" altLang="ja-JP" sz="2400" dirty="0">
                 <a:solidFill>
                   <a:schemeClr val="tx1"/>
                 </a:solidFill>
                 <a:latin typeface="メイリオ" panose="020B0604030504040204" pitchFamily="50" charset="-128"/>
                 <a:ea typeface="メイリオ" panose="020B0604030504040204" pitchFamily="50" charset="-128"/>
                 <a:cs typeface="メイリオ" pitchFamily="50" charset="-128"/>
-              </a:rPr>
-              <a:t>tFixedSizeMemoryPool</a:t>
-            </a:r>
-            <a:endParaRPr lang="en-US" altLang="ja-JP" sz="2400" dirty="0" smtClean="0">
+              </a:endParaRPr>
+            </a:p>
+            <a:p>
+              <a:pPr algn="ctr" defTabSz="914342" fontAlgn="base">
+                <a:lnSpc>
+                  <a:spcPct val="90000"/>
+                </a:lnSpc>
+                <a:spcBef>
+                  <a:spcPct val="20000"/>
+                </a:spcBef>
+                <a:spcAft>
+                  <a:spcPct val="0"/>
+                </a:spcAft>
+              </a:pPr>
+              <a:r>
+                <a:rPr lang="en-US" altLang="ja-JP" sz="2400" dirty="0">
+                  <a:solidFill>
+                    <a:schemeClr val="tx1"/>
+                  </a:solidFill>
+                  <a:latin typeface="メイリオ" panose="020B0604030504040204" pitchFamily="50" charset="-128"/>
+                  <a:ea typeface="メイリオ" panose="020B0604030504040204" pitchFamily="50" charset="-128"/>
+                  <a:cs typeface="メイリオ" pitchFamily="50" charset="-128"/>
+                </a:rPr>
+                <a:t>MemoryPool_003</a:t>
+              </a:r>
+            </a:p>
+          </p:txBody>
+        </p:sp>
+        <p:sp>
+          <p:nvSpPr>
+            <p:cNvPr id="73" name="二等辺三角形 72"/>
+            <p:cNvSpPr/>
+            <p:nvPr/>
+          </p:nvSpPr>
+          <p:spPr bwMode="auto">
+            <a:xfrm rot="5400000" flipH="1">
+              <a:off x="7866318" y="4585099"/>
+              <a:ext cx="530128" cy="307940"/>
+            </a:xfrm>
+            <a:prstGeom prst="triangle">
+              <a:avLst/>
+            </a:prstGeom>
+            <a:solidFill>
+              <a:schemeClr val="tx1"/>
+            </a:solidFill>
+            <a:ln w="9525" cap="flat" cmpd="sng" algn="ctr">
               <a:solidFill>
                 <a:schemeClr val="tx1"/>
               </a:solidFill>
-              <a:latin typeface="メイリオ" panose="020B0604030504040204" pitchFamily="50" charset="-128"/>
-              <a:ea typeface="メイリオ" panose="020B0604030504040204" pitchFamily="50" charset="-128"/>
-              <a:cs typeface="メイリオ" pitchFamily="50" charset="-128"/>
-            </a:endParaRPr>
-          </a:p>
-          <a:p>
-            <a:pPr algn="ctr" defTabSz="914342" fontAlgn="base">
-              <a:lnSpc>
-                <a:spcPct val="90000"/>
-              </a:lnSpc>
-              <a:spcBef>
-                <a:spcPct val="20000"/>
-              </a:spcBef>
-              <a:spcAft>
-                <a:spcPct val="0"/>
-              </a:spcAft>
-            </a:pPr>
-            <a:r>
-              <a:rPr lang="en-US" altLang="ja-JP" sz="2400" dirty="0" smtClean="0">
+              <a:prstDash val="solid"/>
+              <a:round/>
+              <a:headEnd type="none" w="med" len="med"/>
+              <a:tailEnd type="triangle" w="med" len="med"/>
+            </a:ln>
+            <a:effectLst/>
+            <a:extLst/>
+          </p:spPr>
+          <p:txBody>
+            <a:bodyPr vert="horz" wrap="square" lIns="90000" tIns="46800" rIns="90000" bIns="46800" numCol="1" rtlCol="0" anchor="t" anchorCtr="0" compatLnSpc="1">
+              <a:prstTxWarp prst="textNoShape">
+                <a:avLst/>
+              </a:prstTxWarp>
+              <a:spAutoFit/>
+            </a:bodyPr>
+            <a:lstStyle/>
+            <a:p>
+              <a:pPr defTabSz="914342" fontAlgn="base">
+                <a:lnSpc>
+                  <a:spcPct val="90000"/>
+                </a:lnSpc>
+                <a:spcBef>
+                  <a:spcPct val="20000"/>
+                </a:spcBef>
+                <a:spcAft>
+                  <a:spcPct val="0"/>
+                </a:spcAft>
+              </a:pPr>
+              <a:endParaRPr lang="ja-JP" altLang="en-US">
+                <a:latin typeface="Times New Roman" pitchFamily="18" charset="0"/>
+                <a:ea typeface="メイリオ" pitchFamily="50" charset="-128"/>
+                <a:cs typeface="メイリオ" pitchFamily="50" charset="-128"/>
+              </a:endParaRPr>
+            </a:p>
+          </p:txBody>
+        </p:sp>
+        <p:cxnSp>
+          <p:nvCxnSpPr>
+            <p:cNvPr id="74" name="直線コネクタ 73"/>
+            <p:cNvCxnSpPr>
+              <a:endCxn id="52" idx="1"/>
+            </p:cNvCxnSpPr>
+            <p:nvPr/>
+          </p:nvCxnSpPr>
+          <p:spPr bwMode="auto">
+            <a:xfrm>
+              <a:off x="6531430" y="4739068"/>
+              <a:ext cx="1445985" cy="9722"/>
+            </a:xfrm>
+            <a:prstGeom prst="line">
+              <a:avLst/>
+            </a:prstGeom>
+            <a:solidFill>
+              <a:schemeClr val="accent1"/>
+            </a:solidFill>
+            <a:ln w="9525" cap="flat" cmpd="sng" algn="ctr">
+              <a:solidFill>
+                <a:schemeClr val="tx1"/>
+              </a:solidFill>
+              <a:prstDash val="solid"/>
+              <a:round/>
+              <a:headEnd type="none" w="med" len="med"/>
+              <a:tailEnd type="none" w="med" len="med"/>
+            </a:ln>
+            <a:effectLst/>
+            <a:extLst>
+              <a:ext uri="{AF507438-7753-43E0-B8FC-AC1667EBCBE1}">
+                <a14:hiddenEffects xmlns:a14="http://schemas.microsoft.com/office/drawing/2010/main">
+                  <a:effectLst>
+                    <a:outerShdw dist="35921" dir="2700000" algn="ctr" rotWithShape="0">
+                      <a:schemeClr val="bg2"/>
+                    </a:outerShdw>
+                  </a:effectLst>
+                </a14:hiddenEffects>
+              </a:ext>
+            </a:extLst>
+          </p:spPr>
+        </p:cxnSp>
+        <p:sp>
+          <p:nvSpPr>
+            <p:cNvPr id="75" name="正方形/長方形 74"/>
+            <p:cNvSpPr/>
+            <p:nvPr/>
+          </p:nvSpPr>
+          <p:spPr bwMode="auto">
+            <a:xfrm>
+              <a:off x="7977414" y="-36633"/>
+              <a:ext cx="3719286" cy="1702117"/>
+            </a:xfrm>
+            <a:prstGeom prst="rect">
+              <a:avLst/>
+            </a:prstGeom>
+            <a:ln>
+              <a:headEnd type="none" w="med" len="med"/>
+              <a:tailEnd type="triangle" w="med" len="med"/>
+            </a:ln>
+            <a:extLst/>
+          </p:spPr>
+          <p:style>
+            <a:lnRef idx="2">
+              <a:schemeClr val="dk1"/>
+            </a:lnRef>
+            <a:fillRef idx="1">
+              <a:schemeClr val="lt1"/>
+            </a:fillRef>
+            <a:effectRef idx="0">
+              <a:schemeClr val="dk1"/>
+            </a:effectRef>
+            <a:fontRef idx="minor">
+              <a:schemeClr val="dk1"/>
+            </a:fontRef>
+          </p:style>
+          <p:txBody>
+            <a:bodyPr vert="horz" wrap="square" lIns="90000" tIns="46800" rIns="90000" bIns="46800" numCol="1" rtlCol="0" anchor="ctr" anchorCtr="0" compatLnSpc="1">
+              <a:prstTxWarp prst="textNoShape">
+                <a:avLst/>
+              </a:prstTxWarp>
+              <a:noAutofit/>
+            </a:bodyPr>
+            <a:lstStyle/>
+            <a:p>
+              <a:pPr algn="ctr" defTabSz="914342" fontAlgn="base">
+                <a:lnSpc>
+                  <a:spcPct val="90000"/>
+                </a:lnSpc>
+                <a:spcBef>
+                  <a:spcPct val="20000"/>
+                </a:spcBef>
+                <a:spcAft>
+                  <a:spcPct val="0"/>
+                </a:spcAft>
+              </a:pPr>
+              <a:r>
+                <a:rPr lang="en-US" altLang="ja-JP" sz="2400" dirty="0">
+                  <a:solidFill>
+                    <a:schemeClr val="tx1"/>
+                  </a:solidFill>
+                  <a:latin typeface="メイリオ" panose="020B0604030504040204" pitchFamily="50" charset="-128"/>
+                  <a:ea typeface="メイリオ" panose="020B0604030504040204" pitchFamily="50" charset="-128"/>
+                  <a:cs typeface="メイリオ" pitchFamily="50" charset="-128"/>
+                </a:rPr>
+                <a:t>  </a:t>
+              </a:r>
+              <a:r>
+                <a:rPr lang="en-US" altLang="ja-JP" sz="2400" dirty="0" err="1">
+                  <a:solidFill>
+                    <a:schemeClr val="tx1"/>
+                  </a:solidFill>
+                  <a:latin typeface="メイリオ" panose="020B0604030504040204" pitchFamily="50" charset="-128"/>
+                  <a:ea typeface="メイリオ" panose="020B0604030504040204" pitchFamily="50" charset="-128"/>
+                  <a:cs typeface="メイリオ" pitchFamily="50" charset="-128"/>
+                </a:rPr>
+                <a:t>tFixedSizeMemoryPool</a:t>
+              </a:r>
+              <a:endParaRPr lang="en-US" altLang="ja-JP" sz="2400" dirty="0">
                 <a:solidFill>
                   <a:schemeClr val="tx1"/>
                 </a:solidFill>
                 <a:latin typeface="メイリオ" panose="020B0604030504040204" pitchFamily="50" charset="-128"/>
                 <a:ea typeface="メイリオ" panose="020B0604030504040204" pitchFamily="50" charset="-128"/>
                 <a:cs typeface="メイリオ" pitchFamily="50" charset="-128"/>
-              </a:rPr>
-              <a:t>MemoryPool_002</a:t>
-            </a:r>
-            <a:endParaRPr lang="en-US" altLang="ja-JP" sz="2400" dirty="0">
+              </a:endParaRPr>
+            </a:p>
+            <a:p>
+              <a:pPr algn="ctr" defTabSz="914342" fontAlgn="base">
+                <a:lnSpc>
+                  <a:spcPct val="90000"/>
+                </a:lnSpc>
+                <a:spcBef>
+                  <a:spcPct val="20000"/>
+                </a:spcBef>
+                <a:spcAft>
+                  <a:spcPct val="0"/>
+                </a:spcAft>
+              </a:pPr>
+              <a:r>
+                <a:rPr lang="en-US" altLang="ja-JP" sz="2400" dirty="0">
+                  <a:solidFill>
+                    <a:schemeClr val="tx1"/>
+                  </a:solidFill>
+                  <a:latin typeface="メイリオ" panose="020B0604030504040204" pitchFamily="50" charset="-128"/>
+                  <a:ea typeface="メイリオ" panose="020B0604030504040204" pitchFamily="50" charset="-128"/>
+                  <a:cs typeface="メイリオ" pitchFamily="50" charset="-128"/>
+                </a:rPr>
+                <a:t>MemoryPool_001</a:t>
+              </a:r>
+            </a:p>
+          </p:txBody>
+        </p:sp>
+        <p:sp>
+          <p:nvSpPr>
+            <p:cNvPr id="76" name="二等辺三角形 75"/>
+            <p:cNvSpPr/>
+            <p:nvPr/>
+          </p:nvSpPr>
+          <p:spPr bwMode="auto">
+            <a:xfrm rot="5400000" flipH="1">
+              <a:off x="7866320" y="650734"/>
+              <a:ext cx="530128" cy="307940"/>
+            </a:xfrm>
+            <a:prstGeom prst="triangle">
+              <a:avLst/>
+            </a:prstGeom>
+            <a:solidFill>
+              <a:schemeClr val="tx1"/>
+            </a:solidFill>
+            <a:ln w="9525" cap="flat" cmpd="sng" algn="ctr">
               <a:solidFill>
                 <a:schemeClr val="tx1"/>
               </a:solidFill>
-              <a:latin typeface="メイリオ" panose="020B0604030504040204" pitchFamily="50" charset="-128"/>
-              <a:ea typeface="メイリオ" panose="020B0604030504040204" pitchFamily="50" charset="-128"/>
-              <a:cs typeface="メイリオ" pitchFamily="50" charset="-128"/>
-            </a:endParaRPr>
-          </a:p>
-        </p:txBody>
-      </p:sp>
-      <p:sp>
-        <p:nvSpPr>
-          <p:cNvPr id="67" name="二等辺三角形 66"/>
-          <p:cNvSpPr/>
-          <p:nvPr/>
-        </p:nvSpPr>
-        <p:spPr bwMode="auto">
-          <a:xfrm rot="5400000" flipH="1">
-            <a:off x="7840220" y="3390934"/>
-            <a:ext cx="530128" cy="255740"/>
-          </a:xfrm>
-          <a:prstGeom prst="triangle">
-            <a:avLst/>
-          </a:prstGeom>
-          <a:solidFill>
-            <a:schemeClr val="tx1"/>
-          </a:solidFill>
-          <a:ln w="9525" cap="flat" cmpd="sng" algn="ctr">
+              <a:prstDash val="solid"/>
+              <a:round/>
+              <a:headEnd type="none" w="med" len="med"/>
+              <a:tailEnd type="triangle" w="med" len="med"/>
+            </a:ln>
+            <a:effectLst/>
+            <a:extLst/>
+          </p:spPr>
+          <p:txBody>
+            <a:bodyPr vert="horz" wrap="square" lIns="90000" tIns="46800" rIns="90000" bIns="46800" numCol="1" rtlCol="0" anchor="t" anchorCtr="0" compatLnSpc="1">
+              <a:prstTxWarp prst="textNoShape">
+                <a:avLst/>
+              </a:prstTxWarp>
+              <a:spAutoFit/>
+            </a:bodyPr>
+            <a:lstStyle/>
+            <a:p>
+              <a:pPr defTabSz="914342" fontAlgn="base">
+                <a:lnSpc>
+                  <a:spcPct val="90000"/>
+                </a:lnSpc>
+                <a:spcBef>
+                  <a:spcPct val="20000"/>
+                </a:spcBef>
+                <a:spcAft>
+                  <a:spcPct val="0"/>
+                </a:spcAft>
+              </a:pPr>
+              <a:endParaRPr lang="ja-JP" altLang="en-US">
+                <a:latin typeface="Times New Roman" pitchFamily="18" charset="0"/>
+                <a:ea typeface="メイリオ" pitchFamily="50" charset="-128"/>
+                <a:cs typeface="メイリオ" pitchFamily="50" charset="-128"/>
+              </a:endParaRPr>
+            </a:p>
+          </p:txBody>
+        </p:sp>
+        <p:cxnSp>
+          <p:nvCxnSpPr>
+            <p:cNvPr id="77" name="直線コネクタ 76"/>
+            <p:cNvCxnSpPr>
+              <a:endCxn id="75" idx="1"/>
+            </p:cNvCxnSpPr>
+            <p:nvPr/>
+          </p:nvCxnSpPr>
+          <p:spPr bwMode="auto">
+            <a:xfrm>
+              <a:off x="6531430" y="804704"/>
+              <a:ext cx="1445985" cy="9722"/>
+            </a:xfrm>
+            <a:prstGeom prst="line">
+              <a:avLst/>
+            </a:prstGeom>
+            <a:solidFill>
+              <a:schemeClr val="accent1"/>
+            </a:solidFill>
+            <a:ln w="9525" cap="flat" cmpd="sng" algn="ctr">
+              <a:solidFill>
+                <a:schemeClr val="tx1"/>
+              </a:solidFill>
+              <a:prstDash val="solid"/>
+              <a:round/>
+              <a:headEnd type="none" w="med" len="med"/>
+              <a:tailEnd type="none" w="med" len="med"/>
+            </a:ln>
+            <a:effectLst/>
+            <a:extLst>
+              <a:ext uri="{AF507438-7753-43E0-B8FC-AC1667EBCBE1}">
+                <a14:hiddenEffects xmlns:a14="http://schemas.microsoft.com/office/drawing/2010/main">
+                  <a:effectLst>
+                    <a:outerShdw dist="35921" dir="2700000" algn="ctr" rotWithShape="0">
+                      <a:schemeClr val="bg2"/>
+                    </a:outerShdw>
+                  </a:effectLst>
+                </a14:hiddenEffects>
+              </a:ext>
+            </a:extLst>
+          </p:spPr>
+        </p:cxnSp>
+        <p:sp>
+          <p:nvSpPr>
+            <p:cNvPr id="78" name="正方形/長方形 77"/>
+            <p:cNvSpPr/>
+            <p:nvPr/>
+          </p:nvSpPr>
+          <p:spPr bwMode="auto">
+            <a:xfrm>
+              <a:off x="202293" y="66215"/>
+              <a:ext cx="2018392" cy="4090865"/>
+            </a:xfrm>
+            <a:prstGeom prst="rect">
+              <a:avLst/>
+            </a:prstGeom>
+            <a:ln>
+              <a:headEnd type="none" w="med" len="med"/>
+              <a:tailEnd type="triangle" w="med" len="med"/>
+            </a:ln>
+            <a:extLst/>
+          </p:spPr>
+          <p:style>
+            <a:lnRef idx="2">
+              <a:schemeClr val="dk1"/>
+            </a:lnRef>
+            <a:fillRef idx="1">
+              <a:schemeClr val="lt1"/>
+            </a:fillRef>
+            <a:effectRef idx="0">
+              <a:schemeClr val="dk1"/>
+            </a:effectRef>
+            <a:fontRef idx="minor">
+              <a:schemeClr val="dk1"/>
+            </a:fontRef>
+          </p:style>
+          <p:txBody>
+            <a:bodyPr vert="vert270" wrap="square" lIns="90000" tIns="46800" rIns="90000" bIns="46800" numCol="1" rtlCol="0" anchor="ctr" anchorCtr="0" compatLnSpc="1">
+              <a:prstTxWarp prst="textNoShape">
+                <a:avLst/>
+              </a:prstTxWarp>
+              <a:noAutofit/>
+            </a:bodyPr>
+            <a:lstStyle/>
+            <a:p>
+              <a:pPr algn="ctr" defTabSz="914342" fontAlgn="base">
+                <a:lnSpc>
+                  <a:spcPct val="90000"/>
+                </a:lnSpc>
+                <a:spcBef>
+                  <a:spcPct val="20000"/>
+                </a:spcBef>
+                <a:spcAft>
+                  <a:spcPct val="0"/>
+                </a:spcAft>
+              </a:pPr>
+              <a:r>
+                <a:rPr lang="en-US" altLang="ja-JP" sz="2400" dirty="0">
+                  <a:solidFill>
+                    <a:schemeClr val="tx1"/>
+                  </a:solidFill>
+                  <a:latin typeface="メイリオ" panose="020B0604030504040204" pitchFamily="50" charset="-128"/>
+                  <a:ea typeface="メイリオ" panose="020B0604030504040204" pitchFamily="50" charset="-128"/>
+                  <a:cs typeface="メイリオ" pitchFamily="50" charset="-128"/>
+                </a:rPr>
+                <a:t>Components</a:t>
+              </a:r>
+            </a:p>
+            <a:p>
+              <a:pPr algn="ctr" defTabSz="914342" fontAlgn="base">
+                <a:lnSpc>
+                  <a:spcPct val="90000"/>
+                </a:lnSpc>
+                <a:spcBef>
+                  <a:spcPct val="20000"/>
+                </a:spcBef>
+                <a:spcAft>
+                  <a:spcPct val="0"/>
+                </a:spcAft>
+              </a:pPr>
+              <a:r>
+                <a:rPr lang="en-US" altLang="ja-JP" sz="2400" dirty="0">
+                  <a:solidFill>
+                    <a:schemeClr val="tx1"/>
+                  </a:solidFill>
+                  <a:latin typeface="メイリオ" panose="020B0604030504040204" pitchFamily="50" charset="-128"/>
+                  <a:ea typeface="メイリオ" panose="020B0604030504040204" pitchFamily="50" charset="-128"/>
+                  <a:cs typeface="メイリオ" pitchFamily="50" charset="-128"/>
+                </a:rPr>
+                <a:t>(which need allocate and deallocate memory)</a:t>
+              </a:r>
+            </a:p>
+          </p:txBody>
+        </p:sp>
+        <p:cxnSp>
+          <p:nvCxnSpPr>
+            <p:cNvPr id="81" name="直線コネクタ 80"/>
+            <p:cNvCxnSpPr/>
+            <p:nvPr/>
+          </p:nvCxnSpPr>
+          <p:spPr bwMode="auto">
+            <a:xfrm>
+              <a:off x="2220686" y="427332"/>
+              <a:ext cx="573315" cy="1"/>
+            </a:xfrm>
+            <a:prstGeom prst="line">
+              <a:avLst/>
+            </a:prstGeom>
+            <a:solidFill>
+              <a:schemeClr val="accent1"/>
+            </a:solidFill>
+            <a:ln w="9525" cap="flat" cmpd="sng" algn="ctr">
+              <a:solidFill>
+                <a:schemeClr val="tx1"/>
+              </a:solidFill>
+              <a:prstDash val="solid"/>
+              <a:round/>
+              <a:headEnd type="none" w="med" len="med"/>
+              <a:tailEnd type="none" w="med" len="med"/>
+            </a:ln>
+            <a:effectLst/>
+            <a:extLst>
+              <a:ext uri="{AF507438-7753-43E0-B8FC-AC1667EBCBE1}">
+                <a14:hiddenEffects xmlns:a14="http://schemas.microsoft.com/office/drawing/2010/main">
+                  <a:effectLst>
+                    <a:outerShdw dist="35921" dir="2700000" algn="ctr" rotWithShape="0">
+                      <a:schemeClr val="bg2"/>
+                    </a:outerShdw>
+                  </a:effectLst>
+                </a14:hiddenEffects>
+              </a:ext>
+            </a:extLst>
+          </p:spPr>
+        </p:cxnSp>
+        <p:sp>
+          <p:nvSpPr>
+            <p:cNvPr id="82" name="二等辺三角形 81"/>
+            <p:cNvSpPr/>
+            <p:nvPr/>
+          </p:nvSpPr>
+          <p:spPr bwMode="auto">
+            <a:xfrm rot="5400000" flipH="1">
+              <a:off x="2699738" y="269796"/>
+              <a:ext cx="530128" cy="315073"/>
+            </a:xfrm>
+            <a:prstGeom prst="triangle">
+              <a:avLst/>
+            </a:prstGeom>
             <a:solidFill>
               <a:schemeClr val="tx1"/>
             </a:solidFill>
-            <a:prstDash val="solid"/>
-            <a:round/>
-            <a:headEnd type="none" w="med" len="med"/>
-            <a:tailEnd type="triangle" w="med" len="med"/>
-          </a:ln>
-          <a:effectLst/>
-          <a:extLst/>
-        </p:spPr>
-        <p:txBody>
-          <a:bodyPr vert="horz" wrap="square" lIns="90000" tIns="46800" rIns="90000" bIns="46800" numCol="1" rtlCol="0" anchor="t" anchorCtr="0" compatLnSpc="1">
-            <a:prstTxWarp prst="textNoShape">
+            <a:ln w="9525" cap="flat" cmpd="sng" algn="ctr">
+              <a:solidFill>
+                <a:schemeClr val="tx1"/>
+              </a:solidFill>
+              <a:prstDash val="solid"/>
+              <a:round/>
+              <a:headEnd type="none" w="med" len="med"/>
+              <a:tailEnd type="triangle" w="med" len="med"/>
+            </a:ln>
+            <a:effectLst/>
+            <a:extLst/>
+          </p:spPr>
+          <p:txBody>
+            <a:bodyPr vert="horz" wrap="square" lIns="90000" tIns="46800" rIns="90000" bIns="46800" numCol="1" rtlCol="0" anchor="t" anchorCtr="0" compatLnSpc="1">
+              <a:prstTxWarp prst="textNoShape">
+                <a:avLst/>
+              </a:prstTxWarp>
+              <a:spAutoFit/>
+            </a:bodyPr>
+            <a:lstStyle/>
+            <a:p>
+              <a:pPr defTabSz="914342" fontAlgn="base">
+                <a:lnSpc>
+                  <a:spcPct val="90000"/>
+                </a:lnSpc>
+                <a:spcBef>
+                  <a:spcPct val="20000"/>
+                </a:spcBef>
+                <a:spcAft>
+                  <a:spcPct val="0"/>
+                </a:spcAft>
+              </a:pPr>
+              <a:endParaRPr lang="ja-JP" altLang="en-US">
+                <a:latin typeface="Times New Roman" pitchFamily="18" charset="0"/>
+                <a:ea typeface="メイリオ" pitchFamily="50" charset="-128"/>
+                <a:cs typeface="メイリオ" pitchFamily="50" charset="-128"/>
+              </a:endParaRPr>
+            </a:p>
+          </p:txBody>
+        </p:sp>
+        <p:sp>
+          <p:nvSpPr>
+            <p:cNvPr id="83" name="正方形/長方形 82"/>
+            <p:cNvSpPr/>
+            <p:nvPr/>
+          </p:nvSpPr>
+          <p:spPr bwMode="auto">
+            <a:xfrm>
+              <a:off x="364330" y="227881"/>
+              <a:ext cx="2018392" cy="4090865"/>
+            </a:xfrm>
+            <a:prstGeom prst="rect">
               <a:avLst/>
-            </a:prstTxWarp>
-            <a:spAutoFit/>
-          </a:bodyPr>
-          <a:lstStyle/>
-          <a:p>
-            <a:pPr defTabSz="914342" fontAlgn="base">
-              <a:lnSpc>
-                <a:spcPct val="90000"/>
-              </a:lnSpc>
-              <a:spcBef>
-                <a:spcPct val="20000"/>
-              </a:spcBef>
-              <a:spcAft>
-                <a:spcPct val="0"/>
-              </a:spcAft>
-            </a:pPr>
-            <a:endParaRPr lang="ja-JP" altLang="en-US">
-              <a:latin typeface="Times New Roman" pitchFamily="18" charset="0"/>
-              <a:ea typeface="メイリオ" pitchFamily="50" charset="-128"/>
-              <a:cs typeface="メイリオ" pitchFamily="50" charset="-128"/>
-            </a:endParaRPr>
-          </a:p>
-        </p:txBody>
-      </p:sp>
-      <p:cxnSp>
-        <p:nvCxnSpPr>
-          <p:cNvPr id="68" name="直線コネクタ 67"/>
-          <p:cNvCxnSpPr>
-            <a:stCxn id="65" idx="3"/>
-            <a:endCxn id="66" idx="1"/>
-          </p:cNvCxnSpPr>
-          <p:nvPr/>
-        </p:nvCxnSpPr>
-        <p:spPr bwMode="auto">
-          <a:xfrm>
-            <a:off x="6531429" y="3517900"/>
-            <a:ext cx="1445985" cy="10627"/>
-          </a:xfrm>
-          <a:prstGeom prst="line">
-            <a:avLst/>
-          </a:prstGeom>
-          <a:solidFill>
-            <a:schemeClr val="accent1"/>
-          </a:solidFill>
-          <a:ln w="9525" cap="flat" cmpd="sng" algn="ctr">
+            </a:prstGeom>
+            <a:ln>
+              <a:headEnd type="none" w="med" len="med"/>
+              <a:tailEnd type="triangle" w="med" len="med"/>
+            </a:ln>
+            <a:extLst/>
+          </p:spPr>
+          <p:style>
+            <a:lnRef idx="2">
+              <a:schemeClr val="dk1"/>
+            </a:lnRef>
+            <a:fillRef idx="1">
+              <a:schemeClr val="lt1"/>
+            </a:fillRef>
+            <a:effectRef idx="0">
+              <a:schemeClr val="dk1"/>
+            </a:effectRef>
+            <a:fontRef idx="minor">
+              <a:schemeClr val="dk1"/>
+            </a:fontRef>
+          </p:style>
+          <p:txBody>
+            <a:bodyPr vert="vert270" wrap="square" lIns="90000" tIns="46800" rIns="90000" bIns="46800" numCol="1" rtlCol="0" anchor="ctr" anchorCtr="0" compatLnSpc="1">
+              <a:prstTxWarp prst="textNoShape">
+                <a:avLst/>
+              </a:prstTxWarp>
+              <a:noAutofit/>
+            </a:bodyPr>
+            <a:lstStyle/>
+            <a:p>
+              <a:pPr algn="ctr" defTabSz="914342" fontAlgn="base">
+                <a:lnSpc>
+                  <a:spcPct val="90000"/>
+                </a:lnSpc>
+                <a:spcBef>
+                  <a:spcPct val="20000"/>
+                </a:spcBef>
+                <a:spcAft>
+                  <a:spcPct val="0"/>
+                </a:spcAft>
+              </a:pPr>
+              <a:r>
+                <a:rPr lang="en-US" altLang="ja-JP" sz="2400" dirty="0">
+                  <a:solidFill>
+                    <a:schemeClr val="tx1"/>
+                  </a:solidFill>
+                  <a:latin typeface="メイリオ" panose="020B0604030504040204" pitchFamily="50" charset="-128"/>
+                  <a:ea typeface="メイリオ" panose="020B0604030504040204" pitchFamily="50" charset="-128"/>
+                  <a:cs typeface="メイリオ" pitchFamily="50" charset="-128"/>
+                </a:rPr>
+                <a:t>Components</a:t>
+              </a:r>
+            </a:p>
+            <a:p>
+              <a:pPr algn="ctr" defTabSz="914342" fontAlgn="base">
+                <a:lnSpc>
+                  <a:spcPct val="90000"/>
+                </a:lnSpc>
+                <a:spcBef>
+                  <a:spcPct val="20000"/>
+                </a:spcBef>
+                <a:spcAft>
+                  <a:spcPct val="0"/>
+                </a:spcAft>
+              </a:pPr>
+              <a:r>
+                <a:rPr lang="en-US" altLang="ja-JP" sz="2400" dirty="0">
+                  <a:solidFill>
+                    <a:schemeClr val="tx1"/>
+                  </a:solidFill>
+                  <a:latin typeface="メイリオ" panose="020B0604030504040204" pitchFamily="50" charset="-128"/>
+                  <a:ea typeface="メイリオ" panose="020B0604030504040204" pitchFamily="50" charset="-128"/>
+                  <a:cs typeface="メイリオ" pitchFamily="50" charset="-128"/>
+                </a:rPr>
+                <a:t>(which need allocate and deallocate memory)</a:t>
+              </a:r>
+            </a:p>
+          </p:txBody>
+        </p:sp>
+        <p:cxnSp>
+          <p:nvCxnSpPr>
+            <p:cNvPr id="84" name="直線コネクタ 83"/>
+            <p:cNvCxnSpPr/>
+            <p:nvPr/>
+          </p:nvCxnSpPr>
+          <p:spPr bwMode="auto">
+            <a:xfrm>
+              <a:off x="2400866" y="1278549"/>
+              <a:ext cx="393135" cy="0"/>
+            </a:xfrm>
+            <a:prstGeom prst="line">
+              <a:avLst/>
+            </a:prstGeom>
+            <a:solidFill>
+              <a:schemeClr val="accent1"/>
+            </a:solidFill>
+            <a:ln w="9525" cap="flat" cmpd="sng" algn="ctr">
+              <a:solidFill>
+                <a:schemeClr val="tx1"/>
+              </a:solidFill>
+              <a:prstDash val="solid"/>
+              <a:round/>
+              <a:headEnd type="none" w="med" len="med"/>
+              <a:tailEnd type="none" w="med" len="med"/>
+            </a:ln>
+            <a:effectLst/>
+            <a:extLst>
+              <a:ext uri="{AF507438-7753-43E0-B8FC-AC1667EBCBE1}">
+                <a14:hiddenEffects xmlns:a14="http://schemas.microsoft.com/office/drawing/2010/main">
+                  <a:effectLst>
+                    <a:outerShdw dist="35921" dir="2700000" algn="ctr" rotWithShape="0">
+                      <a:schemeClr val="bg2"/>
+                    </a:outerShdw>
+                  </a:effectLst>
+                </a14:hiddenEffects>
+              </a:ext>
+            </a:extLst>
+          </p:spPr>
+        </p:cxnSp>
+        <p:sp>
+          <p:nvSpPr>
+            <p:cNvPr id="85" name="二等辺三角形 84"/>
+            <p:cNvSpPr/>
+            <p:nvPr/>
+          </p:nvSpPr>
+          <p:spPr bwMode="auto">
+            <a:xfrm rot="5400000" flipH="1">
+              <a:off x="2698413" y="1121012"/>
+              <a:ext cx="530128" cy="315073"/>
+            </a:xfrm>
+            <a:prstGeom prst="triangle">
+              <a:avLst/>
+            </a:prstGeom>
             <a:solidFill>
               <a:schemeClr val="tx1"/>
             </a:solidFill>
-            <a:prstDash val="solid"/>
-            <a:round/>
-            <a:headEnd type="none" w="med" len="med"/>
-            <a:tailEnd type="none" w="med" len="med"/>
-          </a:ln>
-          <a:effectLst/>
-          <a:extLst>
-            <a:ext uri="{AF507438-7753-43E0-B8FC-AC1667EBCBE1}">
-              <a14:hiddenEffects xmlns:a14="http://schemas.microsoft.com/office/drawing/2010/main">
-                <a:effectLst>
-                  <a:outerShdw dist="35921" dir="2700000" algn="ctr" rotWithShape="0">
-                    <a:schemeClr val="bg2"/>
-                  </a:outerShdw>
-                </a:effectLst>
-              </a14:hiddenEffects>
-            </a:ext>
-          </a:extLst>
-        </p:spPr>
-      </p:cxnSp>
-      <p:sp>
-        <p:nvSpPr>
-          <p:cNvPr id="52" name="正方形/長方形 51"/>
-          <p:cNvSpPr/>
-          <p:nvPr/>
-        </p:nvSpPr>
-        <p:spPr bwMode="auto">
-          <a:xfrm>
-            <a:off x="7977414" y="4644650"/>
-            <a:ext cx="3719286" cy="1702117"/>
-          </a:xfrm>
-          <a:prstGeom prst="rect">
-            <a:avLst/>
-          </a:prstGeom>
-          <a:ln>
-            <a:headEnd type="none" w="med" len="med"/>
-            <a:tailEnd type="triangle" w="med" len="med"/>
-          </a:ln>
-          <a:extLst/>
-        </p:spPr>
-        <p:style>
-          <a:lnRef idx="2">
-            <a:schemeClr val="dk1"/>
-          </a:lnRef>
-          <a:fillRef idx="1">
-            <a:schemeClr val="lt1"/>
-          </a:fillRef>
-          <a:effectRef idx="0">
-            <a:schemeClr val="dk1"/>
-          </a:effectRef>
-          <a:fontRef idx="minor">
-            <a:schemeClr val="dk1"/>
-          </a:fontRef>
-        </p:style>
-        <p:txBody>
-          <a:bodyPr vert="horz" wrap="square" lIns="90000" tIns="46800" rIns="90000" bIns="46800" numCol="1" rtlCol="0" anchor="ctr" anchorCtr="0" compatLnSpc="1">
-            <a:prstTxWarp prst="textNoShape">
-              <a:avLst/>
-            </a:prstTxWarp>
-            <a:noAutofit/>
-          </a:bodyPr>
-          <a:lstStyle/>
-          <a:p>
-            <a:pPr algn="ctr" defTabSz="914342" fontAlgn="base">
-              <a:lnSpc>
-                <a:spcPct val="90000"/>
-              </a:lnSpc>
-              <a:spcBef>
-                <a:spcPct val="20000"/>
-              </a:spcBef>
-              <a:spcAft>
-                <a:spcPct val="0"/>
-              </a:spcAft>
-            </a:pPr>
-            <a:r>
-              <a:rPr lang="en-US" altLang="ja-JP" sz="2400" dirty="0" smtClean="0">
-                <a:solidFill>
-                  <a:schemeClr val="tx1"/>
-                </a:solidFill>
-                <a:latin typeface="メイリオ" panose="020B0604030504040204" pitchFamily="50" charset="-128"/>
-                <a:ea typeface="メイリオ" panose="020B0604030504040204" pitchFamily="50" charset="-128"/>
-                <a:cs typeface="メイリオ" pitchFamily="50" charset="-128"/>
-              </a:rPr>
-              <a:t>  </a:t>
-            </a:r>
-            <a:r>
-              <a:rPr lang="en-US" altLang="ja-JP" sz="2400" dirty="0" err="1" smtClean="0">
-                <a:solidFill>
-                  <a:schemeClr val="tx1"/>
-                </a:solidFill>
-                <a:latin typeface="メイリオ" panose="020B0604030504040204" pitchFamily="50" charset="-128"/>
-                <a:ea typeface="メイリオ" panose="020B0604030504040204" pitchFamily="50" charset="-128"/>
-                <a:cs typeface="メイリオ" pitchFamily="50" charset="-128"/>
-              </a:rPr>
-              <a:t>tFixedSizeMemoryPool</a:t>
-            </a:r>
-            <a:endParaRPr lang="en-US" altLang="ja-JP" sz="2400" dirty="0" smtClean="0">
+            <a:ln w="9525" cap="flat" cmpd="sng" algn="ctr">
               <a:solidFill>
                 <a:schemeClr val="tx1"/>
               </a:solidFill>
-              <a:latin typeface="メイリオ" panose="020B0604030504040204" pitchFamily="50" charset="-128"/>
-              <a:ea typeface="メイリオ" panose="020B0604030504040204" pitchFamily="50" charset="-128"/>
-              <a:cs typeface="メイリオ" pitchFamily="50" charset="-128"/>
-            </a:endParaRPr>
-          </a:p>
-          <a:p>
-            <a:pPr algn="ctr" defTabSz="914342" fontAlgn="base">
-              <a:lnSpc>
-                <a:spcPct val="90000"/>
-              </a:lnSpc>
-              <a:spcBef>
-                <a:spcPct val="20000"/>
-              </a:spcBef>
-              <a:spcAft>
-                <a:spcPct val="0"/>
-              </a:spcAft>
-            </a:pPr>
-            <a:r>
-              <a:rPr lang="en-US" altLang="ja-JP" sz="2400" dirty="0" smtClean="0">
-                <a:solidFill>
-                  <a:schemeClr val="tx1"/>
-                </a:solidFill>
-                <a:latin typeface="メイリオ" panose="020B0604030504040204" pitchFamily="50" charset="-128"/>
-                <a:ea typeface="メイリオ" panose="020B0604030504040204" pitchFamily="50" charset="-128"/>
+              <a:prstDash val="solid"/>
+              <a:round/>
+              <a:headEnd type="none" w="med" len="med"/>
+              <a:tailEnd type="triangle" w="med" len="med"/>
+            </a:ln>
+            <a:effectLst/>
+            <a:extLst/>
+          </p:spPr>
+          <p:txBody>
+            <a:bodyPr vert="horz" wrap="square" lIns="90000" tIns="46800" rIns="90000" bIns="46800" numCol="1" rtlCol="0" anchor="t" anchorCtr="0" compatLnSpc="1">
+              <a:prstTxWarp prst="textNoShape">
+                <a:avLst/>
+              </a:prstTxWarp>
+              <a:spAutoFit/>
+            </a:bodyPr>
+            <a:lstStyle/>
+            <a:p>
+              <a:pPr defTabSz="914342" fontAlgn="base">
+                <a:lnSpc>
+                  <a:spcPct val="90000"/>
+                </a:lnSpc>
+                <a:spcBef>
+                  <a:spcPct val="20000"/>
+                </a:spcBef>
+                <a:spcAft>
+                  <a:spcPct val="0"/>
+                </a:spcAft>
+              </a:pPr>
+              <a:endParaRPr lang="ja-JP" altLang="en-US">
+                <a:latin typeface="Times New Roman" pitchFamily="18" charset="0"/>
+                <a:ea typeface="メイリオ" pitchFamily="50" charset="-128"/>
                 <a:cs typeface="メイリオ" pitchFamily="50" charset="-128"/>
-              </a:rPr>
-              <a:t>MemoryPool_003</a:t>
-            </a:r>
-            <a:endParaRPr lang="en-US" altLang="ja-JP" sz="2400" dirty="0">
+              </a:endParaRPr>
+            </a:p>
+          </p:txBody>
+        </p:sp>
+        <p:sp>
+          <p:nvSpPr>
+            <p:cNvPr id="86" name="正方形/長方形 85"/>
+            <p:cNvSpPr/>
+            <p:nvPr/>
+          </p:nvSpPr>
+          <p:spPr bwMode="auto">
+            <a:xfrm>
+              <a:off x="516730" y="389553"/>
+              <a:ext cx="2018392" cy="4090865"/>
+            </a:xfrm>
+            <a:prstGeom prst="rect">
+              <a:avLst/>
+            </a:prstGeom>
+            <a:ln>
+              <a:headEnd type="none" w="med" len="med"/>
+              <a:tailEnd type="triangle" w="med" len="med"/>
+            </a:ln>
+            <a:extLst/>
+          </p:spPr>
+          <p:style>
+            <a:lnRef idx="2">
+              <a:schemeClr val="dk1"/>
+            </a:lnRef>
+            <a:fillRef idx="1">
+              <a:schemeClr val="lt1"/>
+            </a:fillRef>
+            <a:effectRef idx="0">
+              <a:schemeClr val="dk1"/>
+            </a:effectRef>
+            <a:fontRef idx="minor">
+              <a:schemeClr val="dk1"/>
+            </a:fontRef>
+          </p:style>
+          <p:txBody>
+            <a:bodyPr vert="vert270" wrap="square" lIns="90000" tIns="46800" rIns="90000" bIns="46800" numCol="1" rtlCol="0" anchor="ctr" anchorCtr="0" compatLnSpc="1">
+              <a:prstTxWarp prst="textNoShape">
+                <a:avLst/>
+              </a:prstTxWarp>
+              <a:noAutofit/>
+            </a:bodyPr>
+            <a:lstStyle/>
+            <a:p>
+              <a:pPr algn="ctr" defTabSz="914342" fontAlgn="base">
+                <a:lnSpc>
+                  <a:spcPct val="90000"/>
+                </a:lnSpc>
+                <a:spcBef>
+                  <a:spcPct val="20000"/>
+                </a:spcBef>
+                <a:spcAft>
+                  <a:spcPct val="0"/>
+                </a:spcAft>
+              </a:pPr>
+              <a:r>
+                <a:rPr lang="en-US" altLang="ja-JP" sz="2400" dirty="0">
+                  <a:solidFill>
+                    <a:schemeClr val="tx1"/>
+                  </a:solidFill>
+                  <a:latin typeface="メイリオ" panose="020B0604030504040204" pitchFamily="50" charset="-128"/>
+                  <a:ea typeface="メイリオ" panose="020B0604030504040204" pitchFamily="50" charset="-128"/>
+                  <a:cs typeface="メイリオ" pitchFamily="50" charset="-128"/>
+                </a:rPr>
+                <a:t>Component</a:t>
+              </a:r>
+            </a:p>
+            <a:p>
+              <a:pPr algn="ctr" defTabSz="914342" fontAlgn="base">
+                <a:lnSpc>
+                  <a:spcPct val="90000"/>
+                </a:lnSpc>
+                <a:spcBef>
+                  <a:spcPct val="20000"/>
+                </a:spcBef>
+                <a:spcAft>
+                  <a:spcPct val="0"/>
+                </a:spcAft>
+              </a:pPr>
+              <a:r>
+                <a:rPr lang="en-US" altLang="ja-JP" sz="2400" dirty="0">
+                  <a:solidFill>
+                    <a:schemeClr val="tx1"/>
+                  </a:solidFill>
+                  <a:latin typeface="メイリオ" panose="020B0604030504040204" pitchFamily="50" charset="-128"/>
+                  <a:ea typeface="メイリオ" panose="020B0604030504040204" pitchFamily="50" charset="-128"/>
+                  <a:cs typeface="メイリオ" pitchFamily="50" charset="-128"/>
+                </a:rPr>
+                <a:t>(which needs allocate and deallocate memory)</a:t>
+              </a:r>
+            </a:p>
+          </p:txBody>
+        </p:sp>
+        <p:cxnSp>
+          <p:nvCxnSpPr>
+            <p:cNvPr id="87" name="直線コネクタ 86"/>
+            <p:cNvCxnSpPr/>
+            <p:nvPr/>
+          </p:nvCxnSpPr>
+          <p:spPr bwMode="auto">
+            <a:xfrm flipV="1">
+              <a:off x="2535123" y="2131868"/>
+              <a:ext cx="272143" cy="1"/>
+            </a:xfrm>
+            <a:prstGeom prst="line">
+              <a:avLst/>
+            </a:prstGeom>
+            <a:solidFill>
+              <a:schemeClr val="accent1"/>
+            </a:solidFill>
+            <a:ln w="9525" cap="flat" cmpd="sng" algn="ctr">
               <a:solidFill>
                 <a:schemeClr val="tx1"/>
               </a:solidFill>
-              <a:latin typeface="メイリオ" panose="020B0604030504040204" pitchFamily="50" charset="-128"/>
-              <a:ea typeface="メイリオ" panose="020B0604030504040204" pitchFamily="50" charset="-128"/>
-              <a:cs typeface="メイリオ" pitchFamily="50" charset="-128"/>
-            </a:endParaRPr>
-          </a:p>
-        </p:txBody>
-      </p:sp>
-      <p:sp>
-        <p:nvSpPr>
-          <p:cNvPr id="73" name="二等辺三角形 72"/>
-          <p:cNvSpPr/>
-          <p:nvPr/>
-        </p:nvSpPr>
-        <p:spPr bwMode="auto">
-          <a:xfrm rot="5400000" flipH="1">
-            <a:off x="7840220" y="5358116"/>
-            <a:ext cx="530128" cy="255740"/>
-          </a:xfrm>
-          <a:prstGeom prst="triangle">
-            <a:avLst/>
-          </a:prstGeom>
-          <a:solidFill>
-            <a:schemeClr val="tx1"/>
-          </a:solidFill>
-          <a:ln w="9525" cap="flat" cmpd="sng" algn="ctr">
+              <a:prstDash val="solid"/>
+              <a:round/>
+              <a:headEnd type="none" w="med" len="med"/>
+              <a:tailEnd type="none" w="med" len="med"/>
+            </a:ln>
+            <a:effectLst/>
+            <a:extLst>
+              <a:ext uri="{AF507438-7753-43E0-B8FC-AC1667EBCBE1}">
+                <a14:hiddenEffects xmlns:a14="http://schemas.microsoft.com/office/drawing/2010/main">
+                  <a:effectLst>
+                    <a:outerShdw dist="35921" dir="2700000" algn="ctr" rotWithShape="0">
+                      <a:schemeClr val="bg2"/>
+                    </a:outerShdw>
+                  </a:effectLst>
+                </a14:hiddenEffects>
+              </a:ext>
+            </a:extLst>
+          </p:spPr>
+        </p:cxnSp>
+        <p:sp>
+          <p:nvSpPr>
+            <p:cNvPr id="88" name="二等辺三角形 87"/>
+            <p:cNvSpPr/>
+            <p:nvPr/>
+          </p:nvSpPr>
+          <p:spPr bwMode="auto">
+            <a:xfrm rot="5400000" flipH="1">
+              <a:off x="2703742" y="1972232"/>
+              <a:ext cx="530128" cy="315073"/>
+            </a:xfrm>
+            <a:prstGeom prst="triangle">
+              <a:avLst/>
+            </a:prstGeom>
             <a:solidFill>
               <a:schemeClr val="tx1"/>
             </a:solidFill>
-            <a:prstDash val="solid"/>
-            <a:round/>
-            <a:headEnd type="none" w="med" len="med"/>
-            <a:tailEnd type="triangle" w="med" len="med"/>
-          </a:ln>
-          <a:effectLst/>
-          <a:extLst/>
-        </p:spPr>
-        <p:txBody>
-          <a:bodyPr vert="horz" wrap="square" lIns="90000" tIns="46800" rIns="90000" bIns="46800" numCol="1" rtlCol="0" anchor="t" anchorCtr="0" compatLnSpc="1">
-            <a:prstTxWarp prst="textNoShape">
-              <a:avLst/>
-            </a:prstTxWarp>
-            <a:spAutoFit/>
-          </a:bodyPr>
-          <a:lstStyle/>
-          <a:p>
-            <a:pPr defTabSz="914342" fontAlgn="base">
-              <a:lnSpc>
-                <a:spcPct val="90000"/>
-              </a:lnSpc>
-              <a:spcBef>
-                <a:spcPct val="20000"/>
-              </a:spcBef>
-              <a:spcAft>
-                <a:spcPct val="0"/>
-              </a:spcAft>
-            </a:pPr>
-            <a:endParaRPr lang="ja-JP" altLang="en-US">
-              <a:latin typeface="Times New Roman" pitchFamily="18" charset="0"/>
-              <a:ea typeface="メイリオ" pitchFamily="50" charset="-128"/>
-              <a:cs typeface="メイリオ" pitchFamily="50" charset="-128"/>
-            </a:endParaRPr>
-          </a:p>
-        </p:txBody>
-      </p:sp>
-      <p:cxnSp>
-        <p:nvCxnSpPr>
-          <p:cNvPr id="74" name="直線コネクタ 73"/>
-          <p:cNvCxnSpPr>
-            <a:endCxn id="52" idx="1"/>
-          </p:cNvCxnSpPr>
-          <p:nvPr/>
-        </p:nvCxnSpPr>
-        <p:spPr bwMode="auto">
-          <a:xfrm>
-            <a:off x="6531429" y="5485987"/>
-            <a:ext cx="1445985" cy="9722"/>
-          </a:xfrm>
-          <a:prstGeom prst="line">
-            <a:avLst/>
-          </a:prstGeom>
-          <a:solidFill>
-            <a:schemeClr val="accent1"/>
-          </a:solidFill>
-          <a:ln w="9525" cap="flat" cmpd="sng" algn="ctr">
-            <a:solidFill>
-              <a:schemeClr val="tx1"/>
-            </a:solidFill>
-            <a:prstDash val="solid"/>
-            <a:round/>
-            <a:headEnd type="none" w="med" len="med"/>
-            <a:tailEnd type="none" w="med" len="med"/>
-          </a:ln>
-          <a:effectLst/>
-          <a:extLst>
-            <a:ext uri="{AF507438-7753-43E0-B8FC-AC1667EBCBE1}">
-              <a14:hiddenEffects xmlns:a14="http://schemas.microsoft.com/office/drawing/2010/main">
-                <a:effectLst>
-                  <a:outerShdw dist="35921" dir="2700000" algn="ctr" rotWithShape="0">
-                    <a:schemeClr val="bg2"/>
-                  </a:outerShdw>
-                </a:effectLst>
-              </a14:hiddenEffects>
-            </a:ext>
-          </a:extLst>
-        </p:spPr>
-      </p:cxnSp>
-      <p:sp>
-        <p:nvSpPr>
-          <p:cNvPr id="75" name="正方形/長方形 74"/>
-          <p:cNvSpPr/>
-          <p:nvPr/>
-        </p:nvSpPr>
-        <p:spPr bwMode="auto">
-          <a:xfrm>
-            <a:off x="7977414" y="710286"/>
-            <a:ext cx="3719286" cy="1702117"/>
-          </a:xfrm>
-          <a:prstGeom prst="rect">
-            <a:avLst/>
-          </a:prstGeom>
-          <a:ln>
-            <a:headEnd type="none" w="med" len="med"/>
-            <a:tailEnd type="triangle" w="med" len="med"/>
-          </a:ln>
-          <a:extLst/>
-        </p:spPr>
-        <p:style>
-          <a:lnRef idx="2">
-            <a:schemeClr val="dk1"/>
-          </a:lnRef>
-          <a:fillRef idx="1">
-            <a:schemeClr val="lt1"/>
-          </a:fillRef>
-          <a:effectRef idx="0">
-            <a:schemeClr val="dk1"/>
-          </a:effectRef>
-          <a:fontRef idx="minor">
-            <a:schemeClr val="dk1"/>
-          </a:fontRef>
-        </p:style>
-        <p:txBody>
-          <a:bodyPr vert="horz" wrap="square" lIns="90000" tIns="46800" rIns="90000" bIns="46800" numCol="1" rtlCol="0" anchor="ctr" anchorCtr="0" compatLnSpc="1">
-            <a:prstTxWarp prst="textNoShape">
-              <a:avLst/>
-            </a:prstTxWarp>
-            <a:noAutofit/>
-          </a:bodyPr>
-          <a:lstStyle/>
-          <a:p>
-            <a:pPr algn="ctr" defTabSz="914342" fontAlgn="base">
-              <a:lnSpc>
-                <a:spcPct val="90000"/>
-              </a:lnSpc>
-              <a:spcBef>
-                <a:spcPct val="20000"/>
-              </a:spcBef>
-              <a:spcAft>
-                <a:spcPct val="0"/>
-              </a:spcAft>
-            </a:pPr>
-            <a:r>
-              <a:rPr lang="en-US" altLang="ja-JP" sz="2400" dirty="0" smtClean="0">
-                <a:solidFill>
-                  <a:schemeClr val="tx1"/>
-                </a:solidFill>
-                <a:latin typeface="メイリオ" panose="020B0604030504040204" pitchFamily="50" charset="-128"/>
-                <a:ea typeface="メイリオ" panose="020B0604030504040204" pitchFamily="50" charset="-128"/>
-                <a:cs typeface="メイリオ" pitchFamily="50" charset="-128"/>
-              </a:rPr>
-              <a:t>  </a:t>
-            </a:r>
-            <a:r>
-              <a:rPr lang="en-US" altLang="ja-JP" sz="2400" dirty="0" err="1" smtClean="0">
-                <a:solidFill>
-                  <a:schemeClr val="tx1"/>
-                </a:solidFill>
-                <a:latin typeface="メイリオ" panose="020B0604030504040204" pitchFamily="50" charset="-128"/>
-                <a:ea typeface="メイリオ" panose="020B0604030504040204" pitchFamily="50" charset="-128"/>
-                <a:cs typeface="メイリオ" pitchFamily="50" charset="-128"/>
-              </a:rPr>
-              <a:t>tFixedSizeMemoryPool</a:t>
-            </a:r>
-            <a:endParaRPr lang="en-US" altLang="ja-JP" sz="2400" dirty="0" smtClean="0">
+            <a:ln w="9525" cap="flat" cmpd="sng" algn="ctr">
               <a:solidFill>
                 <a:schemeClr val="tx1"/>
               </a:solidFill>
-              <a:latin typeface="メイリオ" panose="020B0604030504040204" pitchFamily="50" charset="-128"/>
-              <a:ea typeface="メイリオ" panose="020B0604030504040204" pitchFamily="50" charset="-128"/>
-              <a:cs typeface="メイリオ" pitchFamily="50" charset="-128"/>
-            </a:endParaRPr>
-          </a:p>
-          <a:p>
-            <a:pPr algn="ctr" defTabSz="914342" fontAlgn="base">
-              <a:lnSpc>
-                <a:spcPct val="90000"/>
-              </a:lnSpc>
-              <a:spcBef>
-                <a:spcPct val="20000"/>
-              </a:spcBef>
-              <a:spcAft>
-                <a:spcPct val="0"/>
-              </a:spcAft>
-            </a:pPr>
-            <a:r>
-              <a:rPr lang="en-US" altLang="ja-JP" sz="2400" dirty="0" smtClean="0">
-                <a:solidFill>
-                  <a:schemeClr val="tx1"/>
-                </a:solidFill>
-                <a:latin typeface="メイリオ" panose="020B0604030504040204" pitchFamily="50" charset="-128"/>
-                <a:ea typeface="メイリオ" panose="020B0604030504040204" pitchFamily="50" charset="-128"/>
+              <a:prstDash val="solid"/>
+              <a:round/>
+              <a:headEnd type="none" w="med" len="med"/>
+              <a:tailEnd type="triangle" w="med" len="med"/>
+            </a:ln>
+            <a:effectLst/>
+            <a:extLst/>
+          </p:spPr>
+          <p:txBody>
+            <a:bodyPr vert="horz" wrap="square" lIns="90000" tIns="46800" rIns="90000" bIns="46800" numCol="1" rtlCol="0" anchor="t" anchorCtr="0" compatLnSpc="1">
+              <a:prstTxWarp prst="textNoShape">
+                <a:avLst/>
+              </a:prstTxWarp>
+              <a:spAutoFit/>
+            </a:bodyPr>
+            <a:lstStyle/>
+            <a:p>
+              <a:pPr defTabSz="914342" fontAlgn="base">
+                <a:lnSpc>
+                  <a:spcPct val="90000"/>
+                </a:lnSpc>
+                <a:spcBef>
+                  <a:spcPct val="20000"/>
+                </a:spcBef>
+                <a:spcAft>
+                  <a:spcPct val="0"/>
+                </a:spcAft>
+              </a:pPr>
+              <a:endParaRPr lang="ja-JP" altLang="en-US">
+                <a:latin typeface="Times New Roman" pitchFamily="18" charset="0"/>
+                <a:ea typeface="メイリオ" pitchFamily="50" charset="-128"/>
                 <a:cs typeface="メイリオ" pitchFamily="50" charset="-128"/>
-              </a:rPr>
-              <a:t>MemoryPool_001</a:t>
-            </a:r>
-            <a:endParaRPr lang="en-US" altLang="ja-JP" sz="2400" dirty="0">
-              <a:solidFill>
-                <a:schemeClr val="tx1"/>
-              </a:solidFill>
-              <a:latin typeface="メイリオ" panose="020B0604030504040204" pitchFamily="50" charset="-128"/>
-              <a:ea typeface="メイリオ" panose="020B0604030504040204" pitchFamily="50" charset="-128"/>
-              <a:cs typeface="メイリオ" pitchFamily="50" charset="-128"/>
-            </a:endParaRPr>
-          </a:p>
-        </p:txBody>
-      </p:sp>
-      <p:sp>
-        <p:nvSpPr>
-          <p:cNvPr id="76" name="二等辺三角形 75"/>
-          <p:cNvSpPr/>
-          <p:nvPr/>
-        </p:nvSpPr>
-        <p:spPr bwMode="auto">
-          <a:xfrm rot="5400000" flipH="1">
-            <a:off x="7840220" y="1423752"/>
-            <a:ext cx="530128" cy="255740"/>
-          </a:xfrm>
-          <a:prstGeom prst="triangle">
-            <a:avLst/>
-          </a:prstGeom>
-          <a:solidFill>
-            <a:schemeClr val="tx1"/>
-          </a:solidFill>
-          <a:ln w="9525" cap="flat" cmpd="sng" algn="ctr">
-            <a:solidFill>
-              <a:schemeClr val="tx1"/>
-            </a:solidFill>
-            <a:prstDash val="solid"/>
-            <a:round/>
-            <a:headEnd type="none" w="med" len="med"/>
-            <a:tailEnd type="triangle" w="med" len="med"/>
-          </a:ln>
-          <a:effectLst/>
-          <a:extLst/>
-        </p:spPr>
-        <p:txBody>
-          <a:bodyPr vert="horz" wrap="square" lIns="90000" tIns="46800" rIns="90000" bIns="46800" numCol="1" rtlCol="0" anchor="t" anchorCtr="0" compatLnSpc="1">
-            <a:prstTxWarp prst="textNoShape">
-              <a:avLst/>
-            </a:prstTxWarp>
-            <a:spAutoFit/>
-          </a:bodyPr>
-          <a:lstStyle/>
-          <a:p>
-            <a:pPr defTabSz="914342" fontAlgn="base">
-              <a:lnSpc>
-                <a:spcPct val="90000"/>
-              </a:lnSpc>
-              <a:spcBef>
-                <a:spcPct val="20000"/>
-              </a:spcBef>
-              <a:spcAft>
-                <a:spcPct val="0"/>
-              </a:spcAft>
-            </a:pPr>
-            <a:endParaRPr lang="ja-JP" altLang="en-US">
-              <a:latin typeface="Times New Roman" pitchFamily="18" charset="0"/>
-              <a:ea typeface="メイリオ" pitchFamily="50" charset="-128"/>
-              <a:cs typeface="メイリオ" pitchFamily="50" charset="-128"/>
-            </a:endParaRPr>
-          </a:p>
-        </p:txBody>
-      </p:sp>
-      <p:cxnSp>
-        <p:nvCxnSpPr>
-          <p:cNvPr id="77" name="直線コネクタ 76"/>
-          <p:cNvCxnSpPr>
-            <a:endCxn id="75" idx="1"/>
-          </p:cNvCxnSpPr>
-          <p:nvPr/>
-        </p:nvCxnSpPr>
-        <p:spPr bwMode="auto">
-          <a:xfrm>
-            <a:off x="6531429" y="1551623"/>
-            <a:ext cx="1445985" cy="9722"/>
-          </a:xfrm>
-          <a:prstGeom prst="line">
-            <a:avLst/>
-          </a:prstGeom>
-          <a:solidFill>
-            <a:schemeClr val="accent1"/>
-          </a:solidFill>
-          <a:ln w="9525" cap="flat" cmpd="sng" algn="ctr">
-            <a:solidFill>
-              <a:schemeClr val="tx1"/>
-            </a:solidFill>
-            <a:prstDash val="solid"/>
-            <a:round/>
-            <a:headEnd type="none" w="med" len="med"/>
-            <a:tailEnd type="none" w="med" len="med"/>
-          </a:ln>
-          <a:effectLst/>
-          <a:extLst>
-            <a:ext uri="{AF507438-7753-43E0-B8FC-AC1667EBCBE1}">
-              <a14:hiddenEffects xmlns:a14="http://schemas.microsoft.com/office/drawing/2010/main">
-                <a:effectLst>
-                  <a:outerShdw dist="35921" dir="2700000" algn="ctr" rotWithShape="0">
-                    <a:schemeClr val="bg2"/>
-                  </a:outerShdw>
-                </a:effectLst>
-              </a14:hiddenEffects>
-            </a:ext>
-          </a:extLst>
-        </p:spPr>
-      </p:cxnSp>
-      <p:sp>
-        <p:nvSpPr>
-          <p:cNvPr id="78" name="正方形/長方形 77"/>
-          <p:cNvSpPr/>
-          <p:nvPr/>
-        </p:nvSpPr>
-        <p:spPr bwMode="auto">
-          <a:xfrm>
-            <a:off x="202293" y="539349"/>
-            <a:ext cx="2018392" cy="4090865"/>
-          </a:xfrm>
-          <a:prstGeom prst="rect">
-            <a:avLst/>
-          </a:prstGeom>
-          <a:ln>
-            <a:headEnd type="none" w="med" len="med"/>
-            <a:tailEnd type="triangle" w="med" len="med"/>
-          </a:ln>
-          <a:extLst/>
-        </p:spPr>
-        <p:style>
-          <a:lnRef idx="2">
-            <a:schemeClr val="dk1"/>
-          </a:lnRef>
-          <a:fillRef idx="1">
-            <a:schemeClr val="lt1"/>
-          </a:fillRef>
-          <a:effectRef idx="0">
-            <a:schemeClr val="dk1"/>
-          </a:effectRef>
-          <a:fontRef idx="minor">
-            <a:schemeClr val="dk1"/>
-          </a:fontRef>
-        </p:style>
-        <p:txBody>
-          <a:bodyPr vert="vert270" wrap="square" lIns="90000" tIns="46800" rIns="90000" bIns="46800" numCol="1" rtlCol="0" anchor="ctr" anchorCtr="0" compatLnSpc="1">
-            <a:prstTxWarp prst="textNoShape">
-              <a:avLst/>
-            </a:prstTxWarp>
-            <a:noAutofit/>
-          </a:bodyPr>
-          <a:lstStyle/>
-          <a:p>
-            <a:pPr algn="ctr" defTabSz="914342" fontAlgn="base">
-              <a:lnSpc>
-                <a:spcPct val="90000"/>
-              </a:lnSpc>
-              <a:spcBef>
-                <a:spcPct val="20000"/>
-              </a:spcBef>
-              <a:spcAft>
-                <a:spcPct val="0"/>
-              </a:spcAft>
-            </a:pPr>
-            <a:r>
-              <a:rPr lang="en-US" altLang="ja-JP" sz="2400" dirty="0" smtClean="0">
-                <a:solidFill>
-                  <a:schemeClr val="tx1"/>
-                </a:solidFill>
-                <a:latin typeface="メイリオ" panose="020B0604030504040204" pitchFamily="50" charset="-128"/>
-                <a:ea typeface="メイリオ" panose="020B0604030504040204" pitchFamily="50" charset="-128"/>
-                <a:cs typeface="メイリオ" pitchFamily="50" charset="-128"/>
-              </a:rPr>
-              <a:t>Components</a:t>
-            </a:r>
-          </a:p>
-          <a:p>
-            <a:pPr algn="ctr" defTabSz="914342" fontAlgn="base">
-              <a:lnSpc>
-                <a:spcPct val="90000"/>
-              </a:lnSpc>
-              <a:spcBef>
-                <a:spcPct val="20000"/>
-              </a:spcBef>
-              <a:spcAft>
-                <a:spcPct val="0"/>
-              </a:spcAft>
-            </a:pPr>
-            <a:r>
-              <a:rPr lang="en-US" altLang="ja-JP" sz="2400" dirty="0" smtClean="0">
-                <a:solidFill>
-                  <a:schemeClr val="tx1"/>
-                </a:solidFill>
-                <a:latin typeface="メイリオ" panose="020B0604030504040204" pitchFamily="50" charset="-128"/>
-                <a:ea typeface="メイリオ" panose="020B0604030504040204" pitchFamily="50" charset="-128"/>
-                <a:cs typeface="メイリオ" pitchFamily="50" charset="-128"/>
-              </a:rPr>
-              <a:t>(which need allocate and deallocate memory)</a:t>
-            </a:r>
-            <a:endParaRPr lang="en-US" altLang="ja-JP" sz="2400" dirty="0">
-              <a:solidFill>
-                <a:schemeClr val="tx1"/>
-              </a:solidFill>
-              <a:latin typeface="メイリオ" panose="020B0604030504040204" pitchFamily="50" charset="-128"/>
-              <a:ea typeface="メイリオ" panose="020B0604030504040204" pitchFamily="50" charset="-128"/>
-              <a:cs typeface="メイリオ" pitchFamily="50" charset="-128"/>
-            </a:endParaRPr>
-          </a:p>
-        </p:txBody>
-      </p:sp>
-      <p:cxnSp>
-        <p:nvCxnSpPr>
-          <p:cNvPr id="81" name="直線コネクタ 80"/>
-          <p:cNvCxnSpPr/>
-          <p:nvPr/>
-        </p:nvCxnSpPr>
-        <p:spPr bwMode="auto">
-          <a:xfrm>
-            <a:off x="2220685" y="1174250"/>
-            <a:ext cx="573315" cy="1"/>
-          </a:xfrm>
-          <a:prstGeom prst="line">
-            <a:avLst/>
-          </a:prstGeom>
-          <a:solidFill>
-            <a:schemeClr val="accent1"/>
-          </a:solidFill>
-          <a:ln w="9525" cap="flat" cmpd="sng" algn="ctr">
-            <a:solidFill>
-              <a:schemeClr val="tx1"/>
-            </a:solidFill>
-            <a:prstDash val="solid"/>
-            <a:round/>
-            <a:headEnd type="none" w="med" len="med"/>
-            <a:tailEnd type="none" w="med" len="med"/>
-          </a:ln>
-          <a:effectLst/>
-          <a:extLst>
-            <a:ext uri="{AF507438-7753-43E0-B8FC-AC1667EBCBE1}">
-              <a14:hiddenEffects xmlns:a14="http://schemas.microsoft.com/office/drawing/2010/main">
-                <a:effectLst>
-                  <a:outerShdw dist="35921" dir="2700000" algn="ctr" rotWithShape="0">
-                    <a:schemeClr val="bg2"/>
-                  </a:outerShdw>
-                </a:effectLst>
-              </a14:hiddenEffects>
-            </a:ext>
-          </a:extLst>
-        </p:spPr>
-      </p:cxnSp>
-      <p:sp>
-        <p:nvSpPr>
-          <p:cNvPr id="82" name="二等辺三角形 81"/>
-          <p:cNvSpPr/>
-          <p:nvPr/>
-        </p:nvSpPr>
-        <p:spPr bwMode="auto">
-          <a:xfrm rot="5400000" flipH="1">
-            <a:off x="2674949" y="1046380"/>
-            <a:ext cx="530128" cy="255740"/>
-          </a:xfrm>
-          <a:prstGeom prst="triangle">
-            <a:avLst/>
-          </a:prstGeom>
-          <a:solidFill>
-            <a:schemeClr val="tx1"/>
-          </a:solidFill>
-          <a:ln w="9525" cap="flat" cmpd="sng" algn="ctr">
-            <a:solidFill>
-              <a:schemeClr val="tx1"/>
-            </a:solidFill>
-            <a:prstDash val="solid"/>
-            <a:round/>
-            <a:headEnd type="none" w="med" len="med"/>
-            <a:tailEnd type="triangle" w="med" len="med"/>
-          </a:ln>
-          <a:effectLst/>
-          <a:extLst/>
-        </p:spPr>
-        <p:txBody>
-          <a:bodyPr vert="horz" wrap="square" lIns="90000" tIns="46800" rIns="90000" bIns="46800" numCol="1" rtlCol="0" anchor="t" anchorCtr="0" compatLnSpc="1">
-            <a:prstTxWarp prst="textNoShape">
-              <a:avLst/>
-            </a:prstTxWarp>
-            <a:spAutoFit/>
-          </a:bodyPr>
-          <a:lstStyle/>
-          <a:p>
-            <a:pPr defTabSz="914342" fontAlgn="base">
-              <a:lnSpc>
-                <a:spcPct val="90000"/>
-              </a:lnSpc>
-              <a:spcBef>
-                <a:spcPct val="20000"/>
-              </a:spcBef>
-              <a:spcAft>
-                <a:spcPct val="0"/>
-              </a:spcAft>
-            </a:pPr>
-            <a:endParaRPr lang="ja-JP" altLang="en-US">
-              <a:latin typeface="Times New Roman" pitchFamily="18" charset="0"/>
-              <a:ea typeface="メイリオ" pitchFamily="50" charset="-128"/>
-              <a:cs typeface="メイリオ" pitchFamily="50" charset="-128"/>
-            </a:endParaRPr>
-          </a:p>
-        </p:txBody>
-      </p:sp>
-      <p:sp>
-        <p:nvSpPr>
-          <p:cNvPr id="83" name="正方形/長方形 82"/>
-          <p:cNvSpPr/>
-          <p:nvPr/>
-        </p:nvSpPr>
-        <p:spPr bwMode="auto">
-          <a:xfrm>
-            <a:off x="364330" y="701017"/>
-            <a:ext cx="2018392" cy="4090865"/>
-          </a:xfrm>
-          <a:prstGeom prst="rect">
-            <a:avLst/>
-          </a:prstGeom>
-          <a:ln>
-            <a:headEnd type="none" w="med" len="med"/>
-            <a:tailEnd type="triangle" w="med" len="med"/>
-          </a:ln>
-          <a:extLst/>
-        </p:spPr>
-        <p:style>
-          <a:lnRef idx="2">
-            <a:schemeClr val="dk1"/>
-          </a:lnRef>
-          <a:fillRef idx="1">
-            <a:schemeClr val="lt1"/>
-          </a:fillRef>
-          <a:effectRef idx="0">
-            <a:schemeClr val="dk1"/>
-          </a:effectRef>
-          <a:fontRef idx="minor">
-            <a:schemeClr val="dk1"/>
-          </a:fontRef>
-        </p:style>
-        <p:txBody>
-          <a:bodyPr vert="vert270" wrap="square" lIns="90000" tIns="46800" rIns="90000" bIns="46800" numCol="1" rtlCol="0" anchor="ctr" anchorCtr="0" compatLnSpc="1">
-            <a:prstTxWarp prst="textNoShape">
-              <a:avLst/>
-            </a:prstTxWarp>
-            <a:noAutofit/>
-          </a:bodyPr>
-          <a:lstStyle/>
-          <a:p>
-            <a:pPr algn="ctr" defTabSz="914342" fontAlgn="base">
-              <a:lnSpc>
-                <a:spcPct val="90000"/>
-              </a:lnSpc>
-              <a:spcBef>
-                <a:spcPct val="20000"/>
-              </a:spcBef>
-              <a:spcAft>
-                <a:spcPct val="0"/>
-              </a:spcAft>
-            </a:pPr>
-            <a:r>
-              <a:rPr lang="en-US" altLang="ja-JP" sz="2400" dirty="0" smtClean="0">
-                <a:solidFill>
-                  <a:schemeClr val="tx1"/>
-                </a:solidFill>
-                <a:latin typeface="メイリオ" panose="020B0604030504040204" pitchFamily="50" charset="-128"/>
-                <a:ea typeface="メイリオ" panose="020B0604030504040204" pitchFamily="50" charset="-128"/>
-                <a:cs typeface="メイリオ" pitchFamily="50" charset="-128"/>
-              </a:rPr>
-              <a:t>Components</a:t>
-            </a:r>
-          </a:p>
-          <a:p>
-            <a:pPr algn="ctr" defTabSz="914342" fontAlgn="base">
-              <a:lnSpc>
-                <a:spcPct val="90000"/>
-              </a:lnSpc>
-              <a:spcBef>
-                <a:spcPct val="20000"/>
-              </a:spcBef>
-              <a:spcAft>
-                <a:spcPct val="0"/>
-              </a:spcAft>
-            </a:pPr>
-            <a:r>
-              <a:rPr lang="en-US" altLang="ja-JP" sz="2400" dirty="0" smtClean="0">
-                <a:solidFill>
-                  <a:schemeClr val="tx1"/>
-                </a:solidFill>
-                <a:latin typeface="メイリオ" panose="020B0604030504040204" pitchFamily="50" charset="-128"/>
-                <a:ea typeface="メイリオ" panose="020B0604030504040204" pitchFamily="50" charset="-128"/>
-                <a:cs typeface="メイリオ" pitchFamily="50" charset="-128"/>
-              </a:rPr>
-              <a:t>(which need allocate and deallocate memory)</a:t>
-            </a:r>
-            <a:endParaRPr lang="en-US" altLang="ja-JP" sz="2400" dirty="0">
-              <a:solidFill>
-                <a:schemeClr val="tx1"/>
-              </a:solidFill>
-              <a:latin typeface="メイリオ" panose="020B0604030504040204" pitchFamily="50" charset="-128"/>
-              <a:ea typeface="メイリオ" panose="020B0604030504040204" pitchFamily="50" charset="-128"/>
-              <a:cs typeface="メイリオ" pitchFamily="50" charset="-128"/>
-            </a:endParaRPr>
-          </a:p>
-        </p:txBody>
-      </p:sp>
-      <p:cxnSp>
-        <p:nvCxnSpPr>
-          <p:cNvPr id="84" name="直線コネクタ 83"/>
-          <p:cNvCxnSpPr/>
-          <p:nvPr/>
-        </p:nvCxnSpPr>
-        <p:spPr bwMode="auto">
-          <a:xfrm>
-            <a:off x="2400865" y="2025468"/>
-            <a:ext cx="393135" cy="0"/>
-          </a:xfrm>
-          <a:prstGeom prst="line">
-            <a:avLst/>
-          </a:prstGeom>
-          <a:solidFill>
-            <a:schemeClr val="accent1"/>
-          </a:solidFill>
-          <a:ln w="9525" cap="flat" cmpd="sng" algn="ctr">
-            <a:solidFill>
-              <a:schemeClr val="tx1"/>
-            </a:solidFill>
-            <a:prstDash val="solid"/>
-            <a:round/>
-            <a:headEnd type="none" w="med" len="med"/>
-            <a:tailEnd type="none" w="med" len="med"/>
-          </a:ln>
-          <a:effectLst/>
-          <a:extLst>
-            <a:ext uri="{AF507438-7753-43E0-B8FC-AC1667EBCBE1}">
-              <a14:hiddenEffects xmlns:a14="http://schemas.microsoft.com/office/drawing/2010/main">
-                <a:effectLst>
-                  <a:outerShdw dist="35921" dir="2700000" algn="ctr" rotWithShape="0">
-                    <a:schemeClr val="bg2"/>
-                  </a:outerShdw>
-                </a:effectLst>
-              </a14:hiddenEffects>
-            </a:ext>
-          </a:extLst>
-        </p:spPr>
-      </p:cxnSp>
-      <p:sp>
-        <p:nvSpPr>
-          <p:cNvPr id="85" name="二等辺三角形 84"/>
-          <p:cNvSpPr/>
-          <p:nvPr/>
-        </p:nvSpPr>
-        <p:spPr bwMode="auto">
-          <a:xfrm rot="5400000" flipH="1">
-            <a:off x="2681336" y="1897598"/>
-            <a:ext cx="530128" cy="255740"/>
-          </a:xfrm>
-          <a:prstGeom prst="triangle">
-            <a:avLst/>
-          </a:prstGeom>
-          <a:solidFill>
-            <a:schemeClr val="tx1"/>
-          </a:solidFill>
-          <a:ln w="9525" cap="flat" cmpd="sng" algn="ctr">
-            <a:solidFill>
-              <a:schemeClr val="tx1"/>
-            </a:solidFill>
-            <a:prstDash val="solid"/>
-            <a:round/>
-            <a:headEnd type="none" w="med" len="med"/>
-            <a:tailEnd type="triangle" w="med" len="med"/>
-          </a:ln>
-          <a:effectLst/>
-          <a:extLst/>
-        </p:spPr>
-        <p:txBody>
-          <a:bodyPr vert="horz" wrap="square" lIns="90000" tIns="46800" rIns="90000" bIns="46800" numCol="1" rtlCol="0" anchor="t" anchorCtr="0" compatLnSpc="1">
-            <a:prstTxWarp prst="textNoShape">
-              <a:avLst/>
-            </a:prstTxWarp>
-            <a:spAutoFit/>
-          </a:bodyPr>
-          <a:lstStyle/>
-          <a:p>
-            <a:pPr defTabSz="914342" fontAlgn="base">
-              <a:lnSpc>
-                <a:spcPct val="90000"/>
-              </a:lnSpc>
-              <a:spcBef>
-                <a:spcPct val="20000"/>
-              </a:spcBef>
-              <a:spcAft>
-                <a:spcPct val="0"/>
-              </a:spcAft>
-            </a:pPr>
-            <a:endParaRPr lang="ja-JP" altLang="en-US">
-              <a:latin typeface="Times New Roman" pitchFamily="18" charset="0"/>
-              <a:ea typeface="メイリオ" pitchFamily="50" charset="-128"/>
-              <a:cs typeface="メイリオ" pitchFamily="50" charset="-128"/>
-            </a:endParaRPr>
-          </a:p>
-        </p:txBody>
-      </p:sp>
-      <p:sp>
-        <p:nvSpPr>
-          <p:cNvPr id="86" name="正方形/長方形 85"/>
-          <p:cNvSpPr/>
-          <p:nvPr/>
-        </p:nvSpPr>
-        <p:spPr bwMode="auto">
-          <a:xfrm>
-            <a:off x="516730" y="862686"/>
-            <a:ext cx="2018392" cy="4090865"/>
-          </a:xfrm>
-          <a:prstGeom prst="rect">
-            <a:avLst/>
-          </a:prstGeom>
-          <a:ln>
-            <a:headEnd type="none" w="med" len="med"/>
-            <a:tailEnd type="triangle" w="med" len="med"/>
-          </a:ln>
-          <a:extLst/>
-        </p:spPr>
-        <p:style>
-          <a:lnRef idx="2">
-            <a:schemeClr val="dk1"/>
-          </a:lnRef>
-          <a:fillRef idx="1">
-            <a:schemeClr val="lt1"/>
-          </a:fillRef>
-          <a:effectRef idx="0">
-            <a:schemeClr val="dk1"/>
-          </a:effectRef>
-          <a:fontRef idx="minor">
-            <a:schemeClr val="dk1"/>
-          </a:fontRef>
-        </p:style>
-        <p:txBody>
-          <a:bodyPr vert="vert270" wrap="square" lIns="90000" tIns="46800" rIns="90000" bIns="46800" numCol="1" rtlCol="0" anchor="ctr" anchorCtr="0" compatLnSpc="1">
-            <a:prstTxWarp prst="textNoShape">
-              <a:avLst/>
-            </a:prstTxWarp>
-            <a:noAutofit/>
-          </a:bodyPr>
-          <a:lstStyle/>
-          <a:p>
-            <a:pPr algn="ctr" defTabSz="914342" fontAlgn="base">
-              <a:lnSpc>
-                <a:spcPct val="90000"/>
-              </a:lnSpc>
-              <a:spcBef>
-                <a:spcPct val="20000"/>
-              </a:spcBef>
-              <a:spcAft>
-                <a:spcPct val="0"/>
-              </a:spcAft>
-            </a:pPr>
-            <a:r>
-              <a:rPr lang="en-US" altLang="ja-JP" sz="2400" dirty="0" smtClean="0">
-                <a:solidFill>
-                  <a:schemeClr val="tx1"/>
-                </a:solidFill>
-                <a:latin typeface="メイリオ" panose="020B0604030504040204" pitchFamily="50" charset="-128"/>
-                <a:ea typeface="メイリオ" panose="020B0604030504040204" pitchFamily="50" charset="-128"/>
-                <a:cs typeface="メイリオ" pitchFamily="50" charset="-128"/>
-              </a:rPr>
-              <a:t>Component</a:t>
-            </a:r>
-          </a:p>
-          <a:p>
-            <a:pPr algn="ctr" defTabSz="914342" fontAlgn="base">
-              <a:lnSpc>
-                <a:spcPct val="90000"/>
-              </a:lnSpc>
-              <a:spcBef>
-                <a:spcPct val="20000"/>
-              </a:spcBef>
-              <a:spcAft>
-                <a:spcPct val="0"/>
-              </a:spcAft>
-            </a:pPr>
-            <a:r>
-              <a:rPr lang="en-US" altLang="ja-JP" sz="2400" dirty="0" smtClean="0">
-                <a:solidFill>
-                  <a:schemeClr val="tx1"/>
-                </a:solidFill>
-                <a:latin typeface="メイリオ" panose="020B0604030504040204" pitchFamily="50" charset="-128"/>
-                <a:ea typeface="メイリオ" panose="020B0604030504040204" pitchFamily="50" charset="-128"/>
-                <a:cs typeface="メイリオ" pitchFamily="50" charset="-128"/>
-              </a:rPr>
-              <a:t>(which needs allocate and deallocate memory)</a:t>
-            </a:r>
-            <a:endParaRPr lang="en-US" altLang="ja-JP" sz="2400" dirty="0">
-              <a:solidFill>
-                <a:schemeClr val="tx1"/>
-              </a:solidFill>
-              <a:latin typeface="メイリオ" panose="020B0604030504040204" pitchFamily="50" charset="-128"/>
-              <a:ea typeface="メイリオ" panose="020B0604030504040204" pitchFamily="50" charset="-128"/>
-              <a:cs typeface="メイリオ" pitchFamily="50" charset="-128"/>
-            </a:endParaRPr>
-          </a:p>
-        </p:txBody>
-      </p:sp>
-      <p:cxnSp>
-        <p:nvCxnSpPr>
-          <p:cNvPr id="87" name="直線コネクタ 86"/>
-          <p:cNvCxnSpPr>
-            <a:stCxn id="86" idx="3"/>
-          </p:cNvCxnSpPr>
-          <p:nvPr/>
-        </p:nvCxnSpPr>
-        <p:spPr bwMode="auto">
-          <a:xfrm flipV="1">
-            <a:off x="2535122" y="2908118"/>
-            <a:ext cx="272143" cy="1"/>
-          </a:xfrm>
-          <a:prstGeom prst="line">
-            <a:avLst/>
-          </a:prstGeom>
-          <a:solidFill>
-            <a:schemeClr val="accent1"/>
-          </a:solidFill>
-          <a:ln w="9525" cap="flat" cmpd="sng" algn="ctr">
-            <a:solidFill>
-              <a:schemeClr val="tx1"/>
-            </a:solidFill>
-            <a:prstDash val="solid"/>
-            <a:round/>
-            <a:headEnd type="none" w="med" len="med"/>
-            <a:tailEnd type="none" w="med" len="med"/>
-          </a:ln>
-          <a:effectLst/>
-          <a:extLst>
-            <a:ext uri="{AF507438-7753-43E0-B8FC-AC1667EBCBE1}">
-              <a14:hiddenEffects xmlns:a14="http://schemas.microsoft.com/office/drawing/2010/main">
-                <a:effectLst>
-                  <a:outerShdw dist="35921" dir="2700000" algn="ctr" rotWithShape="0">
-                    <a:schemeClr val="bg2"/>
-                  </a:outerShdw>
-                </a:effectLst>
-              </a14:hiddenEffects>
-            </a:ext>
-          </a:extLst>
-        </p:spPr>
-      </p:cxnSp>
-      <p:sp>
-        <p:nvSpPr>
-          <p:cNvPr id="88" name="二等辺三角形 87"/>
-          <p:cNvSpPr/>
-          <p:nvPr/>
-        </p:nvSpPr>
-        <p:spPr bwMode="auto">
-          <a:xfrm rot="5400000" flipH="1">
-            <a:off x="2669694" y="2748817"/>
-            <a:ext cx="530128" cy="255740"/>
-          </a:xfrm>
-          <a:prstGeom prst="triangle">
-            <a:avLst/>
-          </a:prstGeom>
-          <a:solidFill>
-            <a:schemeClr val="tx1"/>
-          </a:solidFill>
-          <a:ln w="9525" cap="flat" cmpd="sng" algn="ctr">
-            <a:solidFill>
-              <a:schemeClr val="tx1"/>
-            </a:solidFill>
-            <a:prstDash val="solid"/>
-            <a:round/>
-            <a:headEnd type="none" w="med" len="med"/>
-            <a:tailEnd type="triangle" w="med" len="med"/>
-          </a:ln>
-          <a:effectLst/>
-          <a:extLst/>
-        </p:spPr>
-        <p:txBody>
-          <a:bodyPr vert="horz" wrap="square" lIns="90000" tIns="46800" rIns="90000" bIns="46800" numCol="1" rtlCol="0" anchor="t" anchorCtr="0" compatLnSpc="1">
-            <a:prstTxWarp prst="textNoShape">
-              <a:avLst/>
-            </a:prstTxWarp>
-            <a:spAutoFit/>
-          </a:bodyPr>
-          <a:lstStyle/>
-          <a:p>
-            <a:pPr defTabSz="914342" fontAlgn="base">
-              <a:lnSpc>
-                <a:spcPct val="90000"/>
-              </a:lnSpc>
-              <a:spcBef>
-                <a:spcPct val="20000"/>
-              </a:spcBef>
-              <a:spcAft>
-                <a:spcPct val="0"/>
-              </a:spcAft>
-            </a:pPr>
-            <a:endParaRPr lang="ja-JP" altLang="en-US">
-              <a:latin typeface="Times New Roman" pitchFamily="18" charset="0"/>
-              <a:ea typeface="メイリオ" pitchFamily="50" charset="-128"/>
-              <a:cs typeface="メイリオ" pitchFamily="50" charset="-128"/>
-            </a:endParaRPr>
-          </a:p>
-        </p:txBody>
-      </p:sp>
+              </a:endParaRPr>
+            </a:p>
+          </p:txBody>
+        </p:sp>
+      </p:grpSp>
     </p:spTree>
     <p:extLst>
       <p:ext uri="{BB962C8B-B14F-4D97-AF65-F5344CB8AC3E}">
@@ -4982,7 +4951,7 @@
 <file path=ppt/theme/theme1.xml><?xml version="1.0" encoding="utf-8"?>
 <a:theme xmlns:a="http://schemas.openxmlformats.org/drawingml/2006/main" name="Office テーマ">
   <a:themeElements>
-    <a:clrScheme name="Office">
+    <a:clrScheme name="Office テーマ">
       <a:dk1>
         <a:sysClr val="windowText" lastClr="000000"/>
       </a:dk1>
@@ -5020,14 +4989,14 @@
         <a:srgbClr val="954F72"/>
       </a:folHlink>
     </a:clrScheme>
-    <a:fontScheme name="Office">
+    <a:fontScheme name="Office テーマ">
       <a:majorFont>
         <a:latin typeface="Calibri Light" panose="020F0302020204030204"/>
         <a:ea typeface=""/>
         <a:cs typeface=""/>
-        <a:font script="Jpan" typeface="ＭＳ Ｐゴシック"/>
+        <a:font script="Jpan" typeface="游ゴシック Light"/>
         <a:font script="Hang" typeface="맑은 고딕"/>
-        <a:font script="Hans" typeface="宋体"/>
+        <a:font script="Hans" typeface="等线 Light"/>
         <a:font script="Hant" typeface="新細明體"/>
         <a:font script="Arab" typeface="Times New Roman"/>
         <a:font script="Hebr" typeface="Times New Roman"/>
@@ -5060,9 +5029,9 @@
         <a:latin typeface="Calibri" panose="020F0502020204030204"/>
         <a:ea typeface=""/>
         <a:cs typeface=""/>
-        <a:font script="Jpan" typeface="ＭＳ Ｐゴシック"/>
+        <a:font script="Jpan" typeface="游ゴシック"/>
         <a:font script="Hang" typeface="맑은 고딕"/>
-        <a:font script="Hans" typeface="宋体"/>
+        <a:font script="Hans" typeface="等线"/>
         <a:font script="Hant" typeface="新細明體"/>
         <a:font script="Arab" typeface="Arial"/>
         <a:font script="Hebr" typeface="Arial"/>
@@ -5092,7 +5061,7 @@
         <a:font script="Geor" typeface="Sylfaen"/>
       </a:minorFont>
     </a:fontScheme>
-    <a:fmtScheme name="Office">
+    <a:fmtScheme name="Office テーマ">
       <a:fillStyleLst>
         <a:solidFill>
           <a:schemeClr val="phClr"/>
